--- a/簡報及DB/.Net開發環境.pptx
+++ b/簡報及DB/.Net開發環境.pptx
@@ -5,10 +5,10 @@
     <p:sldMasterId id="2147483649" r:id="rId1"/>
   </p:sldMasterIdLst>
   <p:notesMasterIdLst>
-    <p:notesMasterId r:id="rId15"/>
+    <p:notesMasterId r:id="rId17"/>
   </p:notesMasterIdLst>
   <p:handoutMasterIdLst>
-    <p:handoutMasterId r:id="rId16"/>
+    <p:handoutMasterId r:id="rId18"/>
   </p:handoutMasterIdLst>
   <p:sldIdLst>
     <p:sldId id="585" r:id="rId2"/>
@@ -23,7 +23,9 @@
     <p:sldId id="691" r:id="rId11"/>
     <p:sldId id="692" r:id="rId12"/>
     <p:sldId id="694" r:id="rId13"/>
-    <p:sldId id="647" r:id="rId14"/>
+    <p:sldId id="696" r:id="rId14"/>
+    <p:sldId id="695" r:id="rId15"/>
+    <p:sldId id="647" r:id="rId16"/>
   </p:sldIdLst>
   <p:sldSz cx="9144000" cy="6858000" type="screen4x3"/>
   <p:notesSz cx="6797675" cy="9926638"/>
@@ -2084,6 +2086,13 @@
         </dgm:presLayoutVars>
       </dgm:prSet>
       <dgm:spPr/>
+      <dgm:t>
+        <a:bodyPr/>
+        <a:lstStyle/>
+        <a:p>
+          <a:endParaRPr lang="zh-TW" altLang="en-US"/>
+        </a:p>
+      </dgm:t>
     </dgm:pt>
     <dgm:pt modelId="{40A1F7E7-00C0-4D3A-993F-83512B32CABF}" type="pres">
       <dgm:prSet presAssocID="{3B7339BD-5972-402F-A3EE-F7B22F665A63}" presName="node" presStyleLbl="node1" presStyleIdx="0" presStyleCnt="4">
@@ -2107,6 +2116,13 @@
     <dgm:pt modelId="{5C880EE9-A9F6-44B1-8A2D-53F3DE862FA2}" type="pres">
       <dgm:prSet presAssocID="{C1F9AAEA-560D-4E1A-9E8F-A6247ECAF84D}" presName="sibTrans" presStyleLbl="sibTrans1D1" presStyleIdx="0" presStyleCnt="4"/>
       <dgm:spPr/>
+      <dgm:t>
+        <a:bodyPr/>
+        <a:lstStyle/>
+        <a:p>
+          <a:endParaRPr lang="zh-TW" altLang="en-US"/>
+        </a:p>
+      </dgm:t>
     </dgm:pt>
     <dgm:pt modelId="{A56D4E53-3727-4B4C-AB67-CEE7BC75E98D}" type="pres">
       <dgm:prSet presAssocID="{AF503A18-DF2D-4293-82DA-9235F15FD4CB}" presName="node" presStyleLbl="node1" presStyleIdx="1" presStyleCnt="4">
@@ -2130,6 +2146,13 @@
     <dgm:pt modelId="{071A10FA-28E6-4FE6-BB25-6C2863E6DF68}" type="pres">
       <dgm:prSet presAssocID="{8AC99278-AA24-473C-B385-33C711BBAF69}" presName="sibTrans" presStyleLbl="sibTrans1D1" presStyleIdx="1" presStyleCnt="4"/>
       <dgm:spPr/>
+      <dgm:t>
+        <a:bodyPr/>
+        <a:lstStyle/>
+        <a:p>
+          <a:endParaRPr lang="zh-TW" altLang="en-US"/>
+        </a:p>
+      </dgm:t>
     </dgm:pt>
     <dgm:pt modelId="{87006EA2-7EED-449F-9565-993ACE5F02CD}" type="pres">
       <dgm:prSet presAssocID="{C9E1D762-ABA2-4266-BABA-2FFC654253DD}" presName="node" presStyleLbl="node1" presStyleIdx="2" presStyleCnt="4">
@@ -2138,6 +2161,13 @@
         </dgm:presLayoutVars>
       </dgm:prSet>
       <dgm:spPr/>
+      <dgm:t>
+        <a:bodyPr/>
+        <a:lstStyle/>
+        <a:p>
+          <a:endParaRPr lang="zh-TW" altLang="en-US"/>
+        </a:p>
+      </dgm:t>
     </dgm:pt>
     <dgm:pt modelId="{B99298C6-2569-4265-98E9-1F7C10BAFF94}" type="pres">
       <dgm:prSet presAssocID="{C9E1D762-ABA2-4266-BABA-2FFC654253DD}" presName="spNode" presStyleCnt="0"/>
@@ -2146,6 +2176,13 @@
     <dgm:pt modelId="{B1C2DA86-56A4-4DE3-BD72-E5825FDAD9AE}" type="pres">
       <dgm:prSet presAssocID="{D543C13C-CD89-424A-BF89-ACFCA0CE6C88}" presName="sibTrans" presStyleLbl="sibTrans1D1" presStyleIdx="2" presStyleCnt="4"/>
       <dgm:spPr/>
+      <dgm:t>
+        <a:bodyPr/>
+        <a:lstStyle/>
+        <a:p>
+          <a:endParaRPr lang="zh-TW" altLang="en-US"/>
+        </a:p>
+      </dgm:t>
     </dgm:pt>
     <dgm:pt modelId="{B472D460-D847-4A13-929B-FBF425D69083}" type="pres">
       <dgm:prSet presAssocID="{FFE09C4D-84CF-4DB8-884E-CC5A793844C4}" presName="node" presStyleLbl="node1" presStyleIdx="3" presStyleCnt="4">
@@ -2154,6 +2191,13 @@
         </dgm:presLayoutVars>
       </dgm:prSet>
       <dgm:spPr/>
+      <dgm:t>
+        <a:bodyPr/>
+        <a:lstStyle/>
+        <a:p>
+          <a:endParaRPr lang="zh-TW" altLang="en-US"/>
+        </a:p>
+      </dgm:t>
     </dgm:pt>
     <dgm:pt modelId="{A87EF137-86FD-43F5-A06F-13D7E8C0C190}" type="pres">
       <dgm:prSet presAssocID="{FFE09C4D-84CF-4DB8-884E-CC5A793844C4}" presName="spNode" presStyleCnt="0"/>
@@ -2162,6 +2206,13 @@
     <dgm:pt modelId="{58AAC2AA-9765-47B8-BE4F-70A820EB55FB}" type="pres">
       <dgm:prSet presAssocID="{8386BAF7-B531-4666-93F0-96491609FB92}" presName="sibTrans" presStyleLbl="sibTrans1D1" presStyleIdx="3" presStyleCnt="4"/>
       <dgm:spPr/>
+      <dgm:t>
+        <a:bodyPr/>
+        <a:lstStyle/>
+        <a:p>
+          <a:endParaRPr lang="zh-TW" altLang="en-US"/>
+        </a:p>
+      </dgm:t>
     </dgm:pt>
   </dgm:ptLst>
   <dgm:cxnLst>
@@ -2175,8 +2226,8 @@
     <dgm:cxn modelId="{B062114F-5F61-4B78-AACB-CC0ABCE693CE}" srcId="{B5678221-4467-4734-89B3-2CE80D37ED33}" destId="{AF503A18-DF2D-4293-82DA-9235F15FD4CB}" srcOrd="1" destOrd="0" parTransId="{869FEAA1-A598-40B8-83F1-495B2B5F1BAE}" sibTransId="{8AC99278-AA24-473C-B385-33C711BBAF69}"/>
     <dgm:cxn modelId="{AEB39201-5D48-4763-B22D-1A158FEE6826}" type="presOf" srcId="{FFE09C4D-84CF-4DB8-884E-CC5A793844C4}" destId="{B472D460-D847-4A13-929B-FBF425D69083}" srcOrd="0" destOrd="0" presId="urn:microsoft.com/office/officeart/2005/8/layout/cycle5"/>
     <dgm:cxn modelId="{E6C3D590-1A7B-4FC4-B669-14333574C5DB}" type="presOf" srcId="{D543C13C-CD89-424A-BF89-ACFCA0CE6C88}" destId="{B1C2DA86-56A4-4DE3-BD72-E5825FDAD9AE}" srcOrd="0" destOrd="0" presId="urn:microsoft.com/office/officeart/2005/8/layout/cycle5"/>
+    <dgm:cxn modelId="{F8F30341-A3B5-4217-B40E-72A9C5EC1FFE}" type="presOf" srcId="{C9E1D762-ABA2-4266-BABA-2FFC654253DD}" destId="{87006EA2-7EED-449F-9565-993ACE5F02CD}" srcOrd="0" destOrd="0" presId="urn:microsoft.com/office/officeart/2005/8/layout/cycle5"/>
     <dgm:cxn modelId="{FF31C526-F7DD-4E21-B300-82C759C6D8D3}" type="presOf" srcId="{B5678221-4467-4734-89B3-2CE80D37ED33}" destId="{7D37C149-1C00-489B-BB39-E9C6B0047407}" srcOrd="0" destOrd="0" presId="urn:microsoft.com/office/officeart/2005/8/layout/cycle5"/>
-    <dgm:cxn modelId="{F8F30341-A3B5-4217-B40E-72A9C5EC1FFE}" type="presOf" srcId="{C9E1D762-ABA2-4266-BABA-2FFC654253DD}" destId="{87006EA2-7EED-449F-9565-993ACE5F02CD}" srcOrd="0" destOrd="0" presId="urn:microsoft.com/office/officeart/2005/8/layout/cycle5"/>
     <dgm:cxn modelId="{BB6104CF-AE1D-450B-BD90-BDA810D91DA6}" srcId="{B5678221-4467-4734-89B3-2CE80D37ED33}" destId="{FFE09C4D-84CF-4DB8-884E-CC5A793844C4}" srcOrd="3" destOrd="0" parTransId="{746FF21B-CD09-4F30-8C83-1902A5470390}" sibTransId="{8386BAF7-B531-4666-93F0-96491609FB92}"/>
     <dgm:cxn modelId="{BB2FFAA9-2468-4A8C-B107-6471DE95F14A}" type="presParOf" srcId="{7D37C149-1C00-489B-BB39-E9C6B0047407}" destId="{40A1F7E7-00C0-4D3A-993F-83512B32CABF}" srcOrd="0" destOrd="0" presId="urn:microsoft.com/office/officeart/2005/8/layout/cycle5"/>
     <dgm:cxn modelId="{2F59A886-1081-4EFE-A91A-BE7314FB8122}" type="presParOf" srcId="{7D37C149-1C00-489B-BB39-E9C6B0047407}" destId="{19B000E6-27D2-47DE-A38D-F2310BDBD899}" srcOrd="1" destOrd="0" presId="urn:microsoft.com/office/officeart/2005/8/layout/cycle5"/>
@@ -2889,6 +2940,13 @@
         </dgm:presLayoutVars>
       </dgm:prSet>
       <dgm:spPr/>
+      <dgm:t>
+        <a:bodyPr/>
+        <a:lstStyle/>
+        <a:p>
+          <a:endParaRPr lang="zh-TW" altLang="en-US"/>
+        </a:p>
+      </dgm:t>
     </dgm:pt>
     <dgm:pt modelId="{FB754651-8E75-4975-9935-E90F8FA106EF}" type="pres">
       <dgm:prSet presAssocID="{5D68F434-5629-4A0B-89DF-CEDCD690810F}" presName="hierRoot1" presStyleCnt="0">
@@ -2920,6 +2978,13 @@
     <dgm:pt modelId="{BC67C762-2CE7-445D-9C69-33E2C50C0831}" type="pres">
       <dgm:prSet presAssocID="{5D68F434-5629-4A0B-89DF-CEDCD690810F}" presName="rootConnector1" presStyleLbl="node1" presStyleIdx="0" presStyleCnt="0"/>
       <dgm:spPr/>
+      <dgm:t>
+        <a:bodyPr/>
+        <a:lstStyle/>
+        <a:p>
+          <a:endParaRPr lang="zh-TW" altLang="en-US"/>
+        </a:p>
+      </dgm:t>
     </dgm:pt>
     <dgm:pt modelId="{5110832C-84F6-45C2-AD11-4154AA932583}" type="pres">
       <dgm:prSet presAssocID="{5D68F434-5629-4A0B-89DF-CEDCD690810F}" presName="hierChild2" presStyleCnt="0"/>
@@ -2928,6 +2993,13 @@
     <dgm:pt modelId="{56260870-07F5-4D48-BA8E-24B2742F739C}" type="pres">
       <dgm:prSet presAssocID="{4B9E8954-906F-4FF9-A71D-D5E0539DEF71}" presName="Name37" presStyleLbl="parChTrans1D2" presStyleIdx="0" presStyleCnt="4"/>
       <dgm:spPr/>
+      <dgm:t>
+        <a:bodyPr/>
+        <a:lstStyle/>
+        <a:p>
+          <a:endParaRPr lang="zh-TW" altLang="en-US"/>
+        </a:p>
+      </dgm:t>
     </dgm:pt>
     <dgm:pt modelId="{07D1ACD8-C70A-4CDB-A3F1-7D40DF7FD828}" type="pres">
       <dgm:prSet presAssocID="{4931A455-2A8B-4471-80F6-2252E27EBF4C}" presName="hierRoot2" presStyleCnt="0">
@@ -2959,6 +3031,13 @@
     <dgm:pt modelId="{9F44ACEE-88C8-4F94-94F3-10E42AE78E68}" type="pres">
       <dgm:prSet presAssocID="{4931A455-2A8B-4471-80F6-2252E27EBF4C}" presName="rootConnector" presStyleLbl="node2" presStyleIdx="0" presStyleCnt="4"/>
       <dgm:spPr/>
+      <dgm:t>
+        <a:bodyPr/>
+        <a:lstStyle/>
+        <a:p>
+          <a:endParaRPr lang="zh-TW" altLang="en-US"/>
+        </a:p>
+      </dgm:t>
     </dgm:pt>
     <dgm:pt modelId="{B9B27D23-67B2-400B-B283-EA17B05B09CD}" type="pres">
       <dgm:prSet presAssocID="{4931A455-2A8B-4471-80F6-2252E27EBF4C}" presName="hierChild4" presStyleCnt="0"/>
@@ -2967,6 +3046,13 @@
     <dgm:pt modelId="{F6BD76B2-EC11-40B9-97CD-E888D0F44B82}" type="pres">
       <dgm:prSet presAssocID="{926CC0A6-CE61-436C-AD67-E0976E412EC2}" presName="Name37" presStyleLbl="parChTrans1D3" presStyleIdx="0" presStyleCnt="8"/>
       <dgm:spPr/>
+      <dgm:t>
+        <a:bodyPr/>
+        <a:lstStyle/>
+        <a:p>
+          <a:endParaRPr lang="zh-TW" altLang="en-US"/>
+        </a:p>
+      </dgm:t>
     </dgm:pt>
     <dgm:pt modelId="{9FFDC169-B9E7-4007-8D6D-E323917DA597}" type="pres">
       <dgm:prSet presAssocID="{DE3DC0C9-DBE9-43A3-A775-88DF2395B416}" presName="hierRoot2" presStyleCnt="0">
@@ -2987,10 +3073,24 @@
         </dgm:presLayoutVars>
       </dgm:prSet>
       <dgm:spPr/>
+      <dgm:t>
+        <a:bodyPr/>
+        <a:lstStyle/>
+        <a:p>
+          <a:endParaRPr lang="zh-TW" altLang="en-US"/>
+        </a:p>
+      </dgm:t>
     </dgm:pt>
     <dgm:pt modelId="{C061CC6C-BF93-4544-854D-32AEBFC48F14}" type="pres">
       <dgm:prSet presAssocID="{DE3DC0C9-DBE9-43A3-A775-88DF2395B416}" presName="rootConnector" presStyleLbl="node3" presStyleIdx="0" presStyleCnt="8"/>
       <dgm:spPr/>
+      <dgm:t>
+        <a:bodyPr/>
+        <a:lstStyle/>
+        <a:p>
+          <a:endParaRPr lang="zh-TW" altLang="en-US"/>
+        </a:p>
+      </dgm:t>
     </dgm:pt>
     <dgm:pt modelId="{F48CB0F1-EB1A-4768-A2D7-535BFC76D3A6}" type="pres">
       <dgm:prSet presAssocID="{DE3DC0C9-DBE9-43A3-A775-88DF2395B416}" presName="hierChild4" presStyleCnt="0"/>
@@ -3003,6 +3103,13 @@
     <dgm:pt modelId="{2790D038-D5F8-44EC-8913-6CBEE24DB34D}" type="pres">
       <dgm:prSet presAssocID="{466632C1-2F39-4856-A864-126C29558FCA}" presName="Name37" presStyleLbl="parChTrans1D3" presStyleIdx="1" presStyleCnt="8"/>
       <dgm:spPr/>
+      <dgm:t>
+        <a:bodyPr/>
+        <a:lstStyle/>
+        <a:p>
+          <a:endParaRPr lang="zh-TW" altLang="en-US"/>
+        </a:p>
+      </dgm:t>
     </dgm:pt>
     <dgm:pt modelId="{210020C9-D249-42BF-9884-5150900CDE99}" type="pres">
       <dgm:prSet presAssocID="{FF6D9DCF-E27D-4CBC-90CC-E71F697B710F}" presName="hierRoot2" presStyleCnt="0">
@@ -3023,10 +3130,24 @@
         </dgm:presLayoutVars>
       </dgm:prSet>
       <dgm:spPr/>
+      <dgm:t>
+        <a:bodyPr/>
+        <a:lstStyle/>
+        <a:p>
+          <a:endParaRPr lang="zh-TW" altLang="en-US"/>
+        </a:p>
+      </dgm:t>
     </dgm:pt>
     <dgm:pt modelId="{2D644406-11BA-4452-A476-23CAE7C79C5E}" type="pres">
       <dgm:prSet presAssocID="{FF6D9DCF-E27D-4CBC-90CC-E71F697B710F}" presName="rootConnector" presStyleLbl="node3" presStyleIdx="1" presStyleCnt="8"/>
       <dgm:spPr/>
+      <dgm:t>
+        <a:bodyPr/>
+        <a:lstStyle/>
+        <a:p>
+          <a:endParaRPr lang="zh-TW" altLang="en-US"/>
+        </a:p>
+      </dgm:t>
     </dgm:pt>
     <dgm:pt modelId="{D8A861C5-C134-451B-8427-2F0FB67029E5}" type="pres">
       <dgm:prSet presAssocID="{FF6D9DCF-E27D-4CBC-90CC-E71F697B710F}" presName="hierChild4" presStyleCnt="0"/>
@@ -3043,6 +3164,13 @@
     <dgm:pt modelId="{47F2A255-5164-432B-984F-D87E14A0AA8C}" type="pres">
       <dgm:prSet presAssocID="{4BCA3742-7324-4072-88FB-133AB376F51F}" presName="Name37" presStyleLbl="parChTrans1D2" presStyleIdx="1" presStyleCnt="4"/>
       <dgm:spPr/>
+      <dgm:t>
+        <a:bodyPr/>
+        <a:lstStyle/>
+        <a:p>
+          <a:endParaRPr lang="zh-TW" altLang="en-US"/>
+        </a:p>
+      </dgm:t>
     </dgm:pt>
     <dgm:pt modelId="{D6DADEFA-DB2B-4BB6-B251-8F8405E0C677}" type="pres">
       <dgm:prSet presAssocID="{8074F0D0-4B5F-4EAE-A29E-934B8E462244}" presName="hierRoot2" presStyleCnt="0">
@@ -3074,6 +3202,13 @@
     <dgm:pt modelId="{B56CC9FB-BF6C-474B-A9A0-A22AB6E30B5B}" type="pres">
       <dgm:prSet presAssocID="{8074F0D0-4B5F-4EAE-A29E-934B8E462244}" presName="rootConnector" presStyleLbl="node2" presStyleIdx="1" presStyleCnt="4"/>
       <dgm:spPr/>
+      <dgm:t>
+        <a:bodyPr/>
+        <a:lstStyle/>
+        <a:p>
+          <a:endParaRPr lang="zh-TW" altLang="en-US"/>
+        </a:p>
+      </dgm:t>
     </dgm:pt>
     <dgm:pt modelId="{28AA3DA3-8FB7-4FB1-9546-8D4EFF0FD8E6}" type="pres">
       <dgm:prSet presAssocID="{8074F0D0-4B5F-4EAE-A29E-934B8E462244}" presName="hierChild4" presStyleCnt="0"/>
@@ -3082,6 +3217,13 @@
     <dgm:pt modelId="{E5B69F7A-F9A2-49C5-9E05-21CF57585756}" type="pres">
       <dgm:prSet presAssocID="{B48E0D52-9B49-40B1-8067-39A06A86657B}" presName="Name37" presStyleLbl="parChTrans1D3" presStyleIdx="2" presStyleCnt="8"/>
       <dgm:spPr/>
+      <dgm:t>
+        <a:bodyPr/>
+        <a:lstStyle/>
+        <a:p>
+          <a:endParaRPr lang="zh-TW" altLang="en-US"/>
+        </a:p>
+      </dgm:t>
     </dgm:pt>
     <dgm:pt modelId="{A1EE21D0-0231-4320-9D5F-E382FCD5F882}" type="pres">
       <dgm:prSet presAssocID="{7DDDF538-FD59-43F4-91DE-3C07446A1AAA}" presName="hierRoot2" presStyleCnt="0">
@@ -3113,6 +3255,13 @@
     <dgm:pt modelId="{2F188D84-7B1D-4F28-9A53-BFC856914F93}" type="pres">
       <dgm:prSet presAssocID="{7DDDF538-FD59-43F4-91DE-3C07446A1AAA}" presName="rootConnector" presStyleLbl="node3" presStyleIdx="2" presStyleCnt="8"/>
       <dgm:spPr/>
+      <dgm:t>
+        <a:bodyPr/>
+        <a:lstStyle/>
+        <a:p>
+          <a:endParaRPr lang="zh-TW" altLang="en-US"/>
+        </a:p>
+      </dgm:t>
     </dgm:pt>
     <dgm:pt modelId="{E793C256-9758-4BA3-906F-A619B69F6DC3}" type="pres">
       <dgm:prSet presAssocID="{7DDDF538-FD59-43F4-91DE-3C07446A1AAA}" presName="hierChild4" presStyleCnt="0"/>
@@ -3125,6 +3274,13 @@
     <dgm:pt modelId="{B683ABF1-31C4-4EC1-AF3E-3D96BEFFD95A}" type="pres">
       <dgm:prSet presAssocID="{03CEDE5C-6587-4BBD-8B7D-5988656315A5}" presName="Name37" presStyleLbl="parChTrans1D3" presStyleIdx="3" presStyleCnt="8"/>
       <dgm:spPr/>
+      <dgm:t>
+        <a:bodyPr/>
+        <a:lstStyle/>
+        <a:p>
+          <a:endParaRPr lang="zh-TW" altLang="en-US"/>
+        </a:p>
+      </dgm:t>
     </dgm:pt>
     <dgm:pt modelId="{A5527E83-3D69-434F-8501-3A46246D65F3}" type="pres">
       <dgm:prSet presAssocID="{A8A02A9F-FBEF-4F93-A86A-9712106B3BBB}" presName="hierRoot2" presStyleCnt="0">
@@ -3156,6 +3312,13 @@
     <dgm:pt modelId="{80B28158-91CB-49A4-AE02-0EEA7D3A1ABD}" type="pres">
       <dgm:prSet presAssocID="{A8A02A9F-FBEF-4F93-A86A-9712106B3BBB}" presName="rootConnector" presStyleLbl="node3" presStyleIdx="3" presStyleCnt="8"/>
       <dgm:spPr/>
+      <dgm:t>
+        <a:bodyPr/>
+        <a:lstStyle/>
+        <a:p>
+          <a:endParaRPr lang="zh-TW" altLang="en-US"/>
+        </a:p>
+      </dgm:t>
     </dgm:pt>
     <dgm:pt modelId="{47D2C0EB-0AAD-4753-8F4E-B6F8CD1CA9B3}" type="pres">
       <dgm:prSet presAssocID="{A8A02A9F-FBEF-4F93-A86A-9712106B3BBB}" presName="hierChild4" presStyleCnt="0"/>
@@ -3172,6 +3335,13 @@
     <dgm:pt modelId="{DFB3FB98-6794-4645-BE21-7E36AE319C85}" type="pres">
       <dgm:prSet presAssocID="{1716D6E5-376D-447A-86EE-C2D9821D90D3}" presName="Name37" presStyleLbl="parChTrans1D2" presStyleIdx="2" presStyleCnt="4"/>
       <dgm:spPr/>
+      <dgm:t>
+        <a:bodyPr/>
+        <a:lstStyle/>
+        <a:p>
+          <a:endParaRPr lang="zh-TW" altLang="en-US"/>
+        </a:p>
+      </dgm:t>
     </dgm:pt>
     <dgm:pt modelId="{F181C53C-6DD6-43DF-AD04-E8E63E453FCC}" type="pres">
       <dgm:prSet presAssocID="{39471E3D-115B-4C9E-9D3A-41AF87906D91}" presName="hierRoot2" presStyleCnt="0">
@@ -3203,6 +3373,13 @@
     <dgm:pt modelId="{EBC3F75D-7828-409E-BCDE-7B5C044553D8}" type="pres">
       <dgm:prSet presAssocID="{39471E3D-115B-4C9E-9D3A-41AF87906D91}" presName="rootConnector" presStyleLbl="node2" presStyleIdx="2" presStyleCnt="4"/>
       <dgm:spPr/>
+      <dgm:t>
+        <a:bodyPr/>
+        <a:lstStyle/>
+        <a:p>
+          <a:endParaRPr lang="zh-TW" altLang="en-US"/>
+        </a:p>
+      </dgm:t>
     </dgm:pt>
     <dgm:pt modelId="{BA8B88B2-A18B-4E21-BC17-80500779D8C6}" type="pres">
       <dgm:prSet presAssocID="{39471E3D-115B-4C9E-9D3A-41AF87906D91}" presName="hierChild4" presStyleCnt="0"/>
@@ -3211,6 +3388,13 @@
     <dgm:pt modelId="{DEA0F37B-0327-4F0C-B5CF-792E1BDACCCD}" type="pres">
       <dgm:prSet presAssocID="{C2329053-98F5-4A43-82CD-934D54B27C30}" presName="Name37" presStyleLbl="parChTrans1D3" presStyleIdx="4" presStyleCnt="8"/>
       <dgm:spPr/>
+      <dgm:t>
+        <a:bodyPr/>
+        <a:lstStyle/>
+        <a:p>
+          <a:endParaRPr lang="zh-TW" altLang="en-US"/>
+        </a:p>
+      </dgm:t>
     </dgm:pt>
     <dgm:pt modelId="{3E5C69E0-DE26-4540-A1B6-DBE5FE31D811}" type="pres">
       <dgm:prSet presAssocID="{D4F685C4-D91A-4D62-BBFF-394E4BFED2C0}" presName="hierRoot2" presStyleCnt="0">
@@ -3242,6 +3426,13 @@
     <dgm:pt modelId="{C77B07F7-1E0C-4B8A-894D-AA2581307423}" type="pres">
       <dgm:prSet presAssocID="{D4F685C4-D91A-4D62-BBFF-394E4BFED2C0}" presName="rootConnector" presStyleLbl="node3" presStyleIdx="4" presStyleCnt="8"/>
       <dgm:spPr/>
+      <dgm:t>
+        <a:bodyPr/>
+        <a:lstStyle/>
+        <a:p>
+          <a:endParaRPr lang="zh-TW" altLang="en-US"/>
+        </a:p>
+      </dgm:t>
     </dgm:pt>
     <dgm:pt modelId="{A6D55E4A-FFF6-4685-B9A7-BB8B55E225F1}" type="pres">
       <dgm:prSet presAssocID="{D4F685C4-D91A-4D62-BBFF-394E4BFED2C0}" presName="hierChild4" presStyleCnt="0"/>
@@ -3254,6 +3445,13 @@
     <dgm:pt modelId="{D1970C6C-007C-4606-9DB3-32AC1705A646}" type="pres">
       <dgm:prSet presAssocID="{FE9B9EB4-057D-4E6C-A227-E1C1EF832BDE}" presName="Name37" presStyleLbl="parChTrans1D3" presStyleIdx="5" presStyleCnt="8"/>
       <dgm:spPr/>
+      <dgm:t>
+        <a:bodyPr/>
+        <a:lstStyle/>
+        <a:p>
+          <a:endParaRPr lang="zh-TW" altLang="en-US"/>
+        </a:p>
+      </dgm:t>
     </dgm:pt>
     <dgm:pt modelId="{13D47B05-F453-4EEB-B181-AF69AAB63485}" type="pres">
       <dgm:prSet presAssocID="{C525B542-BA96-4894-B400-505652F22F14}" presName="hierRoot2" presStyleCnt="0">
@@ -3285,6 +3483,13 @@
     <dgm:pt modelId="{53D0FAD0-6ABF-4405-8A79-8B01223E72AF}" type="pres">
       <dgm:prSet presAssocID="{C525B542-BA96-4894-B400-505652F22F14}" presName="rootConnector" presStyleLbl="node3" presStyleIdx="5" presStyleCnt="8"/>
       <dgm:spPr/>
+      <dgm:t>
+        <a:bodyPr/>
+        <a:lstStyle/>
+        <a:p>
+          <a:endParaRPr lang="zh-TW" altLang="en-US"/>
+        </a:p>
+      </dgm:t>
     </dgm:pt>
     <dgm:pt modelId="{C6B11C6A-12E4-4711-916F-F3AED87E2305}" type="pres">
       <dgm:prSet presAssocID="{C525B542-BA96-4894-B400-505652F22F14}" presName="hierChild4" presStyleCnt="0"/>
@@ -3301,6 +3506,13 @@
     <dgm:pt modelId="{F7EB2639-1089-441A-A90E-E44D5B127D58}" type="pres">
       <dgm:prSet presAssocID="{75EF7A21-566B-41B7-926D-3DD82497FE05}" presName="Name37" presStyleLbl="parChTrans1D2" presStyleIdx="3" presStyleCnt="4"/>
       <dgm:spPr/>
+      <dgm:t>
+        <a:bodyPr/>
+        <a:lstStyle/>
+        <a:p>
+          <a:endParaRPr lang="zh-TW" altLang="en-US"/>
+        </a:p>
+      </dgm:t>
     </dgm:pt>
     <dgm:pt modelId="{66EBEAB6-A3C9-448C-8A30-832C5D557182}" type="pres">
       <dgm:prSet presAssocID="{5A18143C-77CB-4433-BDB0-AC1F499DA72A}" presName="hierRoot2" presStyleCnt="0">
@@ -3332,6 +3544,13 @@
     <dgm:pt modelId="{8D212291-232E-4CF2-AA36-EDED78C9DF9A}" type="pres">
       <dgm:prSet presAssocID="{5A18143C-77CB-4433-BDB0-AC1F499DA72A}" presName="rootConnector" presStyleLbl="node2" presStyleIdx="3" presStyleCnt="4"/>
       <dgm:spPr/>
+      <dgm:t>
+        <a:bodyPr/>
+        <a:lstStyle/>
+        <a:p>
+          <a:endParaRPr lang="zh-TW" altLang="en-US"/>
+        </a:p>
+      </dgm:t>
     </dgm:pt>
     <dgm:pt modelId="{34D7878A-99B9-4F0A-B948-D7A1443BDC57}" type="pres">
       <dgm:prSet presAssocID="{5A18143C-77CB-4433-BDB0-AC1F499DA72A}" presName="hierChild4" presStyleCnt="0"/>
@@ -3340,6 +3559,13 @@
     <dgm:pt modelId="{337C8BE0-391D-49B9-BDFB-405E92824591}" type="pres">
       <dgm:prSet presAssocID="{9354A35A-77D8-4DAB-8E8D-15893280A0B1}" presName="Name37" presStyleLbl="parChTrans1D3" presStyleIdx="6" presStyleCnt="8"/>
       <dgm:spPr/>
+      <dgm:t>
+        <a:bodyPr/>
+        <a:lstStyle/>
+        <a:p>
+          <a:endParaRPr lang="zh-TW" altLang="en-US"/>
+        </a:p>
+      </dgm:t>
     </dgm:pt>
     <dgm:pt modelId="{50F5A9A2-415C-41D8-8669-04BB2C9BA276}" type="pres">
       <dgm:prSet presAssocID="{B31B442C-F3D9-4E76-A9A2-23A70A844664}" presName="hierRoot2" presStyleCnt="0">
@@ -3371,6 +3597,13 @@
     <dgm:pt modelId="{11D77064-DC4A-4824-A48A-BF38F0198D02}" type="pres">
       <dgm:prSet presAssocID="{B31B442C-F3D9-4E76-A9A2-23A70A844664}" presName="rootConnector" presStyleLbl="node3" presStyleIdx="6" presStyleCnt="8"/>
       <dgm:spPr/>
+      <dgm:t>
+        <a:bodyPr/>
+        <a:lstStyle/>
+        <a:p>
+          <a:endParaRPr lang="zh-TW" altLang="en-US"/>
+        </a:p>
+      </dgm:t>
     </dgm:pt>
     <dgm:pt modelId="{C44D1739-2EC3-4476-91E7-DF0C8658968C}" type="pres">
       <dgm:prSet presAssocID="{B31B442C-F3D9-4E76-A9A2-23A70A844664}" presName="hierChild4" presStyleCnt="0"/>
@@ -3383,6 +3616,13 @@
     <dgm:pt modelId="{179505CC-2209-4D76-881C-CEB379AA9F70}" type="pres">
       <dgm:prSet presAssocID="{9E316403-D5D4-4D6C-A6C8-7AFBCC91C7B6}" presName="Name37" presStyleLbl="parChTrans1D3" presStyleIdx="7" presStyleCnt="8"/>
       <dgm:spPr/>
+      <dgm:t>
+        <a:bodyPr/>
+        <a:lstStyle/>
+        <a:p>
+          <a:endParaRPr lang="zh-TW" altLang="en-US"/>
+        </a:p>
+      </dgm:t>
     </dgm:pt>
     <dgm:pt modelId="{E05DF2B6-419F-4B87-B620-88AB954BDF79}" type="pres">
       <dgm:prSet presAssocID="{993EFD47-03CD-41F5-8470-8BAA8BE99133}" presName="hierRoot2" presStyleCnt="0">
@@ -3414,6 +3654,13 @@
     <dgm:pt modelId="{3CED3BFF-5330-4A8F-8005-7D7EF93EDCC7}" type="pres">
       <dgm:prSet presAssocID="{993EFD47-03CD-41F5-8470-8BAA8BE99133}" presName="rootConnector" presStyleLbl="node3" presStyleIdx="7" presStyleCnt="8"/>
       <dgm:spPr/>
+      <dgm:t>
+        <a:bodyPr/>
+        <a:lstStyle/>
+        <a:p>
+          <a:endParaRPr lang="zh-TW" altLang="en-US"/>
+        </a:p>
+      </dgm:t>
     </dgm:pt>
     <dgm:pt modelId="{7B255765-CB34-44D9-BAD0-F8B8BE1969F4}" type="pres">
       <dgm:prSet presAssocID="{993EFD47-03CD-41F5-8470-8BAA8BE99133}" presName="hierChild4" presStyleCnt="0"/>
@@ -3433,58 +3680,58 @@
     </dgm:pt>
   </dgm:ptLst>
   <dgm:cxnLst>
+    <dgm:cxn modelId="{D8497A7A-12FC-4892-8CD0-07A45460D3D7}" type="presOf" srcId="{993EFD47-03CD-41F5-8470-8BAA8BE99133}" destId="{606321D3-00FD-4982-A5F8-F62E472196F4}" srcOrd="0" destOrd="0" presId="urn:microsoft.com/office/officeart/2005/8/layout/orgChart1"/>
+    <dgm:cxn modelId="{33A89655-FED7-4541-AF87-4111DBFAB95D}" srcId="{5D68F434-5629-4A0B-89DF-CEDCD690810F}" destId="{39471E3D-115B-4C9E-9D3A-41AF87906D91}" srcOrd="2" destOrd="0" parTransId="{1716D6E5-376D-447A-86EE-C2D9821D90D3}" sibTransId="{367882A2-E7C1-4511-B130-55B6CC33F3BD}"/>
+    <dgm:cxn modelId="{03D173AB-57CA-4D92-B371-DE9704794FBE}" type="presOf" srcId="{4931A455-2A8B-4471-80F6-2252E27EBF4C}" destId="{9F44ACEE-88C8-4F94-94F3-10E42AE78E68}" srcOrd="1" destOrd="0" presId="urn:microsoft.com/office/officeart/2005/8/layout/orgChart1"/>
+    <dgm:cxn modelId="{CD3DDDDE-71E3-4EB9-81D3-001597615AC2}" srcId="{8074F0D0-4B5F-4EAE-A29E-934B8E462244}" destId="{7DDDF538-FD59-43F4-91DE-3C07446A1AAA}" srcOrd="0" destOrd="0" parTransId="{B48E0D52-9B49-40B1-8067-39A06A86657B}" sibTransId="{C1A124EA-1ACD-4555-8D31-A54AA97E52F7}"/>
+    <dgm:cxn modelId="{EADC976D-32F4-4530-AA4D-0838C7BF2817}" type="presOf" srcId="{C525B542-BA96-4894-B400-505652F22F14}" destId="{D7FCB6BD-3CC1-494C-A059-BE96A05B643E}" srcOrd="0" destOrd="0" presId="urn:microsoft.com/office/officeart/2005/8/layout/orgChart1"/>
+    <dgm:cxn modelId="{FF15F90A-0277-4EDF-BF69-0DDEDB90E818}" srcId="{39471E3D-115B-4C9E-9D3A-41AF87906D91}" destId="{C525B542-BA96-4894-B400-505652F22F14}" srcOrd="1" destOrd="0" parTransId="{FE9B9EB4-057D-4E6C-A227-E1C1EF832BDE}" sibTransId="{E86C8493-18E3-4166-8FEB-CEBF7F677538}"/>
+    <dgm:cxn modelId="{5DCABFC5-D657-4829-A704-1F5C8E3BA45B}" type="presOf" srcId="{993EFD47-03CD-41F5-8470-8BAA8BE99133}" destId="{3CED3BFF-5330-4A8F-8005-7D7EF93EDCC7}" srcOrd="1" destOrd="0" presId="urn:microsoft.com/office/officeart/2005/8/layout/orgChart1"/>
+    <dgm:cxn modelId="{2DE29205-F5B1-480F-822E-3B3FD0ABF7A3}" type="presOf" srcId="{DE3DC0C9-DBE9-43A3-A775-88DF2395B416}" destId="{C061CC6C-BF93-4544-854D-32AEBFC48F14}" srcOrd="1" destOrd="0" presId="urn:microsoft.com/office/officeart/2005/8/layout/orgChart1"/>
+    <dgm:cxn modelId="{50CCF28E-A621-4D3D-BF48-030BBBCA3595}" type="presOf" srcId="{FF6D9DCF-E27D-4CBC-90CC-E71F697B710F}" destId="{96FE5838-04B0-4027-945B-BF6A758013F8}" srcOrd="0" destOrd="0" presId="urn:microsoft.com/office/officeart/2005/8/layout/orgChart1"/>
+    <dgm:cxn modelId="{D2D3EC24-4665-47B7-BB1C-3DBDC0320F2B}" type="presOf" srcId="{A8A02A9F-FBEF-4F93-A86A-9712106B3BBB}" destId="{F3B91E9A-F401-4108-B7CB-D0F1ED1C6746}" srcOrd="0" destOrd="0" presId="urn:microsoft.com/office/officeart/2005/8/layout/orgChart1"/>
+    <dgm:cxn modelId="{84C6038C-2456-4E6E-BC64-12746D18CA4E}" type="presOf" srcId="{9E316403-D5D4-4D6C-A6C8-7AFBCC91C7B6}" destId="{179505CC-2209-4D76-881C-CEB379AA9F70}" srcOrd="0" destOrd="0" presId="urn:microsoft.com/office/officeart/2005/8/layout/orgChart1"/>
+    <dgm:cxn modelId="{FE1BB0BA-C84C-47FD-B5CB-A4C3F0106591}" type="presOf" srcId="{D4F685C4-D91A-4D62-BBFF-394E4BFED2C0}" destId="{C77B07F7-1E0C-4B8A-894D-AA2581307423}" srcOrd="1" destOrd="0" presId="urn:microsoft.com/office/officeart/2005/8/layout/orgChart1"/>
+    <dgm:cxn modelId="{79EB58F8-4BD7-4353-85CA-D8B01EB5DE3B}" type="presOf" srcId="{4B9E8954-906F-4FF9-A71D-D5E0539DEF71}" destId="{56260870-07F5-4D48-BA8E-24B2742F739C}" srcOrd="0" destOrd="0" presId="urn:microsoft.com/office/officeart/2005/8/layout/orgChart1"/>
+    <dgm:cxn modelId="{294AF7DE-4B13-48F3-8DC7-D8D813C235CA}" type="presOf" srcId="{03CEDE5C-6587-4BBD-8B7D-5988656315A5}" destId="{B683ABF1-31C4-4EC1-AF3E-3D96BEFFD95A}" srcOrd="0" destOrd="0" presId="urn:microsoft.com/office/officeart/2005/8/layout/orgChart1"/>
+    <dgm:cxn modelId="{A475D54C-206E-43B6-A3D8-F490DA8A8FE3}" type="presOf" srcId="{B31B442C-F3D9-4E76-A9A2-23A70A844664}" destId="{11D77064-DC4A-4824-A48A-BF38F0198D02}" srcOrd="1" destOrd="0" presId="urn:microsoft.com/office/officeart/2005/8/layout/orgChart1"/>
+    <dgm:cxn modelId="{1536EDE7-3B1E-460F-9DA9-56531C3635D7}" type="presOf" srcId="{DE3DC0C9-DBE9-43A3-A775-88DF2395B416}" destId="{AB3EFF46-A9AB-4042-AF90-7F258BB82A95}" srcOrd="0" destOrd="0" presId="urn:microsoft.com/office/officeart/2005/8/layout/orgChart1"/>
+    <dgm:cxn modelId="{CC474DA0-1273-4D21-9913-30641701B7B4}" type="presOf" srcId="{C2329053-98F5-4A43-82CD-934D54B27C30}" destId="{DEA0F37B-0327-4F0C-B5CF-792E1BDACCCD}" srcOrd="0" destOrd="0" presId="urn:microsoft.com/office/officeart/2005/8/layout/orgChart1"/>
+    <dgm:cxn modelId="{337F44CE-4DAA-44AF-8EEA-E4704319D752}" type="presOf" srcId="{4BCA3742-7324-4072-88FB-133AB376F51F}" destId="{47F2A255-5164-432B-984F-D87E14A0AA8C}" srcOrd="0" destOrd="0" presId="urn:microsoft.com/office/officeart/2005/8/layout/orgChart1"/>
+    <dgm:cxn modelId="{19C944EB-DD54-4C50-926E-AE104DEAD05A}" srcId="{5D68F434-5629-4A0B-89DF-CEDCD690810F}" destId="{4931A455-2A8B-4471-80F6-2252E27EBF4C}" srcOrd="0" destOrd="0" parTransId="{4B9E8954-906F-4FF9-A71D-D5E0539DEF71}" sibTransId="{9454A6AD-CFFA-4600-8A78-3D2DD6F0E761}"/>
+    <dgm:cxn modelId="{872B0C61-4542-4517-9F0E-5C2D020F312B}" type="presOf" srcId="{C525B542-BA96-4894-B400-505652F22F14}" destId="{53D0FAD0-6ABF-4405-8A79-8B01223E72AF}" srcOrd="1" destOrd="0" presId="urn:microsoft.com/office/officeart/2005/8/layout/orgChart1"/>
+    <dgm:cxn modelId="{55565878-F3AC-4ECE-A473-E15A165C711B}" type="presOf" srcId="{9354A35A-77D8-4DAB-8E8D-15893280A0B1}" destId="{337C8BE0-391D-49B9-BDFB-405E92824591}" srcOrd="0" destOrd="0" presId="urn:microsoft.com/office/officeart/2005/8/layout/orgChart1"/>
+    <dgm:cxn modelId="{E07120A3-E032-4076-851E-7877EB1F127F}" type="presOf" srcId="{FE9B9EB4-057D-4E6C-A227-E1C1EF832BDE}" destId="{D1970C6C-007C-4606-9DB3-32AC1705A646}" srcOrd="0" destOrd="0" presId="urn:microsoft.com/office/officeart/2005/8/layout/orgChart1"/>
+    <dgm:cxn modelId="{F88E6F3E-3F3E-4ADA-B5C7-B2CB47EA8895}" type="presOf" srcId="{8074F0D0-4B5F-4EAE-A29E-934B8E462244}" destId="{06D4AC74-178D-45A8-8254-391B75A97454}" srcOrd="0" destOrd="0" presId="urn:microsoft.com/office/officeart/2005/8/layout/orgChart1"/>
+    <dgm:cxn modelId="{07B776B4-3D73-40EA-89DE-778521265EBF}" type="presOf" srcId="{5D68F434-5629-4A0B-89DF-CEDCD690810F}" destId="{BC67C762-2CE7-445D-9C69-33E2C50C0831}" srcOrd="1" destOrd="0" presId="urn:microsoft.com/office/officeart/2005/8/layout/orgChart1"/>
+    <dgm:cxn modelId="{57BBBD51-AF6A-4027-B6C6-7CA87E6B8E59}" type="presOf" srcId="{A8A02A9F-FBEF-4F93-A86A-9712106B3BBB}" destId="{80B28158-91CB-49A4-AE02-0EEA7D3A1ABD}" srcOrd="1" destOrd="0" presId="urn:microsoft.com/office/officeart/2005/8/layout/orgChart1"/>
+    <dgm:cxn modelId="{6092AC3A-C449-46D5-AC36-B15025F2853A}" srcId="{5D68F434-5629-4A0B-89DF-CEDCD690810F}" destId="{5A18143C-77CB-4433-BDB0-AC1F499DA72A}" srcOrd="3" destOrd="0" parTransId="{75EF7A21-566B-41B7-926D-3DD82497FE05}" sibTransId="{E7B6DADF-E403-4E49-90DE-AB1B90C51B9F}"/>
+    <dgm:cxn modelId="{C79BBB5D-F0AF-4814-86A3-DCAE43FAB5E2}" type="presOf" srcId="{1716D6E5-376D-447A-86EE-C2D9821D90D3}" destId="{DFB3FB98-6794-4645-BE21-7E36AE319C85}" srcOrd="0" destOrd="0" presId="urn:microsoft.com/office/officeart/2005/8/layout/orgChart1"/>
+    <dgm:cxn modelId="{1970CC39-3981-48AA-BF04-54BFC397B26B}" srcId="{5D68F434-5629-4A0B-89DF-CEDCD690810F}" destId="{8074F0D0-4B5F-4EAE-A29E-934B8E462244}" srcOrd="1" destOrd="0" parTransId="{4BCA3742-7324-4072-88FB-133AB376F51F}" sibTransId="{18BA69EA-D35B-4AB4-95FF-6C21D1E4C8B8}"/>
+    <dgm:cxn modelId="{4333C691-D277-4A8D-BCFF-4A09DFD7E1FF}" type="presOf" srcId="{D4F685C4-D91A-4D62-BBFF-394E4BFED2C0}" destId="{79CA5026-F829-4A28-9E5A-B8F310BD29CB}" srcOrd="0" destOrd="0" presId="urn:microsoft.com/office/officeart/2005/8/layout/orgChart1"/>
     <dgm:cxn modelId="{3411F8E6-B9F8-488D-84E3-3AFE47D0F508}" type="presOf" srcId="{7DDDF538-FD59-43F4-91DE-3C07446A1AAA}" destId="{2F188D84-7B1D-4F28-9A53-BFC856914F93}" srcOrd="1" destOrd="0" presId="urn:microsoft.com/office/officeart/2005/8/layout/orgChart1"/>
+    <dgm:cxn modelId="{6D6B5702-4078-4608-8B08-5177E0DAC6F5}" type="presOf" srcId="{5A18143C-77CB-4433-BDB0-AC1F499DA72A}" destId="{8D212291-232E-4CF2-AA36-EDED78C9DF9A}" srcOrd="1" destOrd="0" presId="urn:microsoft.com/office/officeart/2005/8/layout/orgChart1"/>
+    <dgm:cxn modelId="{2EED0ADF-20F6-452E-8374-238E19EDADE2}" type="presOf" srcId="{39471E3D-115B-4C9E-9D3A-41AF87906D91}" destId="{F27EFBE5-1075-4E36-8502-7308052CBC11}" srcOrd="0" destOrd="0" presId="urn:microsoft.com/office/officeart/2005/8/layout/orgChart1"/>
+    <dgm:cxn modelId="{FCD79DA0-7774-4EB6-98FB-FC53053C71D9}" type="presOf" srcId="{4931A455-2A8B-4471-80F6-2252E27EBF4C}" destId="{169B9E1B-BA93-4FD5-9B98-CEBD5B18F42F}" srcOrd="0" destOrd="0" presId="urn:microsoft.com/office/officeart/2005/8/layout/orgChart1"/>
+    <dgm:cxn modelId="{FD7CBB9F-CAD3-4796-9A06-AB01E4690B4B}" srcId="{5A18143C-77CB-4433-BDB0-AC1F499DA72A}" destId="{B31B442C-F3D9-4E76-A9A2-23A70A844664}" srcOrd="0" destOrd="0" parTransId="{9354A35A-77D8-4DAB-8E8D-15893280A0B1}" sibTransId="{A1FB52C2-A9DF-49E8-A8A6-588CEB5C3C79}"/>
+    <dgm:cxn modelId="{2B717916-4D4D-4D13-A9D3-C28207A5335B}" type="presOf" srcId="{39471E3D-115B-4C9E-9D3A-41AF87906D91}" destId="{EBC3F75D-7828-409E-BCDE-7B5C044553D8}" srcOrd="1" destOrd="0" presId="urn:microsoft.com/office/officeart/2005/8/layout/orgChart1"/>
+    <dgm:cxn modelId="{7716428C-5DE0-4669-8EAC-22FFA1493CBB}" srcId="{CE8C3750-59C5-49B0-8013-A099B462202D}" destId="{5D68F434-5629-4A0B-89DF-CEDCD690810F}" srcOrd="0" destOrd="0" parTransId="{B6C4C918-CDDD-4804-8421-C47C606FB241}" sibTransId="{06E6C9A4-90E6-4654-BD12-5D9B0AAE1926}"/>
+    <dgm:cxn modelId="{157F8E02-118C-462C-8A5B-96C0FE571882}" srcId="{4931A455-2A8B-4471-80F6-2252E27EBF4C}" destId="{FF6D9DCF-E27D-4CBC-90CC-E71F697B710F}" srcOrd="1" destOrd="0" parTransId="{466632C1-2F39-4856-A864-126C29558FCA}" sibTransId="{F3F26E4A-7EEA-4A61-BDCF-E7500AE40B95}"/>
     <dgm:cxn modelId="{7A5F0653-2AAE-44FC-AD50-B8E03676D0AA}" srcId="{4931A455-2A8B-4471-80F6-2252E27EBF4C}" destId="{DE3DC0C9-DBE9-43A3-A775-88DF2395B416}" srcOrd="0" destOrd="0" parTransId="{926CC0A6-CE61-436C-AD67-E0976E412EC2}" sibTransId="{FEDE5A88-30A4-4278-B981-113C2155F114}"/>
-    <dgm:cxn modelId="{19C944EB-DD54-4C50-926E-AE104DEAD05A}" srcId="{5D68F434-5629-4A0B-89DF-CEDCD690810F}" destId="{4931A455-2A8B-4471-80F6-2252E27EBF4C}" srcOrd="0" destOrd="0" parTransId="{4B9E8954-906F-4FF9-A71D-D5E0539DEF71}" sibTransId="{9454A6AD-CFFA-4600-8A78-3D2DD6F0E761}"/>
-    <dgm:cxn modelId="{2DE29205-F5B1-480F-822E-3B3FD0ABF7A3}" type="presOf" srcId="{DE3DC0C9-DBE9-43A3-A775-88DF2395B416}" destId="{C061CC6C-BF93-4544-854D-32AEBFC48F14}" srcOrd="1" destOrd="0" presId="urn:microsoft.com/office/officeart/2005/8/layout/orgChart1"/>
-    <dgm:cxn modelId="{84C6038C-2456-4E6E-BC64-12746D18CA4E}" type="presOf" srcId="{9E316403-D5D4-4D6C-A6C8-7AFBCC91C7B6}" destId="{179505CC-2209-4D76-881C-CEB379AA9F70}" srcOrd="0" destOrd="0" presId="urn:microsoft.com/office/officeart/2005/8/layout/orgChart1"/>
-    <dgm:cxn modelId="{A475D54C-206E-43B6-A3D8-F490DA8A8FE3}" type="presOf" srcId="{B31B442C-F3D9-4E76-A9A2-23A70A844664}" destId="{11D77064-DC4A-4824-A48A-BF38F0198D02}" srcOrd="1" destOrd="0" presId="urn:microsoft.com/office/officeart/2005/8/layout/orgChart1"/>
-    <dgm:cxn modelId="{FF15F90A-0277-4EDF-BF69-0DDEDB90E818}" srcId="{39471E3D-115B-4C9E-9D3A-41AF87906D91}" destId="{C525B542-BA96-4894-B400-505652F22F14}" srcOrd="1" destOrd="0" parTransId="{FE9B9EB4-057D-4E6C-A227-E1C1EF832BDE}" sibTransId="{E86C8493-18E3-4166-8FEB-CEBF7F677538}"/>
+    <dgm:cxn modelId="{39C24EFD-47E0-4574-B8F2-302B37344B29}" type="presOf" srcId="{466632C1-2F39-4856-A864-126C29558FCA}" destId="{2790D038-D5F8-44EC-8913-6CBEE24DB34D}" srcOrd="0" destOrd="0" presId="urn:microsoft.com/office/officeart/2005/8/layout/orgChart1"/>
+    <dgm:cxn modelId="{6084EE03-303B-464B-B72B-66636E319E75}" srcId="{8074F0D0-4B5F-4EAE-A29E-934B8E462244}" destId="{A8A02A9F-FBEF-4F93-A86A-9712106B3BBB}" srcOrd="1" destOrd="0" parTransId="{03CEDE5C-6587-4BBD-8B7D-5988656315A5}" sibTransId="{14887D92-D09D-4B45-A0FC-046988312825}"/>
+    <dgm:cxn modelId="{5E52DDC5-2AC2-45DE-A379-B48F164ABAE3}" type="presOf" srcId="{5D68F434-5629-4A0B-89DF-CEDCD690810F}" destId="{7A92A960-7D19-4AFD-A642-3E0BD7D677CC}" srcOrd="0" destOrd="0" presId="urn:microsoft.com/office/officeart/2005/8/layout/orgChart1"/>
+    <dgm:cxn modelId="{3F2ABEE4-B47D-4F9F-ABAF-44C97B3D5809}" type="presOf" srcId="{8074F0D0-4B5F-4EAE-A29E-934B8E462244}" destId="{B56CC9FB-BF6C-474B-A9A0-A22AB6E30B5B}" srcOrd="1" destOrd="0" presId="urn:microsoft.com/office/officeart/2005/8/layout/orgChart1"/>
+    <dgm:cxn modelId="{965080AE-C28F-4A29-BE45-B18BEC409527}" srcId="{5A18143C-77CB-4433-BDB0-AC1F499DA72A}" destId="{993EFD47-03CD-41F5-8470-8BAA8BE99133}" srcOrd="1" destOrd="0" parTransId="{9E316403-D5D4-4D6C-A6C8-7AFBCC91C7B6}" sibTransId="{BC818D81-28BD-4FAD-9ABF-719AEFB949A7}"/>
+    <dgm:cxn modelId="{F1E7AA3D-B2A2-4F0C-BF30-4AB4BF822EA4}" type="presOf" srcId="{75EF7A21-566B-41B7-926D-3DD82497FE05}" destId="{F7EB2639-1089-441A-A90E-E44D5B127D58}" srcOrd="0" destOrd="0" presId="urn:microsoft.com/office/officeart/2005/8/layout/orgChart1"/>
+    <dgm:cxn modelId="{00BDF20D-71BD-47D4-B386-43DF8537E2A9}" type="presOf" srcId="{7DDDF538-FD59-43F4-91DE-3C07446A1AAA}" destId="{C4013B74-34A0-4158-BAAE-8152C55C3310}" srcOrd="0" destOrd="0" presId="urn:microsoft.com/office/officeart/2005/8/layout/orgChart1"/>
+    <dgm:cxn modelId="{545A54E0-2CB5-41ED-93B0-0B67E16250F0}" type="presOf" srcId="{5A18143C-77CB-4433-BDB0-AC1F499DA72A}" destId="{ECED24E6-56B3-4317-AA39-FB3D93A4F6F9}" srcOrd="0" destOrd="0" presId="urn:microsoft.com/office/officeart/2005/8/layout/orgChart1"/>
+    <dgm:cxn modelId="{570020FC-2F08-4D8A-B142-FEBDAD1CF819}" type="presOf" srcId="{B31B442C-F3D9-4E76-A9A2-23A70A844664}" destId="{39E9756F-8770-4359-978A-D243F01D34C4}" srcOrd="0" destOrd="0" presId="urn:microsoft.com/office/officeart/2005/8/layout/orgChart1"/>
     <dgm:cxn modelId="{70778C25-A342-462B-8FDC-3DDBB402F762}" type="presOf" srcId="{FF6D9DCF-E27D-4CBC-90CC-E71F697B710F}" destId="{2D644406-11BA-4452-A476-23CAE7C79C5E}" srcOrd="1" destOrd="0" presId="urn:microsoft.com/office/officeart/2005/8/layout/orgChart1"/>
-    <dgm:cxn modelId="{294AF7DE-4B13-48F3-8DC7-D8D813C235CA}" type="presOf" srcId="{03CEDE5C-6587-4BBD-8B7D-5988656315A5}" destId="{B683ABF1-31C4-4EC1-AF3E-3D96BEFFD95A}" srcOrd="0" destOrd="0" presId="urn:microsoft.com/office/officeart/2005/8/layout/orgChart1"/>
-    <dgm:cxn modelId="{7716428C-5DE0-4669-8EAC-22FFA1493CBB}" srcId="{CE8C3750-59C5-49B0-8013-A099B462202D}" destId="{5D68F434-5629-4A0B-89DF-CEDCD690810F}" srcOrd="0" destOrd="0" parTransId="{B6C4C918-CDDD-4804-8421-C47C606FB241}" sibTransId="{06E6C9A4-90E6-4654-BD12-5D9B0AAE1926}"/>
-    <dgm:cxn modelId="{03D173AB-57CA-4D92-B371-DE9704794FBE}" type="presOf" srcId="{4931A455-2A8B-4471-80F6-2252E27EBF4C}" destId="{9F44ACEE-88C8-4F94-94F3-10E42AE78E68}" srcOrd="1" destOrd="0" presId="urn:microsoft.com/office/officeart/2005/8/layout/orgChart1"/>
-    <dgm:cxn modelId="{545A54E0-2CB5-41ED-93B0-0B67E16250F0}" type="presOf" srcId="{5A18143C-77CB-4433-BDB0-AC1F499DA72A}" destId="{ECED24E6-56B3-4317-AA39-FB3D93A4F6F9}" srcOrd="0" destOrd="0" presId="urn:microsoft.com/office/officeart/2005/8/layout/orgChart1"/>
-    <dgm:cxn modelId="{5E52DDC5-2AC2-45DE-A379-B48F164ABAE3}" type="presOf" srcId="{5D68F434-5629-4A0B-89DF-CEDCD690810F}" destId="{7A92A960-7D19-4AFD-A642-3E0BD7D677CC}" srcOrd="0" destOrd="0" presId="urn:microsoft.com/office/officeart/2005/8/layout/orgChart1"/>
+    <dgm:cxn modelId="{1F33CF20-602B-40C9-A4AC-2B3531101C10}" type="presOf" srcId="{B48E0D52-9B49-40B1-8067-39A06A86657B}" destId="{E5B69F7A-F9A2-49C5-9E05-21CF57585756}" srcOrd="0" destOrd="0" presId="urn:microsoft.com/office/officeart/2005/8/layout/orgChart1"/>
     <dgm:cxn modelId="{78A930E0-61F3-4E84-8F68-ECAE1BFD3797}" srcId="{39471E3D-115B-4C9E-9D3A-41AF87906D91}" destId="{D4F685C4-D91A-4D62-BBFF-394E4BFED2C0}" srcOrd="0" destOrd="0" parTransId="{C2329053-98F5-4A43-82CD-934D54B27C30}" sibTransId="{75BAD963-F227-4ED9-8730-074EFEED835D}"/>
-    <dgm:cxn modelId="{E07120A3-E032-4076-851E-7877EB1F127F}" type="presOf" srcId="{FE9B9EB4-057D-4E6C-A227-E1C1EF832BDE}" destId="{D1970C6C-007C-4606-9DB3-32AC1705A646}" srcOrd="0" destOrd="0" presId="urn:microsoft.com/office/officeart/2005/8/layout/orgChart1"/>
-    <dgm:cxn modelId="{570020FC-2F08-4D8A-B142-FEBDAD1CF819}" type="presOf" srcId="{B31B442C-F3D9-4E76-A9A2-23A70A844664}" destId="{39E9756F-8770-4359-978A-D243F01D34C4}" srcOrd="0" destOrd="0" presId="urn:microsoft.com/office/officeart/2005/8/layout/orgChart1"/>
-    <dgm:cxn modelId="{965080AE-C28F-4A29-BE45-B18BEC409527}" srcId="{5A18143C-77CB-4433-BDB0-AC1F499DA72A}" destId="{993EFD47-03CD-41F5-8470-8BAA8BE99133}" srcOrd="1" destOrd="0" parTransId="{9E316403-D5D4-4D6C-A6C8-7AFBCC91C7B6}" sibTransId="{BC818D81-28BD-4FAD-9ABF-719AEFB949A7}"/>
-    <dgm:cxn modelId="{5DCABFC5-D657-4829-A704-1F5C8E3BA45B}" type="presOf" srcId="{993EFD47-03CD-41F5-8470-8BAA8BE99133}" destId="{3CED3BFF-5330-4A8F-8005-7D7EF93EDCC7}" srcOrd="1" destOrd="0" presId="urn:microsoft.com/office/officeart/2005/8/layout/orgChart1"/>
     <dgm:cxn modelId="{99F022D1-8611-4968-8C84-414D08897991}" type="presOf" srcId="{926CC0A6-CE61-436C-AD67-E0976E412EC2}" destId="{F6BD76B2-EC11-40B9-97CD-E888D0F44B82}" srcOrd="0" destOrd="0" presId="urn:microsoft.com/office/officeart/2005/8/layout/orgChart1"/>
-    <dgm:cxn modelId="{39C24EFD-47E0-4574-B8F2-302B37344B29}" type="presOf" srcId="{466632C1-2F39-4856-A864-126C29558FCA}" destId="{2790D038-D5F8-44EC-8913-6CBEE24DB34D}" srcOrd="0" destOrd="0" presId="urn:microsoft.com/office/officeart/2005/8/layout/orgChart1"/>
-    <dgm:cxn modelId="{C79BBB5D-F0AF-4814-86A3-DCAE43FAB5E2}" type="presOf" srcId="{1716D6E5-376D-447A-86EE-C2D9821D90D3}" destId="{DFB3FB98-6794-4645-BE21-7E36AE319C85}" srcOrd="0" destOrd="0" presId="urn:microsoft.com/office/officeart/2005/8/layout/orgChart1"/>
-    <dgm:cxn modelId="{2B717916-4D4D-4D13-A9D3-C28207A5335B}" type="presOf" srcId="{39471E3D-115B-4C9E-9D3A-41AF87906D91}" destId="{EBC3F75D-7828-409E-BCDE-7B5C044553D8}" srcOrd="1" destOrd="0" presId="urn:microsoft.com/office/officeart/2005/8/layout/orgChart1"/>
-    <dgm:cxn modelId="{FCD79DA0-7774-4EB6-98FB-FC53053C71D9}" type="presOf" srcId="{4931A455-2A8B-4471-80F6-2252E27EBF4C}" destId="{169B9E1B-BA93-4FD5-9B98-CEBD5B18F42F}" srcOrd="0" destOrd="0" presId="urn:microsoft.com/office/officeart/2005/8/layout/orgChart1"/>
-    <dgm:cxn modelId="{4333C691-D277-4A8D-BCFF-4A09DFD7E1FF}" type="presOf" srcId="{D4F685C4-D91A-4D62-BBFF-394E4BFED2C0}" destId="{79CA5026-F829-4A28-9E5A-B8F310BD29CB}" srcOrd="0" destOrd="0" presId="urn:microsoft.com/office/officeart/2005/8/layout/orgChart1"/>
-    <dgm:cxn modelId="{33A89655-FED7-4541-AF87-4111DBFAB95D}" srcId="{5D68F434-5629-4A0B-89DF-CEDCD690810F}" destId="{39471E3D-115B-4C9E-9D3A-41AF87906D91}" srcOrd="2" destOrd="0" parTransId="{1716D6E5-376D-447A-86EE-C2D9821D90D3}" sibTransId="{367882A2-E7C1-4511-B130-55B6CC33F3BD}"/>
-    <dgm:cxn modelId="{1536EDE7-3B1E-460F-9DA9-56531C3635D7}" type="presOf" srcId="{DE3DC0C9-DBE9-43A3-A775-88DF2395B416}" destId="{AB3EFF46-A9AB-4042-AF90-7F258BB82A95}" srcOrd="0" destOrd="0" presId="urn:microsoft.com/office/officeart/2005/8/layout/orgChart1"/>
-    <dgm:cxn modelId="{157F8E02-118C-462C-8A5B-96C0FE571882}" srcId="{4931A455-2A8B-4471-80F6-2252E27EBF4C}" destId="{FF6D9DCF-E27D-4CBC-90CC-E71F697B710F}" srcOrd="1" destOrd="0" parTransId="{466632C1-2F39-4856-A864-126C29558FCA}" sibTransId="{F3F26E4A-7EEA-4A61-BDCF-E7500AE40B95}"/>
-    <dgm:cxn modelId="{FE1BB0BA-C84C-47FD-B5CB-A4C3F0106591}" type="presOf" srcId="{D4F685C4-D91A-4D62-BBFF-394E4BFED2C0}" destId="{C77B07F7-1E0C-4B8A-894D-AA2581307423}" srcOrd="1" destOrd="0" presId="urn:microsoft.com/office/officeart/2005/8/layout/orgChart1"/>
-    <dgm:cxn modelId="{1970CC39-3981-48AA-BF04-54BFC397B26B}" srcId="{5D68F434-5629-4A0B-89DF-CEDCD690810F}" destId="{8074F0D0-4B5F-4EAE-A29E-934B8E462244}" srcOrd="1" destOrd="0" parTransId="{4BCA3742-7324-4072-88FB-133AB376F51F}" sibTransId="{18BA69EA-D35B-4AB4-95FF-6C21D1E4C8B8}"/>
-    <dgm:cxn modelId="{D2D3EC24-4665-47B7-BB1C-3DBDC0320F2B}" type="presOf" srcId="{A8A02A9F-FBEF-4F93-A86A-9712106B3BBB}" destId="{F3B91E9A-F401-4108-B7CB-D0F1ED1C6746}" srcOrd="0" destOrd="0" presId="urn:microsoft.com/office/officeart/2005/8/layout/orgChart1"/>
-    <dgm:cxn modelId="{2EED0ADF-20F6-452E-8374-238E19EDADE2}" type="presOf" srcId="{39471E3D-115B-4C9E-9D3A-41AF87906D91}" destId="{F27EFBE5-1075-4E36-8502-7308052CBC11}" srcOrd="0" destOrd="0" presId="urn:microsoft.com/office/officeart/2005/8/layout/orgChart1"/>
-    <dgm:cxn modelId="{FD7CBB9F-CAD3-4796-9A06-AB01E4690B4B}" srcId="{5A18143C-77CB-4433-BDB0-AC1F499DA72A}" destId="{B31B442C-F3D9-4E76-A9A2-23A70A844664}" srcOrd="0" destOrd="0" parTransId="{9354A35A-77D8-4DAB-8E8D-15893280A0B1}" sibTransId="{A1FB52C2-A9DF-49E8-A8A6-588CEB5C3C79}"/>
-    <dgm:cxn modelId="{EADC976D-32F4-4530-AA4D-0838C7BF2817}" type="presOf" srcId="{C525B542-BA96-4894-B400-505652F22F14}" destId="{D7FCB6BD-3CC1-494C-A059-BE96A05B643E}" srcOrd="0" destOrd="0" presId="urn:microsoft.com/office/officeart/2005/8/layout/orgChart1"/>
-    <dgm:cxn modelId="{07B776B4-3D73-40EA-89DE-778521265EBF}" type="presOf" srcId="{5D68F434-5629-4A0B-89DF-CEDCD690810F}" destId="{BC67C762-2CE7-445D-9C69-33E2C50C0831}" srcOrd="1" destOrd="0" presId="urn:microsoft.com/office/officeart/2005/8/layout/orgChart1"/>
-    <dgm:cxn modelId="{6D6B5702-4078-4608-8B08-5177E0DAC6F5}" type="presOf" srcId="{5A18143C-77CB-4433-BDB0-AC1F499DA72A}" destId="{8D212291-232E-4CF2-AA36-EDED78C9DF9A}" srcOrd="1" destOrd="0" presId="urn:microsoft.com/office/officeart/2005/8/layout/orgChart1"/>
-    <dgm:cxn modelId="{3F2ABEE4-B47D-4F9F-ABAF-44C97B3D5809}" type="presOf" srcId="{8074F0D0-4B5F-4EAE-A29E-934B8E462244}" destId="{B56CC9FB-BF6C-474B-A9A0-A22AB6E30B5B}" srcOrd="1" destOrd="0" presId="urn:microsoft.com/office/officeart/2005/8/layout/orgChart1"/>
-    <dgm:cxn modelId="{CC474DA0-1273-4D21-9913-30641701B7B4}" type="presOf" srcId="{C2329053-98F5-4A43-82CD-934D54B27C30}" destId="{DEA0F37B-0327-4F0C-B5CF-792E1BDACCCD}" srcOrd="0" destOrd="0" presId="urn:microsoft.com/office/officeart/2005/8/layout/orgChart1"/>
-    <dgm:cxn modelId="{F1E7AA3D-B2A2-4F0C-BF30-4AB4BF822EA4}" type="presOf" srcId="{75EF7A21-566B-41B7-926D-3DD82497FE05}" destId="{F7EB2639-1089-441A-A90E-E44D5B127D58}" srcOrd="0" destOrd="0" presId="urn:microsoft.com/office/officeart/2005/8/layout/orgChart1"/>
-    <dgm:cxn modelId="{1F33CF20-602B-40C9-A4AC-2B3531101C10}" type="presOf" srcId="{B48E0D52-9B49-40B1-8067-39A06A86657B}" destId="{E5B69F7A-F9A2-49C5-9E05-21CF57585756}" srcOrd="0" destOrd="0" presId="urn:microsoft.com/office/officeart/2005/8/layout/orgChart1"/>
-    <dgm:cxn modelId="{CD3DDDDE-71E3-4EB9-81D3-001597615AC2}" srcId="{8074F0D0-4B5F-4EAE-A29E-934B8E462244}" destId="{7DDDF538-FD59-43F4-91DE-3C07446A1AAA}" srcOrd="0" destOrd="0" parTransId="{B48E0D52-9B49-40B1-8067-39A06A86657B}" sibTransId="{C1A124EA-1ACD-4555-8D31-A54AA97E52F7}"/>
-    <dgm:cxn modelId="{6084EE03-303B-464B-B72B-66636E319E75}" srcId="{8074F0D0-4B5F-4EAE-A29E-934B8E462244}" destId="{A8A02A9F-FBEF-4F93-A86A-9712106B3BBB}" srcOrd="1" destOrd="0" parTransId="{03CEDE5C-6587-4BBD-8B7D-5988656315A5}" sibTransId="{14887D92-D09D-4B45-A0FC-046988312825}"/>
-    <dgm:cxn modelId="{6092AC3A-C449-46D5-AC36-B15025F2853A}" srcId="{5D68F434-5629-4A0B-89DF-CEDCD690810F}" destId="{5A18143C-77CB-4433-BDB0-AC1F499DA72A}" srcOrd="3" destOrd="0" parTransId="{75EF7A21-566B-41B7-926D-3DD82497FE05}" sibTransId="{E7B6DADF-E403-4E49-90DE-AB1B90C51B9F}"/>
-    <dgm:cxn modelId="{55565878-F3AC-4ECE-A473-E15A165C711B}" type="presOf" srcId="{9354A35A-77D8-4DAB-8E8D-15893280A0B1}" destId="{337C8BE0-391D-49B9-BDFB-405E92824591}" srcOrd="0" destOrd="0" presId="urn:microsoft.com/office/officeart/2005/8/layout/orgChart1"/>
-    <dgm:cxn modelId="{D8497A7A-12FC-4892-8CD0-07A45460D3D7}" type="presOf" srcId="{993EFD47-03CD-41F5-8470-8BAA8BE99133}" destId="{606321D3-00FD-4982-A5F8-F62E472196F4}" srcOrd="0" destOrd="0" presId="urn:microsoft.com/office/officeart/2005/8/layout/orgChart1"/>
-    <dgm:cxn modelId="{57BBBD51-AF6A-4027-B6C6-7CA87E6B8E59}" type="presOf" srcId="{A8A02A9F-FBEF-4F93-A86A-9712106B3BBB}" destId="{80B28158-91CB-49A4-AE02-0EEA7D3A1ABD}" srcOrd="1" destOrd="0" presId="urn:microsoft.com/office/officeart/2005/8/layout/orgChart1"/>
-    <dgm:cxn modelId="{50CCF28E-A621-4D3D-BF48-030BBBCA3595}" type="presOf" srcId="{FF6D9DCF-E27D-4CBC-90CC-E71F697B710F}" destId="{96FE5838-04B0-4027-945B-BF6A758013F8}" srcOrd="0" destOrd="0" presId="urn:microsoft.com/office/officeart/2005/8/layout/orgChart1"/>
-    <dgm:cxn modelId="{79EB58F8-4BD7-4353-85CA-D8B01EB5DE3B}" type="presOf" srcId="{4B9E8954-906F-4FF9-A71D-D5E0539DEF71}" destId="{56260870-07F5-4D48-BA8E-24B2742F739C}" srcOrd="0" destOrd="0" presId="urn:microsoft.com/office/officeart/2005/8/layout/orgChart1"/>
     <dgm:cxn modelId="{6437B07A-D180-4CAD-AEE0-4B55949334ED}" type="presOf" srcId="{CE8C3750-59C5-49B0-8013-A099B462202D}" destId="{EF8F10F3-B90E-491C-9D95-5913443674E5}" srcOrd="0" destOrd="0" presId="urn:microsoft.com/office/officeart/2005/8/layout/orgChart1"/>
-    <dgm:cxn modelId="{00BDF20D-71BD-47D4-B386-43DF8537E2A9}" type="presOf" srcId="{7DDDF538-FD59-43F4-91DE-3C07446A1AAA}" destId="{C4013B74-34A0-4158-BAAE-8152C55C3310}" srcOrd="0" destOrd="0" presId="urn:microsoft.com/office/officeart/2005/8/layout/orgChart1"/>
-    <dgm:cxn modelId="{872B0C61-4542-4517-9F0E-5C2D020F312B}" type="presOf" srcId="{C525B542-BA96-4894-B400-505652F22F14}" destId="{53D0FAD0-6ABF-4405-8A79-8B01223E72AF}" srcOrd="1" destOrd="0" presId="urn:microsoft.com/office/officeart/2005/8/layout/orgChart1"/>
-    <dgm:cxn modelId="{337F44CE-4DAA-44AF-8EEA-E4704319D752}" type="presOf" srcId="{4BCA3742-7324-4072-88FB-133AB376F51F}" destId="{47F2A255-5164-432B-984F-D87E14A0AA8C}" srcOrd="0" destOrd="0" presId="urn:microsoft.com/office/officeart/2005/8/layout/orgChart1"/>
-    <dgm:cxn modelId="{F88E6F3E-3F3E-4ADA-B5C7-B2CB47EA8895}" type="presOf" srcId="{8074F0D0-4B5F-4EAE-A29E-934B8E462244}" destId="{06D4AC74-178D-45A8-8254-391B75A97454}" srcOrd="0" destOrd="0" presId="urn:microsoft.com/office/officeart/2005/8/layout/orgChart1"/>
     <dgm:cxn modelId="{571A5F4E-EF33-4CF7-B97A-FA0C51A9E20D}" type="presParOf" srcId="{EF8F10F3-B90E-491C-9D95-5913443674E5}" destId="{FB754651-8E75-4975-9935-E90F8FA106EF}" srcOrd="0" destOrd="0" presId="urn:microsoft.com/office/officeart/2005/8/layout/orgChart1"/>
     <dgm:cxn modelId="{FAD20CE5-3822-485E-8550-B4E0A9F600ED}" type="presParOf" srcId="{FB754651-8E75-4975-9935-E90F8FA106EF}" destId="{F308BF56-FED0-447D-9DA5-F65C55F0D77B}" srcOrd="0" destOrd="0" presId="urn:microsoft.com/office/officeart/2005/8/layout/orgChart1"/>
     <dgm:cxn modelId="{F92BCAAC-75ED-4A4C-AC6D-E99F96485EB3}" type="presParOf" srcId="{F308BF56-FED0-447D-9DA5-F65C55F0D77B}" destId="{7A92A960-7D19-4AFD-A642-3E0BD7D677CC}" srcOrd="0" destOrd="0" presId="urn:microsoft.com/office/officeart/2005/8/layout/orgChart1"/>
@@ -10496,6 +10743,502 @@
       </p:grpSpPr>
       <p:sp>
         <p:nvSpPr>
+          <p:cNvPr id="56322" name="投影片圖像版面配置區 1"/>
+          <p:cNvSpPr>
+            <a:spLocks noGrp="1" noRot="1" noChangeAspect="1" noTextEdit="1"/>
+          </p:cNvSpPr>
+          <p:nvPr>
+            <p:ph type="sldImg"/>
+          </p:nvPr>
+        </p:nvSpPr>
+        <p:spPr>
+          <a:ln/>
+        </p:spPr>
+      </p:sp>
+      <p:sp>
+        <p:nvSpPr>
+          <p:cNvPr id="56323" name="備忘稿版面配置區 2"/>
+          <p:cNvSpPr>
+            <a:spLocks noGrp="1"/>
+          </p:cNvSpPr>
+          <p:nvPr>
+            <p:ph type="body" idx="1"/>
+          </p:nvPr>
+        </p:nvSpPr>
+        <p:spPr>
+          <a:noFill/>
+          <a:ln/>
+          <a:extLst>
+            <a:ext uri="{909E8E84-426E-40DD-AFC4-6F175D3DCCD1}">
+              <a14:hiddenFill xmlns:a14="http://schemas.microsoft.com/office/drawing/2010/main">
+                <a:solidFill>
+                  <a:srgbClr val="FFFFFF"/>
+                </a:solidFill>
+              </a14:hiddenFill>
+            </a:ext>
+            <a:ext uri="{91240B29-F687-4F45-9708-019B960494DF}">
+              <a14:hiddenLine xmlns:a14="http://schemas.microsoft.com/office/drawing/2010/main" w="9525">
+                <a:solidFill>
+                  <a:srgbClr val="000000"/>
+                </a:solidFill>
+                <a:miter lim="800000"/>
+                <a:headEnd/>
+                <a:tailEnd/>
+              </a14:hiddenLine>
+            </a:ext>
+          </a:extLst>
+        </p:spPr>
+        <p:txBody>
+          <a:bodyPr/>
+          <a:lstStyle/>
+          <a:p>
+            <a:endParaRPr lang="zh-TW" altLang="en-US" smtClean="0"/>
+          </a:p>
+        </p:txBody>
+      </p:sp>
+      <p:sp>
+        <p:nvSpPr>
+          <p:cNvPr id="56324" name="投影片編號版面配置區 3"/>
+          <p:cNvSpPr>
+            <a:spLocks noGrp="1"/>
+          </p:cNvSpPr>
+          <p:nvPr>
+            <p:ph type="sldNum" sz="quarter" idx="5"/>
+          </p:nvPr>
+        </p:nvSpPr>
+        <p:spPr>
+          <a:noFill/>
+          <a:ln/>
+          <a:extLst>
+            <a:ext uri="{909E8E84-426E-40DD-AFC4-6F175D3DCCD1}">
+              <a14:hiddenFill xmlns:a14="http://schemas.microsoft.com/office/drawing/2010/main">
+                <a:solidFill>
+                  <a:srgbClr val="FFFFFF"/>
+                </a:solidFill>
+              </a14:hiddenFill>
+            </a:ext>
+            <a:ext uri="{91240B29-F687-4F45-9708-019B960494DF}">
+              <a14:hiddenLine xmlns:a14="http://schemas.microsoft.com/office/drawing/2010/main" w="9525">
+                <a:solidFill>
+                  <a:srgbClr val="000000"/>
+                </a:solidFill>
+                <a:miter lim="800000"/>
+                <a:headEnd/>
+                <a:tailEnd/>
+              </a14:hiddenLine>
+            </a:ext>
+          </a:extLst>
+        </p:spPr>
+        <p:txBody>
+          <a:bodyPr/>
+          <a:lstStyle>
+            <a:lvl1pPr>
+              <a:defRPr kumimoji="1" sz="3200" b="1">
+                <a:solidFill>
+                  <a:schemeClr val="accent2"/>
+                </a:solidFill>
+                <a:latin typeface="Times New Roman" pitchFamily="18" charset="0"/>
+                <a:ea typeface="新細明體" pitchFamily="18" charset="-120"/>
+              </a:defRPr>
+            </a:lvl1pPr>
+            <a:lvl2pPr marL="742950" indent="-285750">
+              <a:defRPr kumimoji="1" sz="3200" b="1">
+                <a:solidFill>
+                  <a:schemeClr val="accent2"/>
+                </a:solidFill>
+                <a:latin typeface="Times New Roman" pitchFamily="18" charset="0"/>
+                <a:ea typeface="新細明體" pitchFamily="18" charset="-120"/>
+              </a:defRPr>
+            </a:lvl2pPr>
+            <a:lvl3pPr marL="1143000" indent="-228600">
+              <a:defRPr kumimoji="1" sz="3200" b="1">
+                <a:solidFill>
+                  <a:schemeClr val="accent2"/>
+                </a:solidFill>
+                <a:latin typeface="Times New Roman" pitchFamily="18" charset="0"/>
+                <a:ea typeface="新細明體" pitchFamily="18" charset="-120"/>
+              </a:defRPr>
+            </a:lvl3pPr>
+            <a:lvl4pPr marL="1600200" indent="-228600">
+              <a:defRPr kumimoji="1" sz="3200" b="1">
+                <a:solidFill>
+                  <a:schemeClr val="accent2"/>
+                </a:solidFill>
+                <a:latin typeface="Times New Roman" pitchFamily="18" charset="0"/>
+                <a:ea typeface="新細明體" pitchFamily="18" charset="-120"/>
+              </a:defRPr>
+            </a:lvl4pPr>
+            <a:lvl5pPr marL="2057400" indent="-228600">
+              <a:defRPr kumimoji="1" sz="3200" b="1">
+                <a:solidFill>
+                  <a:schemeClr val="accent2"/>
+                </a:solidFill>
+                <a:latin typeface="Times New Roman" pitchFamily="18" charset="0"/>
+                <a:ea typeface="新細明體" pitchFamily="18" charset="-120"/>
+              </a:defRPr>
+            </a:lvl5pPr>
+            <a:lvl6pPr marL="2514600" indent="-228600" eaLnBrk="0" fontAlgn="base" hangingPunct="0">
+              <a:spcBef>
+                <a:spcPct val="20000"/>
+              </a:spcBef>
+              <a:spcAft>
+                <a:spcPct val="0"/>
+              </a:spcAft>
+              <a:buFont typeface="Wingdings" pitchFamily="2" charset="2"/>
+              <a:buChar char="Ø"/>
+              <a:defRPr kumimoji="1" sz="3200" b="1">
+                <a:solidFill>
+                  <a:schemeClr val="accent2"/>
+                </a:solidFill>
+                <a:latin typeface="Times New Roman" pitchFamily="18" charset="0"/>
+                <a:ea typeface="新細明體" pitchFamily="18" charset="-120"/>
+              </a:defRPr>
+            </a:lvl6pPr>
+            <a:lvl7pPr marL="2971800" indent="-228600" eaLnBrk="0" fontAlgn="base" hangingPunct="0">
+              <a:spcBef>
+                <a:spcPct val="20000"/>
+              </a:spcBef>
+              <a:spcAft>
+                <a:spcPct val="0"/>
+              </a:spcAft>
+              <a:buFont typeface="Wingdings" pitchFamily="2" charset="2"/>
+              <a:buChar char="Ø"/>
+              <a:defRPr kumimoji="1" sz="3200" b="1">
+                <a:solidFill>
+                  <a:schemeClr val="accent2"/>
+                </a:solidFill>
+                <a:latin typeface="Times New Roman" pitchFamily="18" charset="0"/>
+                <a:ea typeface="新細明體" pitchFamily="18" charset="-120"/>
+              </a:defRPr>
+            </a:lvl7pPr>
+            <a:lvl8pPr marL="3429000" indent="-228600" eaLnBrk="0" fontAlgn="base" hangingPunct="0">
+              <a:spcBef>
+                <a:spcPct val="20000"/>
+              </a:spcBef>
+              <a:spcAft>
+                <a:spcPct val="0"/>
+              </a:spcAft>
+              <a:buFont typeface="Wingdings" pitchFamily="2" charset="2"/>
+              <a:buChar char="Ø"/>
+              <a:defRPr kumimoji="1" sz="3200" b="1">
+                <a:solidFill>
+                  <a:schemeClr val="accent2"/>
+                </a:solidFill>
+                <a:latin typeface="Times New Roman" pitchFamily="18" charset="0"/>
+                <a:ea typeface="新細明體" pitchFamily="18" charset="-120"/>
+              </a:defRPr>
+            </a:lvl8pPr>
+            <a:lvl9pPr marL="3886200" indent="-228600" eaLnBrk="0" fontAlgn="base" hangingPunct="0">
+              <a:spcBef>
+                <a:spcPct val="20000"/>
+              </a:spcBef>
+              <a:spcAft>
+                <a:spcPct val="0"/>
+              </a:spcAft>
+              <a:buFont typeface="Wingdings" pitchFamily="2" charset="2"/>
+              <a:buChar char="Ø"/>
+              <a:defRPr kumimoji="1" sz="3200" b="1">
+                <a:solidFill>
+                  <a:schemeClr val="accent2"/>
+                </a:solidFill>
+                <a:latin typeface="Times New Roman" pitchFamily="18" charset="0"/>
+                <a:ea typeface="新細明體" pitchFamily="18" charset="-120"/>
+              </a:defRPr>
+            </a:lvl9pPr>
+          </a:lstStyle>
+          <a:p>
+            <a:fld id="{157EF743-57D9-4B4E-96AB-6349B917DB06}" type="slidenum">
+              <a:rPr lang="en-US" altLang="zh-TW" sz="1200" b="0" smtClean="0">
+                <a:solidFill>
+                  <a:schemeClr val="tx1"/>
+                </a:solidFill>
+              </a:rPr>
+              <a:pPr/>
+              <a:t>13</a:t>
+            </a:fld>
+            <a:endParaRPr lang="en-US" altLang="zh-TW" sz="1200" b="0" smtClean="0">
+              <a:solidFill>
+                <a:schemeClr val="tx1"/>
+              </a:solidFill>
+            </a:endParaRPr>
+          </a:p>
+        </p:txBody>
+      </p:sp>
+    </p:spTree>
+  </p:cSld>
+  <p:clrMapOvr>
+    <a:masterClrMapping/>
+  </p:clrMapOvr>
+</p:notes>
+</file>
+
+<file path=ppt/notesSlides/notesSlide11.xml><?xml version="1.0" encoding="utf-8"?>
+<p:notes xmlns:a="http://schemas.openxmlformats.org/drawingml/2006/main" xmlns:r="http://schemas.openxmlformats.org/officeDocument/2006/relationships" xmlns:p="http://schemas.openxmlformats.org/presentationml/2006/main">
+  <p:cSld>
+    <p:spTree>
+      <p:nvGrpSpPr>
+        <p:cNvPr id="1" name=""/>
+        <p:cNvGrpSpPr/>
+        <p:nvPr/>
+      </p:nvGrpSpPr>
+      <p:grpSpPr>
+        <a:xfrm>
+          <a:off x="0" y="0"/>
+          <a:ext cx="0" cy="0"/>
+          <a:chOff x="0" y="0"/>
+          <a:chExt cx="0" cy="0"/>
+        </a:xfrm>
+      </p:grpSpPr>
+      <p:sp>
+        <p:nvSpPr>
+          <p:cNvPr id="34818" name="投影片圖像版面配置區 1"/>
+          <p:cNvSpPr>
+            <a:spLocks noGrp="1" noRot="1" noChangeAspect="1" noTextEdit="1"/>
+          </p:cNvSpPr>
+          <p:nvPr>
+            <p:ph type="sldImg"/>
+          </p:nvPr>
+        </p:nvSpPr>
+        <p:spPr>
+          <a:ln/>
+        </p:spPr>
+      </p:sp>
+      <p:sp>
+        <p:nvSpPr>
+          <p:cNvPr id="34819" name="備忘稿版面配置區 2"/>
+          <p:cNvSpPr>
+            <a:spLocks noGrp="1"/>
+          </p:cNvSpPr>
+          <p:nvPr>
+            <p:ph type="body" idx="1"/>
+          </p:nvPr>
+        </p:nvSpPr>
+        <p:spPr>
+          <a:noFill/>
+          <a:ln/>
+          <a:extLst>
+            <a:ext uri="{909E8E84-426E-40DD-AFC4-6F175D3DCCD1}">
+              <a14:hiddenFill xmlns:a14="http://schemas.microsoft.com/office/drawing/2010/main">
+                <a:solidFill>
+                  <a:srgbClr val="FFFFFF"/>
+                </a:solidFill>
+              </a14:hiddenFill>
+            </a:ext>
+            <a:ext uri="{91240B29-F687-4F45-9708-019B960494DF}">
+              <a14:hiddenLine xmlns:a14="http://schemas.microsoft.com/office/drawing/2010/main" w="9525">
+                <a:solidFill>
+                  <a:srgbClr val="000000"/>
+                </a:solidFill>
+                <a:miter lim="800000"/>
+                <a:headEnd/>
+                <a:tailEnd/>
+              </a14:hiddenLine>
+            </a:ext>
+          </a:extLst>
+        </p:spPr>
+        <p:txBody>
+          <a:bodyPr/>
+          <a:lstStyle/>
+          <a:p>
+            <a:endParaRPr lang="zh-TW" altLang="en-US" dirty="0" smtClean="0"/>
+          </a:p>
+        </p:txBody>
+      </p:sp>
+      <p:sp>
+        <p:nvSpPr>
+          <p:cNvPr id="34820" name="投影片編號版面配置區 3"/>
+          <p:cNvSpPr>
+            <a:spLocks noGrp="1"/>
+          </p:cNvSpPr>
+          <p:nvPr>
+            <p:ph type="sldNum" sz="quarter" idx="5"/>
+          </p:nvPr>
+        </p:nvSpPr>
+        <p:spPr>
+          <a:noFill/>
+          <a:ln/>
+          <a:extLst>
+            <a:ext uri="{909E8E84-426E-40DD-AFC4-6F175D3DCCD1}">
+              <a14:hiddenFill xmlns:a14="http://schemas.microsoft.com/office/drawing/2010/main">
+                <a:solidFill>
+                  <a:srgbClr val="FFFFFF"/>
+                </a:solidFill>
+              </a14:hiddenFill>
+            </a:ext>
+            <a:ext uri="{91240B29-F687-4F45-9708-019B960494DF}">
+              <a14:hiddenLine xmlns:a14="http://schemas.microsoft.com/office/drawing/2010/main" w="9525">
+                <a:solidFill>
+                  <a:srgbClr val="000000"/>
+                </a:solidFill>
+                <a:miter lim="800000"/>
+                <a:headEnd/>
+                <a:tailEnd/>
+              </a14:hiddenLine>
+            </a:ext>
+          </a:extLst>
+        </p:spPr>
+        <p:txBody>
+          <a:bodyPr/>
+          <a:lstStyle>
+            <a:lvl1pPr>
+              <a:defRPr kumimoji="1" sz="3200" b="1">
+                <a:solidFill>
+                  <a:schemeClr val="accent2"/>
+                </a:solidFill>
+                <a:latin typeface="Times New Roman" pitchFamily="18" charset="0"/>
+                <a:ea typeface="新細明體" pitchFamily="18" charset="-120"/>
+              </a:defRPr>
+            </a:lvl1pPr>
+            <a:lvl2pPr marL="742950" indent="-285750">
+              <a:defRPr kumimoji="1" sz="3200" b="1">
+                <a:solidFill>
+                  <a:schemeClr val="accent2"/>
+                </a:solidFill>
+                <a:latin typeface="Times New Roman" pitchFamily="18" charset="0"/>
+                <a:ea typeface="新細明體" pitchFamily="18" charset="-120"/>
+              </a:defRPr>
+            </a:lvl2pPr>
+            <a:lvl3pPr marL="1143000" indent="-228600">
+              <a:defRPr kumimoji="1" sz="3200" b="1">
+                <a:solidFill>
+                  <a:schemeClr val="accent2"/>
+                </a:solidFill>
+                <a:latin typeface="Times New Roman" pitchFamily="18" charset="0"/>
+                <a:ea typeface="新細明體" pitchFamily="18" charset="-120"/>
+              </a:defRPr>
+            </a:lvl3pPr>
+            <a:lvl4pPr marL="1600200" indent="-228600">
+              <a:defRPr kumimoji="1" sz="3200" b="1">
+                <a:solidFill>
+                  <a:schemeClr val="accent2"/>
+                </a:solidFill>
+                <a:latin typeface="Times New Roman" pitchFamily="18" charset="0"/>
+                <a:ea typeface="新細明體" pitchFamily="18" charset="-120"/>
+              </a:defRPr>
+            </a:lvl4pPr>
+            <a:lvl5pPr marL="2057400" indent="-228600">
+              <a:defRPr kumimoji="1" sz="3200" b="1">
+                <a:solidFill>
+                  <a:schemeClr val="accent2"/>
+                </a:solidFill>
+                <a:latin typeface="Times New Roman" pitchFamily="18" charset="0"/>
+                <a:ea typeface="新細明體" pitchFamily="18" charset="-120"/>
+              </a:defRPr>
+            </a:lvl5pPr>
+            <a:lvl6pPr marL="2514600" indent="-228600" eaLnBrk="0" fontAlgn="base" hangingPunct="0">
+              <a:spcBef>
+                <a:spcPct val="20000"/>
+              </a:spcBef>
+              <a:spcAft>
+                <a:spcPct val="0"/>
+              </a:spcAft>
+              <a:buFont typeface="Wingdings" pitchFamily="2" charset="2"/>
+              <a:buChar char="Ø"/>
+              <a:defRPr kumimoji="1" sz="3200" b="1">
+                <a:solidFill>
+                  <a:schemeClr val="accent2"/>
+                </a:solidFill>
+                <a:latin typeface="Times New Roman" pitchFamily="18" charset="0"/>
+                <a:ea typeface="新細明體" pitchFamily="18" charset="-120"/>
+              </a:defRPr>
+            </a:lvl6pPr>
+            <a:lvl7pPr marL="2971800" indent="-228600" eaLnBrk="0" fontAlgn="base" hangingPunct="0">
+              <a:spcBef>
+                <a:spcPct val="20000"/>
+              </a:spcBef>
+              <a:spcAft>
+                <a:spcPct val="0"/>
+              </a:spcAft>
+              <a:buFont typeface="Wingdings" pitchFamily="2" charset="2"/>
+              <a:buChar char="Ø"/>
+              <a:defRPr kumimoji="1" sz="3200" b="1">
+                <a:solidFill>
+                  <a:schemeClr val="accent2"/>
+                </a:solidFill>
+                <a:latin typeface="Times New Roman" pitchFamily="18" charset="0"/>
+                <a:ea typeface="新細明體" pitchFamily="18" charset="-120"/>
+              </a:defRPr>
+            </a:lvl7pPr>
+            <a:lvl8pPr marL="3429000" indent="-228600" eaLnBrk="0" fontAlgn="base" hangingPunct="0">
+              <a:spcBef>
+                <a:spcPct val="20000"/>
+              </a:spcBef>
+              <a:spcAft>
+                <a:spcPct val="0"/>
+              </a:spcAft>
+              <a:buFont typeface="Wingdings" pitchFamily="2" charset="2"/>
+              <a:buChar char="Ø"/>
+              <a:defRPr kumimoji="1" sz="3200" b="1">
+                <a:solidFill>
+                  <a:schemeClr val="accent2"/>
+                </a:solidFill>
+                <a:latin typeface="Times New Roman" pitchFamily="18" charset="0"/>
+                <a:ea typeface="新細明體" pitchFamily="18" charset="-120"/>
+              </a:defRPr>
+            </a:lvl8pPr>
+            <a:lvl9pPr marL="3886200" indent="-228600" eaLnBrk="0" fontAlgn="base" hangingPunct="0">
+              <a:spcBef>
+                <a:spcPct val="20000"/>
+              </a:spcBef>
+              <a:spcAft>
+                <a:spcPct val="0"/>
+              </a:spcAft>
+              <a:buFont typeface="Wingdings" pitchFamily="2" charset="2"/>
+              <a:buChar char="Ø"/>
+              <a:defRPr kumimoji="1" sz="3200" b="1">
+                <a:solidFill>
+                  <a:schemeClr val="accent2"/>
+                </a:solidFill>
+                <a:latin typeface="Times New Roman" pitchFamily="18" charset="0"/>
+                <a:ea typeface="新細明體" pitchFamily="18" charset="-120"/>
+              </a:defRPr>
+            </a:lvl9pPr>
+          </a:lstStyle>
+          <a:p>
+            <a:fld id="{3618A975-9DD5-46F3-BD66-852EFD480478}" type="slidenum">
+              <a:rPr lang="en-US" altLang="zh-TW" sz="1200" b="0" smtClean="0">
+                <a:solidFill>
+                  <a:schemeClr val="tx1"/>
+                </a:solidFill>
+              </a:rPr>
+              <a:pPr/>
+              <a:t>14</a:t>
+            </a:fld>
+            <a:endParaRPr lang="en-US" altLang="zh-TW" sz="1200" b="0" smtClean="0">
+              <a:solidFill>
+                <a:schemeClr val="tx1"/>
+              </a:solidFill>
+            </a:endParaRPr>
+          </a:p>
+        </p:txBody>
+      </p:sp>
+    </p:spTree>
+  </p:cSld>
+  <p:clrMapOvr>
+    <a:masterClrMapping/>
+  </p:clrMapOvr>
+</p:notes>
+</file>
+
+<file path=ppt/notesSlides/notesSlide12.xml><?xml version="1.0" encoding="utf-8"?>
+<p:notes xmlns:a="http://schemas.openxmlformats.org/drawingml/2006/main" xmlns:r="http://schemas.openxmlformats.org/officeDocument/2006/relationships" xmlns:p="http://schemas.openxmlformats.org/presentationml/2006/main">
+  <p:cSld>
+    <p:spTree>
+      <p:nvGrpSpPr>
+        <p:cNvPr id="1" name=""/>
+        <p:cNvGrpSpPr/>
+        <p:nvPr/>
+      </p:nvGrpSpPr>
+      <p:grpSpPr>
+        <a:xfrm>
+          <a:off x="0" y="0"/>
+          <a:ext cx="0" cy="0"/>
+          <a:chOff x="0" y="0"/>
+          <a:chExt cx="0" cy="0"/>
+        </a:xfrm>
+      </p:grpSpPr>
+      <p:sp>
+        <p:nvSpPr>
           <p:cNvPr id="60418" name="Rectangle 2"/>
           <p:cNvSpPr>
             <a:spLocks noGrp="1" noRot="1" noChangeAspect="1" noChangeArrowheads="1" noTextEdit="1"/>
@@ -15673,11 +16416,6 @@
               </a:rPr>
               <a:t>基本操作</a:t>
             </a:r>
-            <a:endParaRPr lang="zh-TW" altLang="en-US" sz="2000" b="1" dirty="0" smtClean="0">
-              <a:solidFill>
-                <a:schemeClr val="tx2"/>
-              </a:solidFill>
-            </a:endParaRPr>
           </a:p>
         </p:txBody>
       </p:sp>
@@ -15926,11 +16664,6 @@
               </a:rPr>
               <a:t>基本操作</a:t>
             </a:r>
-            <a:endParaRPr lang="zh-TW" altLang="en-US" sz="2000" b="1" dirty="0" smtClean="0">
-              <a:solidFill>
-                <a:schemeClr val="tx2"/>
-              </a:solidFill>
-            </a:endParaRPr>
           </a:p>
         </p:txBody>
       </p:sp>
@@ -16428,7 +17161,7 @@
               </a:rPr>
             </a:br>
             <a:r>
-              <a:rPr lang="en-US" altLang="zh-TW" sz="2000" b="1" dirty="0" err="1" smtClean="0">
+              <a:rPr lang="en-US" altLang="zh-TW" sz="2000" b="1" dirty="0" err="1">
                 <a:solidFill>
                   <a:schemeClr val="tx2"/>
                 </a:solidFill>
@@ -16436,12 +17169,12 @@
               <a:t>.Net</a:t>
             </a:r>
             <a:r>
-              <a:rPr lang="zh-TW" altLang="en-US" sz="2000" b="1" dirty="0" smtClean="0">
+              <a:rPr lang="zh-TW" altLang="en-US" sz="2000" b="1" dirty="0">
                 <a:solidFill>
                   <a:schemeClr val="tx2"/>
                 </a:solidFill>
               </a:rPr>
-              <a:t>基本語法</a:t>
+              <a:t>常用語法</a:t>
             </a:r>
             <a:endParaRPr lang="zh-TW" altLang="en-US" sz="2000" b="1" dirty="0" smtClean="0">
               <a:solidFill>
@@ -16724,6 +17457,1136 @@
       </p:grpSpPr>
       <p:sp>
         <p:nvSpPr>
+          <p:cNvPr id="25602" name="標題 4"/>
+          <p:cNvSpPr>
+            <a:spLocks noGrp="1"/>
+          </p:cNvSpPr>
+          <p:nvPr>
+            <p:ph type="title"/>
+          </p:nvPr>
+        </p:nvSpPr>
+        <p:spPr/>
+        <p:txBody>
+          <a:bodyPr/>
+          <a:lstStyle/>
+          <a:p>
+            <a:pPr algn="l"/>
+            <a:r>
+              <a:rPr lang="en-US" altLang="zh-TW" sz="2000" b="1" dirty="0" smtClean="0">
+                <a:solidFill>
+                  <a:schemeClr val="tx2"/>
+                </a:solidFill>
+              </a:rPr>
+              <a:t/>
+            </a:r>
+            <a:br>
+              <a:rPr lang="en-US" altLang="zh-TW" sz="2000" b="1" dirty="0" smtClean="0">
+                <a:solidFill>
+                  <a:schemeClr val="tx2"/>
+                </a:solidFill>
+              </a:rPr>
+            </a:br>
+            <a:r>
+              <a:rPr lang="en-US" altLang="zh-TW" sz="2000" b="1" dirty="0" err="1">
+                <a:solidFill>
+                  <a:schemeClr val="tx2"/>
+                </a:solidFill>
+              </a:rPr>
+              <a:t>.Net</a:t>
+            </a:r>
+            <a:r>
+              <a:rPr lang="zh-TW" altLang="en-US" sz="2000" b="1" dirty="0">
+                <a:solidFill>
+                  <a:schemeClr val="tx2"/>
+                </a:solidFill>
+              </a:rPr>
+              <a:t>常用語法</a:t>
+            </a:r>
+            <a:endParaRPr lang="zh-TW" altLang="en-US" sz="2000" b="1" dirty="0" smtClean="0">
+              <a:solidFill>
+                <a:schemeClr val="tx2"/>
+              </a:solidFill>
+            </a:endParaRPr>
+          </a:p>
+        </p:txBody>
+      </p:sp>
+      <p:sp>
+        <p:nvSpPr>
+          <p:cNvPr id="25603" name="內容版面配置區 5"/>
+          <p:cNvSpPr>
+            <a:spLocks noGrp="1"/>
+          </p:cNvSpPr>
+          <p:nvPr>
+            <p:ph idx="1"/>
+          </p:nvPr>
+        </p:nvSpPr>
+        <p:spPr/>
+        <p:txBody>
+          <a:bodyPr/>
+          <a:lstStyle/>
+          <a:p>
+            <a:pPr>
+              <a:buFont typeface="Wingdings" pitchFamily="2" charset="2"/>
+              <a:buChar char="n"/>
+            </a:pPr>
+            <a:r>
+              <a:rPr lang="zh-TW" altLang="en-US" sz="2400" dirty="0" smtClean="0">
+                <a:solidFill>
+                  <a:schemeClr val="tx2"/>
+                </a:solidFill>
+              </a:rPr>
+              <a:t>永遠使用</a:t>
+            </a:r>
+            <a:r>
+              <a:rPr lang="en-US" altLang="zh-TW" sz="2400" dirty="0" smtClean="0">
+                <a:solidFill>
+                  <a:schemeClr val="tx2"/>
+                </a:solidFill>
+              </a:rPr>
+              <a:t>throw</a:t>
+            </a:r>
+            <a:r>
+              <a:rPr lang="zh-TW" altLang="en-US" sz="2400" dirty="0" smtClean="0">
+                <a:solidFill>
+                  <a:schemeClr val="tx2"/>
+                </a:solidFill>
+              </a:rPr>
+              <a:t>，而不使用</a:t>
+            </a:r>
+            <a:r>
+              <a:rPr lang="en-US" altLang="zh-TW" sz="2400" dirty="0" smtClean="0">
+                <a:solidFill>
+                  <a:schemeClr val="tx2"/>
+                </a:solidFill>
+              </a:rPr>
+              <a:t>throw ex</a:t>
+            </a:r>
+          </a:p>
+          <a:p>
+            <a:pPr lvl="1">
+              <a:buFont typeface="Wingdings" pitchFamily="2" charset="2"/>
+              <a:buChar char="n"/>
+            </a:pPr>
+            <a:r>
+              <a:rPr lang="en-US" altLang="zh-TW" sz="1800" dirty="0" smtClean="0">
+                <a:solidFill>
+                  <a:schemeClr val="tx2"/>
+                </a:solidFill>
+              </a:rPr>
+              <a:t>throw</a:t>
+            </a:r>
+            <a:r>
+              <a:rPr lang="zh-TW" altLang="en-US" sz="1800" dirty="0" smtClean="0">
+                <a:solidFill>
+                  <a:schemeClr val="tx2"/>
+                </a:solidFill>
+              </a:rPr>
+              <a:t>保留底層拋出的錯誤堆疊</a:t>
+            </a:r>
+            <a:endParaRPr lang="en-US" altLang="zh-TW" sz="1800" dirty="0" smtClean="0">
+              <a:solidFill>
+                <a:schemeClr val="tx2"/>
+              </a:solidFill>
+            </a:endParaRPr>
+          </a:p>
+          <a:p>
+            <a:pPr lvl="1">
+              <a:buFont typeface="Wingdings" pitchFamily="2" charset="2"/>
+              <a:buChar char="n"/>
+            </a:pPr>
+            <a:r>
+              <a:rPr lang="en-US" altLang="zh-TW" sz="1800" dirty="0" smtClean="0">
+                <a:solidFill>
+                  <a:schemeClr val="tx2"/>
+                </a:solidFill>
+              </a:rPr>
+              <a:t>throw ex</a:t>
+            </a:r>
+            <a:r>
+              <a:rPr lang="zh-TW" altLang="en-US" sz="1800" dirty="0" smtClean="0">
+                <a:solidFill>
+                  <a:schemeClr val="tx2"/>
+                </a:solidFill>
+              </a:rPr>
+              <a:t>將會重置錯誤堆疊，增加</a:t>
+            </a:r>
+            <a:r>
+              <a:rPr lang="en-US" altLang="zh-TW" sz="1800" dirty="0" smtClean="0">
+                <a:solidFill>
+                  <a:schemeClr val="tx2"/>
+                </a:solidFill>
+              </a:rPr>
+              <a:t>debug</a:t>
+            </a:r>
+            <a:r>
+              <a:rPr lang="zh-TW" altLang="en-US" sz="1800" dirty="0" smtClean="0">
+                <a:solidFill>
+                  <a:schemeClr val="tx2"/>
+                </a:solidFill>
+              </a:rPr>
+              <a:t>難度</a:t>
+            </a:r>
+            <a:endParaRPr lang="en-US" altLang="zh-TW" sz="1800" dirty="0" smtClean="0">
+              <a:solidFill>
+                <a:schemeClr val="tx2"/>
+              </a:solidFill>
+            </a:endParaRPr>
+          </a:p>
+        </p:txBody>
+      </p:sp>
+    </p:spTree>
+    <p:extLst>
+      <p:ext uri="{BB962C8B-B14F-4D97-AF65-F5344CB8AC3E}">
+        <p14:creationId xmlns:p14="http://schemas.microsoft.com/office/powerpoint/2010/main" val="3925477046"/>
+      </p:ext>
+    </p:extLst>
+  </p:cSld>
+  <p:clrMapOvr>
+    <a:masterClrMapping/>
+  </p:clrMapOvr>
+  <p:transition>
+    <p:strips dir="rd"/>
+  </p:transition>
+  <p:timing>
+    <p:tnLst>
+      <p:par>
+        <p:cTn id="1" dur="indefinite" restart="never" nodeType="tmRoot"/>
+      </p:par>
+    </p:tnLst>
+  </p:timing>
+</p:sld>
+</file>
+
+<file path=ppt/slides/slide14.xml><?xml version="1.0" encoding="utf-8"?>
+<p:sld xmlns:a="http://schemas.openxmlformats.org/drawingml/2006/main" xmlns:r="http://schemas.openxmlformats.org/officeDocument/2006/relationships" xmlns:p="http://schemas.openxmlformats.org/presentationml/2006/main">
+  <p:cSld>
+    <p:spTree>
+      <p:nvGrpSpPr>
+        <p:cNvPr id="1" name=""/>
+        <p:cNvGrpSpPr/>
+        <p:nvPr/>
+      </p:nvGrpSpPr>
+      <p:grpSpPr>
+        <a:xfrm>
+          <a:off x="0" y="0"/>
+          <a:ext cx="0" cy="0"/>
+          <a:chOff x="0" y="0"/>
+          <a:chExt cx="0" cy="0"/>
+        </a:xfrm>
+      </p:grpSpPr>
+      <p:sp>
+        <p:nvSpPr>
+          <p:cNvPr id="5122" name="標題 4"/>
+          <p:cNvSpPr>
+            <a:spLocks noGrp="1"/>
+          </p:cNvSpPr>
+          <p:nvPr>
+            <p:ph type="title"/>
+          </p:nvPr>
+        </p:nvSpPr>
+        <p:spPr/>
+        <p:txBody>
+          <a:bodyPr/>
+          <a:lstStyle/>
+          <a:p>
+            <a:pPr algn="l"/>
+            <a:r>
+              <a:rPr lang="en-US" altLang="zh-TW" sz="2000" dirty="0" smtClean="0">
+                <a:solidFill>
+                  <a:schemeClr val="tx2"/>
+                </a:solidFill>
+              </a:rPr>
+              <a:t/>
+            </a:r>
+            <a:br>
+              <a:rPr lang="en-US" altLang="zh-TW" sz="2000" dirty="0" smtClean="0">
+                <a:solidFill>
+                  <a:schemeClr val="tx2"/>
+                </a:solidFill>
+              </a:rPr>
+            </a:br>
+            <a:r>
+              <a:rPr lang="zh-TW" altLang="en-US" sz="2000" b="1" dirty="0" smtClean="0">
+                <a:solidFill>
+                  <a:schemeClr val="tx2"/>
+                </a:solidFill>
+              </a:rPr>
+              <a:t>作業</a:t>
+            </a:r>
+          </a:p>
+        </p:txBody>
+      </p:sp>
+      <p:sp>
+        <p:nvSpPr>
+          <p:cNvPr id="5123" name="內容版面配置區 5"/>
+          <p:cNvSpPr>
+            <a:spLocks noGrp="1"/>
+          </p:cNvSpPr>
+          <p:nvPr>
+            <p:ph idx="1"/>
+          </p:nvPr>
+        </p:nvSpPr>
+        <p:spPr/>
+        <p:txBody>
+          <a:bodyPr/>
+          <a:lstStyle/>
+          <a:p>
+            <a:pPr>
+              <a:buFont typeface="Wingdings" pitchFamily="2" charset="2"/>
+              <a:buChar char="n"/>
+            </a:pPr>
+            <a:r>
+              <a:rPr lang="zh-TW" altLang="en-US" sz="1800" dirty="0" smtClean="0">
+                <a:solidFill>
+                  <a:schemeClr val="tx2"/>
+                </a:solidFill>
+              </a:rPr>
+              <a:t>建立一個</a:t>
+            </a:r>
+            <a:r>
+              <a:rPr lang="en-US" altLang="zh-TW" sz="1800" dirty="0" smtClean="0">
+                <a:solidFill>
+                  <a:schemeClr val="tx2"/>
+                </a:solidFill>
+              </a:rPr>
+              <a:t>Library Project</a:t>
+            </a:r>
+            <a:r>
+              <a:rPr lang="zh-TW" altLang="en-US" sz="1800" dirty="0" smtClean="0">
+                <a:solidFill>
+                  <a:schemeClr val="tx2"/>
+                </a:solidFill>
+              </a:rPr>
+              <a:t>，並撰寫一個動物的</a:t>
+            </a:r>
+            <a:r>
+              <a:rPr lang="en-US" altLang="zh-TW" sz="1800" dirty="0" smtClean="0">
+                <a:solidFill>
+                  <a:schemeClr val="tx2"/>
+                </a:solidFill>
+              </a:rPr>
+              <a:t>class</a:t>
+            </a:r>
+            <a:endParaRPr lang="en-US" altLang="zh-TW" sz="1800" dirty="0">
+              <a:solidFill>
+                <a:schemeClr val="tx2"/>
+              </a:solidFill>
+            </a:endParaRPr>
+          </a:p>
+          <a:p>
+            <a:pPr lvl="1">
+              <a:buFont typeface="Wingdings" pitchFamily="2" charset="2"/>
+              <a:buChar char="n"/>
+            </a:pPr>
+            <a:r>
+              <a:rPr lang="zh-TW" altLang="en-US" sz="1400" dirty="0" smtClean="0">
+                <a:solidFill>
+                  <a:schemeClr val="tx2"/>
+                </a:solidFill>
+              </a:rPr>
+              <a:t>擁有一個具有可傳入三個參數的建構子</a:t>
+            </a:r>
+            <a:endParaRPr lang="en-US" altLang="zh-TW" sz="1400" dirty="0" smtClean="0">
+              <a:solidFill>
+                <a:schemeClr val="tx2"/>
+              </a:solidFill>
+            </a:endParaRPr>
+          </a:p>
+          <a:p>
+            <a:pPr lvl="1">
+              <a:buFont typeface="Wingdings" pitchFamily="2" charset="2"/>
+              <a:buChar char="n"/>
+            </a:pPr>
+            <a:r>
+              <a:rPr lang="zh-TW" altLang="en-US" sz="1400" dirty="0" smtClean="0">
+                <a:solidFill>
+                  <a:schemeClr val="tx2"/>
+                </a:solidFill>
+              </a:rPr>
+              <a:t>擁有名字、顏色、體重</a:t>
+            </a:r>
+            <a:r>
+              <a:rPr lang="en-US" altLang="zh-TW" sz="1400" dirty="0" smtClean="0">
+                <a:solidFill>
+                  <a:schemeClr val="tx2"/>
+                </a:solidFill>
+              </a:rPr>
+              <a:t>(</a:t>
+            </a:r>
+            <a:r>
+              <a:rPr lang="zh-TW" altLang="en-US" sz="1400" dirty="0">
+                <a:solidFill>
+                  <a:schemeClr val="tx2"/>
+                </a:solidFill>
+              </a:rPr>
+              <a:t>公克</a:t>
+            </a:r>
+            <a:r>
+              <a:rPr lang="en-US" altLang="zh-TW" sz="1400" dirty="0" smtClean="0">
+                <a:solidFill>
+                  <a:schemeClr val="tx2"/>
+                </a:solidFill>
+              </a:rPr>
+              <a:t>)</a:t>
+            </a:r>
+            <a:r>
+              <a:rPr lang="zh-TW" altLang="en-US" sz="1400" dirty="0" smtClean="0">
+                <a:solidFill>
+                  <a:schemeClr val="tx2"/>
+                </a:solidFill>
+              </a:rPr>
+              <a:t>的</a:t>
+            </a:r>
+            <a:r>
+              <a:rPr lang="en-US" altLang="zh-TW" sz="1400" dirty="0" smtClean="0">
+                <a:solidFill>
+                  <a:schemeClr val="tx2"/>
+                </a:solidFill>
+              </a:rPr>
+              <a:t>private</a:t>
+            </a:r>
+            <a:r>
+              <a:rPr lang="zh-TW" altLang="en-US" sz="1400" dirty="0" smtClean="0">
+                <a:solidFill>
+                  <a:schemeClr val="tx2"/>
+                </a:solidFill>
+              </a:rPr>
+              <a:t>欄位，透過建構子賦予初始值</a:t>
+            </a:r>
+            <a:endParaRPr lang="en-US" altLang="zh-TW" sz="1400" dirty="0" smtClean="0">
+              <a:solidFill>
+                <a:schemeClr val="tx2"/>
+              </a:solidFill>
+            </a:endParaRPr>
+          </a:p>
+          <a:p>
+            <a:pPr lvl="1">
+              <a:buFont typeface="Wingdings" pitchFamily="2" charset="2"/>
+              <a:buChar char="n"/>
+            </a:pPr>
+            <a:r>
+              <a:rPr lang="zh-TW" altLang="en-US" sz="1400" dirty="0" smtClean="0">
+                <a:solidFill>
+                  <a:schemeClr val="tx2"/>
+                </a:solidFill>
+              </a:rPr>
+              <a:t>擁有名字、顏色、體重</a:t>
+            </a:r>
+            <a:r>
+              <a:rPr lang="en-US" altLang="zh-TW" sz="1400" dirty="0" smtClean="0">
+                <a:solidFill>
+                  <a:schemeClr val="tx2"/>
+                </a:solidFill>
+              </a:rPr>
+              <a:t>(</a:t>
+            </a:r>
+            <a:r>
+              <a:rPr lang="zh-TW" altLang="en-US" sz="1400" dirty="0" smtClean="0">
+                <a:solidFill>
+                  <a:schemeClr val="tx2"/>
+                </a:solidFill>
+              </a:rPr>
+              <a:t>公克</a:t>
+            </a:r>
+            <a:r>
+              <a:rPr lang="en-US" altLang="zh-TW" sz="1400" dirty="0" smtClean="0">
+                <a:solidFill>
+                  <a:schemeClr val="tx2"/>
+                </a:solidFill>
+              </a:rPr>
+              <a:t>)</a:t>
+            </a:r>
+            <a:r>
+              <a:rPr lang="zh-TW" altLang="en-US" sz="1400" dirty="0" smtClean="0">
+                <a:solidFill>
+                  <a:schemeClr val="tx2"/>
+                </a:solidFill>
+              </a:rPr>
+              <a:t>、體重</a:t>
+            </a:r>
+            <a:r>
+              <a:rPr lang="en-US" altLang="zh-TW" sz="1400" dirty="0" smtClean="0">
+                <a:solidFill>
+                  <a:schemeClr val="tx2"/>
+                </a:solidFill>
+              </a:rPr>
+              <a:t>(</a:t>
+            </a:r>
+            <a:r>
+              <a:rPr lang="zh-TW" altLang="en-US" sz="1400" dirty="0" smtClean="0">
+                <a:solidFill>
+                  <a:schemeClr val="tx2"/>
+                </a:solidFill>
+              </a:rPr>
+              <a:t>公斤</a:t>
+            </a:r>
+            <a:r>
+              <a:rPr lang="en-US" altLang="zh-TW" sz="1400" dirty="0" smtClean="0">
+                <a:solidFill>
+                  <a:schemeClr val="tx2"/>
+                </a:solidFill>
+              </a:rPr>
+              <a:t>)</a:t>
+            </a:r>
+            <a:r>
+              <a:rPr lang="zh-TW" altLang="en-US" sz="1400" dirty="0" smtClean="0">
+                <a:solidFill>
+                  <a:schemeClr val="tx2"/>
+                </a:solidFill>
+              </a:rPr>
+              <a:t>的屬性</a:t>
+            </a:r>
+            <a:endParaRPr lang="en-US" altLang="zh-TW" sz="1400" dirty="0" smtClean="0">
+              <a:solidFill>
+                <a:schemeClr val="tx2"/>
+              </a:solidFill>
+            </a:endParaRPr>
+          </a:p>
+          <a:p>
+            <a:pPr lvl="1">
+              <a:buFont typeface="Wingdings" pitchFamily="2" charset="2"/>
+              <a:buChar char="n"/>
+            </a:pPr>
+            <a:r>
+              <a:rPr lang="en-US" altLang="zh-TW" sz="1400" dirty="0">
+                <a:solidFill>
+                  <a:schemeClr val="tx2"/>
+                </a:solidFill>
+              </a:rPr>
+              <a:t>private method: </a:t>
+            </a:r>
+            <a:r>
+              <a:rPr lang="zh-TW" altLang="en-US" sz="1400" dirty="0" smtClean="0">
+                <a:solidFill>
+                  <a:schemeClr val="tx2"/>
+                </a:solidFill>
+              </a:rPr>
+              <a:t>增加體重 </a:t>
+            </a:r>
+            <a:r>
+              <a:rPr lang="en-US" altLang="zh-TW" sz="1400" dirty="0" smtClean="0">
+                <a:solidFill>
+                  <a:schemeClr val="tx2"/>
+                </a:solidFill>
+              </a:rPr>
+              <a:t>– </a:t>
+            </a:r>
+            <a:r>
+              <a:rPr lang="zh-TW" altLang="en-US" sz="1400" dirty="0" smtClean="0">
+                <a:solidFill>
+                  <a:schemeClr val="tx2"/>
+                </a:solidFill>
+              </a:rPr>
+              <a:t>使現有體重增加</a:t>
+            </a:r>
+            <a:r>
+              <a:rPr lang="en-US" altLang="zh-TW" sz="1400" dirty="0" smtClean="0">
+                <a:solidFill>
+                  <a:schemeClr val="tx2"/>
+                </a:solidFill>
+              </a:rPr>
+              <a:t>100</a:t>
+            </a:r>
+            <a:r>
+              <a:rPr lang="zh-TW" altLang="en-US" sz="1400" dirty="0" smtClean="0">
+                <a:solidFill>
+                  <a:schemeClr val="tx2"/>
+                </a:solidFill>
+              </a:rPr>
+              <a:t>公克</a:t>
+            </a:r>
+            <a:endParaRPr lang="en-US" altLang="zh-TW" sz="1400" dirty="0" smtClean="0">
+              <a:solidFill>
+                <a:schemeClr val="tx2"/>
+              </a:solidFill>
+            </a:endParaRPr>
+          </a:p>
+          <a:p>
+            <a:pPr lvl="1">
+              <a:buFont typeface="Wingdings" pitchFamily="2" charset="2"/>
+              <a:buChar char="n"/>
+            </a:pPr>
+            <a:r>
+              <a:rPr lang="en-US" altLang="zh-TW" sz="1400" dirty="0" smtClean="0">
+                <a:solidFill>
+                  <a:schemeClr val="tx2"/>
+                </a:solidFill>
+              </a:rPr>
+              <a:t>public method: </a:t>
+            </a:r>
+            <a:r>
+              <a:rPr lang="zh-TW" altLang="en-US" sz="1400" dirty="0" smtClean="0">
+                <a:solidFill>
+                  <a:schemeClr val="tx2"/>
+                </a:solidFill>
+              </a:rPr>
+              <a:t>吃東西 </a:t>
+            </a:r>
+            <a:r>
+              <a:rPr lang="en-US" altLang="zh-TW" sz="1400" dirty="0" smtClean="0">
+                <a:solidFill>
+                  <a:schemeClr val="tx2"/>
+                </a:solidFill>
+              </a:rPr>
+              <a:t>– </a:t>
+            </a:r>
+            <a:r>
+              <a:rPr lang="zh-TW" altLang="en-US" sz="1400" dirty="0" smtClean="0">
+                <a:solidFill>
+                  <a:schemeClr val="tx2"/>
+                </a:solidFill>
+              </a:rPr>
+              <a:t>傳入食物字串，呼叫</a:t>
+            </a:r>
+            <a:r>
+              <a:rPr lang="en-US" altLang="zh-TW" sz="1400" dirty="0" smtClean="0">
+                <a:solidFill>
+                  <a:schemeClr val="tx2"/>
+                </a:solidFill>
+              </a:rPr>
+              <a:t>”</a:t>
+            </a:r>
+            <a:r>
+              <a:rPr lang="zh-TW" altLang="en-US" sz="1400" dirty="0" smtClean="0">
+                <a:solidFill>
+                  <a:schemeClr val="tx2"/>
+                </a:solidFill>
+              </a:rPr>
+              <a:t>增加體重</a:t>
+            </a:r>
+            <a:r>
+              <a:rPr lang="en-US" altLang="zh-TW" sz="1400" dirty="0" smtClean="0">
+                <a:solidFill>
+                  <a:schemeClr val="tx2"/>
+                </a:solidFill>
+              </a:rPr>
+              <a:t>”method</a:t>
+            </a:r>
+            <a:r>
+              <a:rPr lang="zh-TW" altLang="en-US" sz="1400" dirty="0" smtClean="0">
+                <a:solidFill>
+                  <a:schemeClr val="tx2"/>
+                </a:solidFill>
+              </a:rPr>
+              <a:t>，並印出 </a:t>
+            </a:r>
+            <a:r>
+              <a:rPr lang="en-US" altLang="zh-TW" sz="1400" dirty="0" smtClean="0">
+                <a:solidFill>
+                  <a:srgbClr val="FF0000"/>
+                </a:solidFill>
+              </a:rPr>
+              <a:t>“</a:t>
+            </a:r>
+            <a:r>
+              <a:rPr lang="zh-TW" altLang="en-US" sz="1400" dirty="0" smtClean="0">
+                <a:solidFill>
+                  <a:srgbClr val="FF0000"/>
+                </a:solidFill>
+              </a:rPr>
+              <a:t>名字</a:t>
+            </a:r>
+            <a:r>
+              <a:rPr lang="en-US" altLang="zh-TW" sz="1400" dirty="0" smtClean="0">
+                <a:solidFill>
+                  <a:srgbClr val="FF0000"/>
+                </a:solidFill>
+              </a:rPr>
+              <a:t>”</a:t>
+            </a:r>
+            <a:r>
+              <a:rPr lang="zh-TW" altLang="en-US" sz="1400" dirty="0" smtClean="0">
+                <a:solidFill>
+                  <a:srgbClr val="FF0000"/>
+                </a:solidFill>
+              </a:rPr>
+              <a:t>正在吃</a:t>
+            </a:r>
+            <a:r>
+              <a:rPr lang="en-US" altLang="zh-TW" sz="1400" dirty="0" smtClean="0">
+                <a:solidFill>
+                  <a:srgbClr val="FF0000"/>
+                </a:solidFill>
+              </a:rPr>
+              <a:t>”</a:t>
+            </a:r>
+            <a:r>
+              <a:rPr lang="zh-TW" altLang="en-US" sz="1400" dirty="0" smtClean="0">
+                <a:solidFill>
+                  <a:srgbClr val="FF0000"/>
+                </a:solidFill>
+              </a:rPr>
+              <a:t>食物</a:t>
+            </a:r>
+            <a:r>
+              <a:rPr lang="en-US" altLang="zh-TW" sz="1400" dirty="0" smtClean="0">
+                <a:solidFill>
+                  <a:srgbClr val="FF0000"/>
+                </a:solidFill>
+              </a:rPr>
+              <a:t>”, </a:t>
+            </a:r>
+            <a:r>
+              <a:rPr lang="zh-TW" altLang="en-US" sz="1400" dirty="0" smtClean="0">
+                <a:solidFill>
+                  <a:srgbClr val="FF0000"/>
+                </a:solidFill>
+              </a:rPr>
+              <a:t>現在體重為</a:t>
+            </a:r>
+            <a:r>
+              <a:rPr lang="en-US" altLang="zh-TW" sz="1400" dirty="0" smtClean="0">
+                <a:solidFill>
+                  <a:srgbClr val="FF0000"/>
+                </a:solidFill>
+              </a:rPr>
+              <a:t>”</a:t>
+            </a:r>
+            <a:r>
+              <a:rPr lang="zh-TW" altLang="en-US" sz="1400" dirty="0" smtClean="0">
+                <a:solidFill>
+                  <a:srgbClr val="FF0000"/>
+                </a:solidFill>
+              </a:rPr>
+              <a:t>體重</a:t>
+            </a:r>
+            <a:r>
+              <a:rPr lang="en-US" altLang="zh-TW" sz="1400" dirty="0">
+                <a:solidFill>
+                  <a:srgbClr val="FF0000"/>
+                </a:solidFill>
+              </a:rPr>
+              <a:t>(</a:t>
+            </a:r>
+            <a:r>
+              <a:rPr lang="zh-TW" altLang="en-US" sz="1400" dirty="0">
+                <a:solidFill>
+                  <a:srgbClr val="FF0000"/>
+                </a:solidFill>
+              </a:rPr>
+              <a:t>公斤</a:t>
+            </a:r>
+            <a:r>
+              <a:rPr lang="en-US" altLang="zh-TW" sz="1400" dirty="0" smtClean="0">
+                <a:solidFill>
+                  <a:srgbClr val="FF0000"/>
+                </a:solidFill>
+              </a:rPr>
+              <a:t>)”KG</a:t>
+            </a:r>
+            <a:r>
+              <a:rPr lang="zh-TW" altLang="en-US" sz="1400" dirty="0" smtClean="0">
+                <a:solidFill>
+                  <a:schemeClr val="tx2"/>
+                </a:solidFill>
+              </a:rPr>
+              <a:t> 的訊息</a:t>
+            </a:r>
+            <a:endParaRPr lang="en-US" altLang="zh-TW" sz="1400" dirty="0" smtClean="0">
+              <a:solidFill>
+                <a:schemeClr val="tx2"/>
+              </a:solidFill>
+            </a:endParaRPr>
+          </a:p>
+          <a:p>
+            <a:pPr>
+              <a:buFont typeface="Wingdings" pitchFamily="2" charset="2"/>
+              <a:buChar char="n"/>
+            </a:pPr>
+            <a:endParaRPr lang="en-US" altLang="zh-TW" sz="1800" dirty="0" smtClean="0">
+              <a:solidFill>
+                <a:schemeClr val="tx2"/>
+              </a:solidFill>
+            </a:endParaRPr>
+          </a:p>
+          <a:p>
+            <a:pPr>
+              <a:buFont typeface="Wingdings" pitchFamily="2" charset="2"/>
+              <a:buChar char="n"/>
+            </a:pPr>
+            <a:r>
+              <a:rPr lang="zh-TW" altLang="en-US" sz="1800" dirty="0" smtClean="0">
+                <a:solidFill>
+                  <a:schemeClr val="tx2"/>
+                </a:solidFill>
+              </a:rPr>
+              <a:t>建立一個</a:t>
+            </a:r>
+            <a:r>
+              <a:rPr lang="en-US" altLang="zh-TW" sz="1800" dirty="0" smtClean="0">
+                <a:solidFill>
+                  <a:schemeClr val="tx2"/>
+                </a:solidFill>
+              </a:rPr>
+              <a:t>Console Application Project</a:t>
+            </a:r>
+            <a:r>
+              <a:rPr lang="zh-TW" altLang="en-US" sz="1800" dirty="0" smtClean="0">
+                <a:solidFill>
+                  <a:schemeClr val="tx2"/>
+                </a:solidFill>
+              </a:rPr>
+              <a:t>，並撰寫一隻</a:t>
+            </a:r>
+            <a:r>
+              <a:rPr lang="en-US" altLang="zh-TW" sz="1800" dirty="0" smtClean="0">
+                <a:solidFill>
+                  <a:schemeClr val="tx2"/>
+                </a:solidFill>
+              </a:rPr>
+              <a:t>console</a:t>
+            </a:r>
+            <a:r>
+              <a:rPr lang="zh-TW" altLang="en-US" sz="1800" dirty="0" smtClean="0">
+                <a:solidFill>
+                  <a:schemeClr val="tx2"/>
+                </a:solidFill>
+              </a:rPr>
+              <a:t>程式</a:t>
+            </a:r>
+            <a:endParaRPr lang="en-US" altLang="zh-TW" sz="1800" dirty="0" smtClean="0">
+              <a:solidFill>
+                <a:schemeClr val="tx2"/>
+              </a:solidFill>
+            </a:endParaRPr>
+          </a:p>
+          <a:p>
+            <a:pPr lvl="1">
+              <a:buFont typeface="Wingdings" pitchFamily="2" charset="2"/>
+              <a:buChar char="n"/>
+            </a:pPr>
+            <a:r>
+              <a:rPr lang="zh-TW" altLang="en-US" sz="1400" dirty="0" smtClean="0">
+                <a:solidFill>
+                  <a:schemeClr val="tx2"/>
+                </a:solidFill>
+              </a:rPr>
+              <a:t>建立兩個</a:t>
+            </a:r>
+            <a:r>
+              <a:rPr lang="en-US" altLang="zh-TW" sz="1400" dirty="0" smtClean="0">
+                <a:solidFill>
+                  <a:schemeClr val="tx2"/>
+                </a:solidFill>
+              </a:rPr>
+              <a:t>class</a:t>
+            </a:r>
+            <a:r>
+              <a:rPr lang="zh-TW" altLang="en-US" sz="1400" dirty="0" smtClean="0">
+                <a:solidFill>
+                  <a:schemeClr val="tx2"/>
+                </a:solidFill>
+              </a:rPr>
+              <a:t>的實體，並依據該實體的</a:t>
+            </a:r>
+            <a:r>
+              <a:rPr lang="en-US" altLang="zh-TW" sz="1400" dirty="0" smtClean="0">
+                <a:solidFill>
+                  <a:schemeClr val="tx2"/>
+                </a:solidFill>
+              </a:rPr>
+              <a:t>”</a:t>
+            </a:r>
+            <a:r>
+              <a:rPr lang="zh-TW" altLang="en-US" sz="1400" dirty="0" smtClean="0">
+                <a:solidFill>
+                  <a:schemeClr val="tx2"/>
+                </a:solidFill>
+              </a:rPr>
+              <a:t>體重</a:t>
+            </a:r>
+            <a:r>
+              <a:rPr lang="en-US" altLang="zh-TW" sz="1400" dirty="0" smtClean="0">
+                <a:solidFill>
+                  <a:schemeClr val="tx2"/>
+                </a:solidFill>
+              </a:rPr>
+              <a:t>”</a:t>
+            </a:r>
+            <a:r>
+              <a:rPr lang="zh-TW" altLang="en-US" sz="1400" dirty="0" smtClean="0">
+                <a:solidFill>
+                  <a:schemeClr val="tx2"/>
+                </a:solidFill>
+              </a:rPr>
+              <a:t>初始值，每有</a:t>
+            </a:r>
+            <a:r>
+              <a:rPr lang="en-US" altLang="zh-TW" sz="1400" dirty="0" smtClean="0">
+                <a:solidFill>
+                  <a:schemeClr val="tx2"/>
+                </a:solidFill>
+              </a:rPr>
+              <a:t>1</a:t>
+            </a:r>
+            <a:r>
+              <a:rPr lang="zh-TW" altLang="en-US" sz="1400" dirty="0" smtClean="0">
+                <a:solidFill>
+                  <a:schemeClr val="tx2"/>
+                </a:solidFill>
+              </a:rPr>
+              <a:t>公斤就呼叫</a:t>
+            </a:r>
+            <a:r>
+              <a:rPr lang="en-US" altLang="zh-TW" sz="1400" dirty="0" smtClean="0">
+                <a:solidFill>
+                  <a:schemeClr val="tx2"/>
+                </a:solidFill>
+              </a:rPr>
+              <a:t>”</a:t>
+            </a:r>
+            <a:r>
+              <a:rPr lang="zh-TW" altLang="en-US" sz="1400" dirty="0" smtClean="0">
+                <a:solidFill>
+                  <a:schemeClr val="tx2"/>
+                </a:solidFill>
+              </a:rPr>
+              <a:t>吃東西</a:t>
+            </a:r>
+            <a:r>
+              <a:rPr lang="en-US" altLang="zh-TW" sz="1400" dirty="0" smtClean="0">
+                <a:solidFill>
+                  <a:schemeClr val="tx2"/>
+                </a:solidFill>
+              </a:rPr>
+              <a:t>”method</a:t>
+            </a:r>
+            <a:r>
+              <a:rPr lang="zh-TW" altLang="en-US" sz="1400" dirty="0" smtClean="0">
+                <a:solidFill>
+                  <a:schemeClr val="tx2"/>
+                </a:solidFill>
+              </a:rPr>
+              <a:t>一次；如</a:t>
+            </a:r>
+            <a:r>
+              <a:rPr lang="en-US" altLang="zh-TW" sz="1400" dirty="0" smtClean="0">
+                <a:solidFill>
+                  <a:schemeClr val="tx2"/>
+                </a:solidFill>
+              </a:rPr>
+              <a:t>5.6</a:t>
+            </a:r>
+            <a:r>
+              <a:rPr lang="zh-TW" altLang="en-US" sz="1400" dirty="0" smtClean="0">
+                <a:solidFill>
+                  <a:schemeClr val="tx2"/>
+                </a:solidFill>
+              </a:rPr>
+              <a:t>公斤則呼叫</a:t>
+            </a:r>
+            <a:r>
+              <a:rPr lang="en-US" altLang="zh-TW" sz="1400" dirty="0" smtClean="0">
+                <a:solidFill>
+                  <a:schemeClr val="tx2"/>
+                </a:solidFill>
+              </a:rPr>
+              <a:t>5</a:t>
+            </a:r>
+            <a:r>
+              <a:rPr lang="zh-TW" altLang="en-US" sz="1400" dirty="0" smtClean="0">
+                <a:solidFill>
+                  <a:schemeClr val="tx2"/>
+                </a:solidFill>
+              </a:rPr>
+              <a:t>次，不足</a:t>
+            </a:r>
+            <a:r>
+              <a:rPr lang="en-US" altLang="zh-TW" sz="1400" dirty="0" smtClean="0">
+                <a:solidFill>
+                  <a:schemeClr val="tx2"/>
+                </a:solidFill>
+              </a:rPr>
+              <a:t>1</a:t>
+            </a:r>
+            <a:r>
+              <a:rPr lang="zh-TW" altLang="en-US" sz="1400" dirty="0" smtClean="0">
+                <a:solidFill>
+                  <a:schemeClr val="tx2"/>
+                </a:solidFill>
+              </a:rPr>
+              <a:t>公斤則僅呼叫</a:t>
+            </a:r>
+            <a:r>
+              <a:rPr lang="en-US" altLang="zh-TW" sz="1400" dirty="0" smtClean="0">
+                <a:solidFill>
+                  <a:schemeClr val="tx2"/>
+                </a:solidFill>
+              </a:rPr>
+              <a:t>1</a:t>
+            </a:r>
+            <a:r>
+              <a:rPr lang="zh-TW" altLang="en-US" sz="1400" dirty="0" smtClean="0">
+                <a:solidFill>
+                  <a:schemeClr val="tx2"/>
+                </a:solidFill>
+              </a:rPr>
+              <a:t>次</a:t>
+            </a:r>
+            <a:endParaRPr lang="en-US" altLang="zh-TW" sz="1400" dirty="0" smtClean="0">
+              <a:solidFill>
+                <a:schemeClr val="tx2"/>
+              </a:solidFill>
+            </a:endParaRPr>
+          </a:p>
+          <a:p>
+            <a:pPr>
+              <a:buFont typeface="Wingdings" pitchFamily="2" charset="2"/>
+              <a:buChar char="n"/>
+            </a:pPr>
+            <a:endParaRPr lang="en-US" altLang="zh-TW" sz="1800" dirty="0" smtClean="0">
+              <a:solidFill>
+                <a:schemeClr val="tx2"/>
+              </a:solidFill>
+            </a:endParaRPr>
+          </a:p>
+          <a:p>
+            <a:pPr>
+              <a:buFont typeface="Wingdings" pitchFamily="2" charset="2"/>
+              <a:buChar char="n"/>
+            </a:pPr>
+            <a:r>
+              <a:rPr lang="zh-TW" altLang="en-US" sz="1800" dirty="0" smtClean="0">
+                <a:solidFill>
+                  <a:schemeClr val="tx2"/>
+                </a:solidFill>
+              </a:rPr>
+              <a:t>將程式上傳至</a:t>
+            </a:r>
+            <a:r>
+              <a:rPr lang="en-US" altLang="zh-TW" sz="1800" dirty="0" smtClean="0">
+                <a:solidFill>
+                  <a:schemeClr val="tx2"/>
+                </a:solidFill>
+              </a:rPr>
+              <a:t>TFS</a:t>
+            </a:r>
+          </a:p>
+          <a:p>
+            <a:pPr>
+              <a:buFont typeface="Wingdings" pitchFamily="2" charset="2"/>
+              <a:buChar char="n"/>
+            </a:pPr>
+            <a:endParaRPr lang="en-US" altLang="zh-TW" sz="1800" dirty="0" smtClean="0">
+              <a:solidFill>
+                <a:schemeClr val="tx2"/>
+              </a:solidFill>
+            </a:endParaRPr>
+          </a:p>
+          <a:p>
+            <a:pPr>
+              <a:buFont typeface="Wingdings" pitchFamily="2" charset="2"/>
+              <a:buChar char="n"/>
+            </a:pPr>
+            <a:r>
+              <a:rPr lang="zh-TW" altLang="en-US" sz="1800" dirty="0" smtClean="0">
+                <a:solidFill>
+                  <a:schemeClr val="tx2"/>
+                </a:solidFill>
+              </a:rPr>
+              <a:t>從</a:t>
+            </a:r>
+            <a:r>
+              <a:rPr lang="en-US" altLang="zh-TW" sz="1800" dirty="0" smtClean="0">
+                <a:solidFill>
+                  <a:schemeClr val="tx2"/>
+                </a:solidFill>
+              </a:rPr>
+              <a:t>TFS</a:t>
+            </a:r>
+            <a:r>
+              <a:rPr lang="zh-TW" altLang="en-US" sz="1800" dirty="0" smtClean="0">
+                <a:solidFill>
+                  <a:schemeClr val="tx2"/>
+                </a:solidFill>
+              </a:rPr>
+              <a:t>取得</a:t>
+            </a:r>
+            <a:r>
+              <a:rPr lang="zh-TW" altLang="en-US" sz="1800" dirty="0">
+                <a:solidFill>
+                  <a:schemeClr val="tx2"/>
+                </a:solidFill>
+              </a:rPr>
+              <a:t>別人</a:t>
+            </a:r>
+            <a:r>
+              <a:rPr lang="zh-TW" altLang="en-US" sz="1800" dirty="0" smtClean="0">
+                <a:solidFill>
+                  <a:schemeClr val="tx2"/>
+                </a:solidFill>
+              </a:rPr>
+              <a:t>的程式，加上自己的註解後再</a:t>
+            </a:r>
+            <a:r>
+              <a:rPr lang="en-US" altLang="zh-TW" sz="1800" dirty="0" smtClean="0">
+                <a:solidFill>
+                  <a:schemeClr val="tx2"/>
+                </a:solidFill>
+              </a:rPr>
+              <a:t>check-in</a:t>
+            </a:r>
+            <a:endParaRPr lang="en-US" altLang="zh-TW" sz="1800" dirty="0">
+              <a:solidFill>
+                <a:schemeClr val="tx2"/>
+              </a:solidFill>
+            </a:endParaRPr>
+          </a:p>
+          <a:p>
+            <a:pPr>
+              <a:buFont typeface="Wingdings" pitchFamily="2" charset="2"/>
+              <a:buChar char="n"/>
+            </a:pPr>
+            <a:endParaRPr lang="en-US" altLang="zh-TW" sz="1800" dirty="0" smtClean="0">
+              <a:solidFill>
+                <a:schemeClr val="tx2"/>
+              </a:solidFill>
+            </a:endParaRPr>
+          </a:p>
+        </p:txBody>
+      </p:sp>
+    </p:spTree>
+    <p:extLst>
+      <p:ext uri="{BB962C8B-B14F-4D97-AF65-F5344CB8AC3E}">
+        <p14:creationId xmlns:p14="http://schemas.microsoft.com/office/powerpoint/2010/main" val="782260816"/>
+      </p:ext>
+    </p:extLst>
+  </p:cSld>
+  <p:clrMapOvr>
+    <a:masterClrMapping/>
+  </p:clrMapOvr>
+  <p:transition>
+    <p:strips dir="rd"/>
+  </p:transition>
+  <p:timing>
+    <p:tnLst>
+      <p:par>
+        <p:cTn id="1" dur="indefinite" restart="never" nodeType="tmRoot"/>
+      </p:par>
+    </p:tnLst>
+  </p:timing>
+</p:sld>
+</file>
+
+<file path=ppt/slides/slide15.xml><?xml version="1.0" encoding="utf-8"?>
+<p:sld xmlns:a="http://schemas.openxmlformats.org/drawingml/2006/main" xmlns:r="http://schemas.openxmlformats.org/officeDocument/2006/relationships" xmlns:p="http://schemas.openxmlformats.org/presentationml/2006/main">
+  <p:cSld>
+    <p:spTree>
+      <p:nvGrpSpPr>
+        <p:cNvPr id="1" name=""/>
+        <p:cNvGrpSpPr/>
+        <p:nvPr/>
+      </p:nvGrpSpPr>
+      <p:grpSpPr>
+        <a:xfrm>
+          <a:off x="0" y="0"/>
+          <a:ext cx="0" cy="0"/>
+          <a:chOff x="0" y="0"/>
+          <a:chExt cx="0" cy="0"/>
+        </a:xfrm>
+      </p:grpSpPr>
+      <p:sp>
+        <p:nvSpPr>
           <p:cNvPr id="6" name="投影片編號版面配置區 3"/>
           <p:cNvSpPr txBox="1">
             <a:spLocks noGrp="1"/>
@@ -16773,7 +18636,7 @@
                 <a:buNone/>
                 <a:defRPr/>
               </a:pPr>
-              <a:t>13</a:t>
+              <a:t>15</a:t>
             </a:fld>
             <a:endParaRPr lang="en-US" altLang="zh-TW" sz="1400" b="0">
               <a:solidFill>
@@ -17185,7 +19048,7 @@
         <p:spPr bwMode="auto">
           <a:xfrm>
             <a:off x="396875" y="836613"/>
-            <a:ext cx="7847013" cy="4401205"/>
+            <a:ext cx="7847013" cy="6617196"/>
           </a:xfrm>
           <a:prstGeom prst="rect">
             <a:avLst/>
@@ -17418,6 +19281,52 @@
             </a:endParaRPr>
           </a:p>
           <a:p>
+            <a:pPr algn="just" eaLnBrk="1" hangingPunct="1">
+              <a:spcBef>
+                <a:spcPct val="50000"/>
+              </a:spcBef>
+              <a:buFontTx/>
+              <a:buAutoNum type="ea1ChtPeriod"/>
+            </a:pPr>
+            <a:r>
+              <a:rPr kumimoji="0" lang="en-US" altLang="zh-TW" b="0" dirty="0" err="1" smtClean="0">
+                <a:solidFill>
+                  <a:schemeClr val="bg1"/>
+                </a:solidFill>
+                <a:ea typeface="標楷體" pitchFamily="65" charset="-120"/>
+                <a:sym typeface="Wingdings 2" pitchFamily="18" charset="2"/>
+              </a:rPr>
+              <a:t>.</a:t>
+            </a:r>
+            <a:r>
+              <a:rPr kumimoji="0" lang="en-US" altLang="zh-TW" b="0" dirty="0" err="1" smtClean="0">
+                <a:solidFill>
+                  <a:schemeClr val="bg1"/>
+                </a:solidFill>
+                <a:ea typeface="標楷體" pitchFamily="65" charset="-120"/>
+                <a:sym typeface="Wingdings 2" pitchFamily="18" charset="2"/>
+              </a:rPr>
+              <a:t>Net</a:t>
+            </a:r>
+            <a:r>
+              <a:rPr kumimoji="0" lang="zh-TW" altLang="en-US" b="0" dirty="0" smtClean="0">
+                <a:solidFill>
+                  <a:schemeClr val="bg1"/>
+                </a:solidFill>
+                <a:ea typeface="標楷體" pitchFamily="65" charset="-120"/>
+                <a:sym typeface="Wingdings 2" pitchFamily="18" charset="2"/>
+              </a:rPr>
+              <a:t>常用語法</a:t>
+            </a:r>
+            <a:endParaRPr kumimoji="0" lang="en-US" altLang="zh-TW" b="0" dirty="0" smtClean="0">
+              <a:solidFill>
+                <a:schemeClr val="bg1"/>
+              </a:solidFill>
+              <a:ea typeface="標楷體" pitchFamily="65" charset="-120"/>
+              <a:sym typeface="Wingdings 2" pitchFamily="18" charset="2"/>
+            </a:endParaRPr>
+          </a:p>
+          <a:p>
             <a:pPr eaLnBrk="1" hangingPunct="1">
               <a:spcBef>
                 <a:spcPct val="50000"/>
@@ -17426,25 +19335,50 @@
               <a:buAutoNum type="ea1ChtPeriod"/>
             </a:pPr>
             <a:r>
-              <a:rPr kumimoji="0" lang="en-US" altLang="zh-TW" b="0" dirty="0" err="1" smtClean="0">
+              <a:rPr kumimoji="0" lang="zh-TW" altLang="en-US" b="0" dirty="0" smtClean="0">
                 <a:solidFill>
                   <a:schemeClr val="bg1"/>
                 </a:solidFill>
                 <a:ea typeface="標楷體" pitchFamily="65" charset="-120"/>
                 <a:sym typeface="Wingdings 2" pitchFamily="18" charset="2"/>
               </a:rPr>
-              <a:t>.Net</a:t>
-            </a:r>
-            <a:r>
-              <a:rPr kumimoji="0" lang="zh-TW" altLang="en-US" b="0" dirty="0" smtClean="0">
+              <a:t>作業</a:t>
+            </a:r>
+            <a:endParaRPr kumimoji="0" lang="en-US" altLang="zh-TW" b="0" dirty="0" smtClean="0">
+              <a:solidFill>
+                <a:schemeClr val="bg1"/>
+              </a:solidFill>
+              <a:ea typeface="標楷體" pitchFamily="65" charset="-120"/>
+              <a:sym typeface="Wingdings 2" pitchFamily="18" charset="2"/>
+            </a:endParaRPr>
+          </a:p>
+          <a:p>
+            <a:pPr eaLnBrk="1" hangingPunct="1">
+              <a:spcBef>
+                <a:spcPct val="50000"/>
+              </a:spcBef>
+              <a:buFontTx/>
+              <a:buAutoNum type="ea1ChtPeriod"/>
+            </a:pPr>
+            <a:r>
+              <a:rPr kumimoji="0" lang="en-US" altLang="zh-TW" b="0" dirty="0">
                 <a:solidFill>
                   <a:schemeClr val="bg1"/>
                 </a:solidFill>
                 <a:ea typeface="標楷體" pitchFamily="65" charset="-120"/>
                 <a:sym typeface="Wingdings 2" pitchFamily="18" charset="2"/>
               </a:rPr>
-              <a:t>基本語法</a:t>
-            </a:r>
+              <a:t>Q&amp;A</a:t>
+            </a:r>
+          </a:p>
+          <a:p>
+            <a:pPr eaLnBrk="1" hangingPunct="1">
+              <a:spcBef>
+                <a:spcPct val="50000"/>
+              </a:spcBef>
+              <a:buFontTx/>
+              <a:buAutoNum type="ea1ChtPeriod"/>
+            </a:pPr>
             <a:endParaRPr kumimoji="0" lang="en-US" altLang="zh-TW" b="0" dirty="0" smtClean="0">
               <a:solidFill>
                 <a:schemeClr val="bg1"/>

--- a/簡報及DB/.Net開發環境.pptx
+++ b/簡報及DB/.Net開發環境.pptx
@@ -17236,7 +17236,23 @@
                   <a:schemeClr val="tx2"/>
                 </a:solidFill>
               </a:rPr>
-              <a:t>: class, instance, static class</a:t>
+              <a:t>: class, instance, static class(c#), shared(</a:t>
+            </a:r>
+            <a:r>
+              <a:rPr lang="en-US" altLang="zh-TW" sz="1800" dirty="0" err="1" smtClean="0">
+                <a:solidFill>
+                  <a:schemeClr val="tx2"/>
+                </a:solidFill>
+              </a:rPr>
+              <a:t>vb</a:t>
+            </a:r>
+            <a:r>
+              <a:rPr lang="en-US" altLang="zh-TW" sz="1800" dirty="0" smtClean="0">
+                <a:solidFill>
+                  <a:schemeClr val="tx2"/>
+                </a:solidFill>
+              </a:rPr>
+              <a:t>)</a:t>
             </a:r>
           </a:p>
           <a:p>
@@ -17340,20 +17356,12 @@
               <a:buChar char="n"/>
             </a:pPr>
             <a:r>
-              <a:rPr lang="zh-TW" altLang="en-US" sz="1800" dirty="0">
-                <a:solidFill>
-                  <a:schemeClr val="tx2"/>
-                </a:solidFill>
-              </a:rPr>
-              <a:t>傳</a:t>
-            </a:r>
-            <a:r>
               <a:rPr lang="zh-TW" altLang="en-US" sz="1800" dirty="0" smtClean="0">
                 <a:solidFill>
                   <a:schemeClr val="tx2"/>
                 </a:solidFill>
               </a:rPr>
-              <a:t>值</a:t>
+              <a:t>傳值</a:t>
             </a:r>
             <a:r>
               <a:rPr lang="en-US" altLang="zh-TW" sz="1800" dirty="0" smtClean="0">
@@ -17784,7 +17792,323 @@
                   <a:schemeClr val="tx2"/>
                 </a:solidFill>
               </a:rPr>
-              <a:t>擁有一個具有可傳入三個參數的建構子</a:t>
+              <a:t>擁有一個具有可傳入兩個參數的建構子，分別為</a:t>
+            </a:r>
+            <a:r>
+              <a:rPr lang="en-US" altLang="zh-TW" sz="1400" dirty="0" smtClean="0">
+                <a:solidFill>
+                  <a:schemeClr val="tx2"/>
+                </a:solidFill>
+              </a:rPr>
+              <a:t>: </a:t>
+            </a:r>
+            <a:r>
+              <a:rPr lang="zh-TW" altLang="en-US" sz="1400" dirty="0" smtClean="0">
+                <a:solidFill>
+                  <a:schemeClr val="tx2"/>
+                </a:solidFill>
+              </a:rPr>
+              <a:t>名字</a:t>
+            </a:r>
+            <a:r>
+              <a:rPr lang="en-US" altLang="zh-TW" sz="1400" dirty="0" smtClean="0">
+                <a:solidFill>
+                  <a:schemeClr val="tx2"/>
+                </a:solidFill>
+              </a:rPr>
+              <a:t>, </a:t>
+            </a:r>
+            <a:r>
+              <a:rPr lang="zh-TW" altLang="en-US" sz="1400" dirty="0">
+                <a:solidFill>
+                  <a:schemeClr val="tx2"/>
+                </a:solidFill>
+              </a:rPr>
+              <a:t>原</a:t>
+            </a:r>
+            <a:r>
+              <a:rPr lang="zh-TW" altLang="en-US" sz="1400" dirty="0" smtClean="0">
+                <a:solidFill>
+                  <a:schemeClr val="tx2"/>
+                </a:solidFill>
+              </a:rPr>
+              <a:t>始體重</a:t>
+            </a:r>
+            <a:r>
+              <a:rPr lang="en-US" altLang="zh-TW" sz="1400" dirty="0" smtClean="0">
+                <a:solidFill>
+                  <a:schemeClr val="tx2"/>
+                </a:solidFill>
+              </a:rPr>
+              <a:t>(</a:t>
+            </a:r>
+            <a:r>
+              <a:rPr lang="zh-TW" altLang="en-US" sz="1400" dirty="0">
+                <a:solidFill>
+                  <a:schemeClr val="tx2"/>
+                </a:solidFill>
+              </a:rPr>
+              <a:t>公克</a:t>
+            </a:r>
+            <a:r>
+              <a:rPr lang="en-US" altLang="zh-TW" sz="1400" dirty="0" smtClean="0">
+                <a:solidFill>
+                  <a:schemeClr val="tx2"/>
+                </a:solidFill>
+              </a:rPr>
+              <a:t>)</a:t>
+            </a:r>
+          </a:p>
+          <a:p>
+            <a:pPr lvl="1">
+              <a:buFont typeface="Wingdings" pitchFamily="2" charset="2"/>
+              <a:buChar char="n"/>
+            </a:pPr>
+            <a:r>
+              <a:rPr lang="zh-TW" altLang="en-US" sz="1400" dirty="0" smtClean="0">
+                <a:solidFill>
+                  <a:schemeClr val="tx2"/>
+                </a:solidFill>
+              </a:rPr>
+              <a:t>擁有名字、原始體重</a:t>
+            </a:r>
+            <a:r>
+              <a:rPr lang="en-US" altLang="zh-TW" sz="1400" dirty="0" smtClean="0">
+                <a:solidFill>
+                  <a:schemeClr val="tx2"/>
+                </a:solidFill>
+              </a:rPr>
+              <a:t>(</a:t>
+            </a:r>
+            <a:r>
+              <a:rPr lang="zh-TW" altLang="en-US" sz="1400" dirty="0">
+                <a:solidFill>
+                  <a:schemeClr val="tx2"/>
+                </a:solidFill>
+              </a:rPr>
+              <a:t>公克</a:t>
+            </a:r>
+            <a:r>
+              <a:rPr lang="en-US" altLang="zh-TW" sz="1400" dirty="0" smtClean="0">
+                <a:solidFill>
+                  <a:schemeClr val="tx2"/>
+                </a:solidFill>
+              </a:rPr>
+              <a:t>)</a:t>
+            </a:r>
+            <a:r>
+              <a:rPr lang="zh-TW" altLang="en-US" sz="1400" dirty="0" smtClean="0">
+                <a:solidFill>
+                  <a:schemeClr val="tx2"/>
+                </a:solidFill>
+              </a:rPr>
+              <a:t>、吃飽後體重</a:t>
+            </a:r>
+            <a:r>
+              <a:rPr lang="en-US" altLang="zh-TW" sz="1400" dirty="0" smtClean="0">
+                <a:solidFill>
+                  <a:schemeClr val="tx2"/>
+                </a:solidFill>
+              </a:rPr>
+              <a:t>(</a:t>
+            </a:r>
+            <a:r>
+              <a:rPr lang="zh-TW" altLang="en-US" sz="1400" dirty="0">
+                <a:solidFill>
+                  <a:schemeClr val="tx2"/>
+                </a:solidFill>
+              </a:rPr>
+              <a:t>公克</a:t>
+            </a:r>
+            <a:r>
+              <a:rPr lang="en-US" altLang="zh-TW" sz="1400" dirty="0" smtClean="0">
+                <a:solidFill>
+                  <a:schemeClr val="tx2"/>
+                </a:solidFill>
+              </a:rPr>
+              <a:t>)</a:t>
+            </a:r>
+            <a:r>
+              <a:rPr lang="zh-TW" altLang="en-US" sz="1400" dirty="0" smtClean="0">
+                <a:solidFill>
+                  <a:schemeClr val="tx2"/>
+                </a:solidFill>
+              </a:rPr>
+              <a:t>的</a:t>
+            </a:r>
+            <a:r>
+              <a:rPr lang="en-US" altLang="zh-TW" sz="1400" dirty="0" smtClean="0">
+                <a:solidFill>
+                  <a:schemeClr val="tx2"/>
+                </a:solidFill>
+              </a:rPr>
+              <a:t>private</a:t>
+            </a:r>
+            <a:r>
+              <a:rPr lang="zh-TW" altLang="en-US" sz="1400" dirty="0" smtClean="0">
+                <a:solidFill>
+                  <a:schemeClr val="tx2"/>
+                </a:solidFill>
+              </a:rPr>
+              <a:t>欄位，透過建構子賦予初始值 </a:t>
+            </a:r>
+            <a:r>
+              <a:rPr lang="en-US" altLang="zh-TW" sz="1400" dirty="0" smtClean="0">
+                <a:solidFill>
+                  <a:schemeClr val="tx2"/>
+                </a:solidFill>
+              </a:rPr>
+              <a:t>(</a:t>
+            </a:r>
+            <a:r>
+              <a:rPr lang="zh-TW" altLang="en-US" sz="1400" dirty="0" smtClean="0">
+                <a:solidFill>
+                  <a:schemeClr val="tx2"/>
+                </a:solidFill>
+              </a:rPr>
+              <a:t>吃飽後體重 於初始時等於 原始體重</a:t>
+            </a:r>
+            <a:r>
+              <a:rPr lang="en-US" altLang="zh-TW" sz="1400" dirty="0" smtClean="0">
+                <a:solidFill>
+                  <a:schemeClr val="tx2"/>
+                </a:solidFill>
+              </a:rPr>
+              <a:t>)</a:t>
+            </a:r>
+          </a:p>
+          <a:p>
+            <a:pPr lvl="1">
+              <a:buFont typeface="Wingdings" pitchFamily="2" charset="2"/>
+              <a:buChar char="n"/>
+            </a:pPr>
+            <a:r>
+              <a:rPr lang="zh-TW" altLang="en-US" sz="1400" dirty="0" smtClean="0">
+                <a:solidFill>
+                  <a:schemeClr val="tx2"/>
+                </a:solidFill>
+              </a:rPr>
+              <a:t>擁有名字、</a:t>
+            </a:r>
+            <a:r>
+              <a:rPr lang="zh-TW" altLang="en-US" sz="1400" dirty="0">
+                <a:solidFill>
+                  <a:schemeClr val="tx2"/>
+                </a:solidFill>
+              </a:rPr>
+              <a:t>原始體重</a:t>
+            </a:r>
+            <a:r>
+              <a:rPr lang="en-US" altLang="zh-TW" sz="1400" dirty="0" smtClean="0">
+                <a:solidFill>
+                  <a:schemeClr val="tx2"/>
+                </a:solidFill>
+              </a:rPr>
+              <a:t>(</a:t>
+            </a:r>
+            <a:r>
+              <a:rPr lang="zh-TW" altLang="en-US" sz="1400" dirty="0" smtClean="0">
+                <a:solidFill>
+                  <a:schemeClr val="tx2"/>
+                </a:solidFill>
+              </a:rPr>
+              <a:t>公克</a:t>
+            </a:r>
+            <a:r>
+              <a:rPr lang="en-US" altLang="zh-TW" sz="1400" dirty="0" smtClean="0">
+                <a:solidFill>
+                  <a:schemeClr val="tx2"/>
+                </a:solidFill>
+              </a:rPr>
+              <a:t>)</a:t>
+            </a:r>
+            <a:r>
+              <a:rPr lang="zh-TW" altLang="en-US" sz="1400" dirty="0">
+                <a:solidFill>
+                  <a:schemeClr val="tx2"/>
+                </a:solidFill>
+              </a:rPr>
+              <a:t>、原始體重</a:t>
+            </a:r>
+            <a:r>
+              <a:rPr lang="en-US" altLang="zh-TW" sz="1400" dirty="0" smtClean="0">
+                <a:solidFill>
+                  <a:schemeClr val="tx2"/>
+                </a:solidFill>
+              </a:rPr>
+              <a:t>(</a:t>
+            </a:r>
+            <a:r>
+              <a:rPr lang="zh-TW" altLang="en-US" sz="1400" dirty="0">
+                <a:solidFill>
+                  <a:schemeClr val="tx2"/>
+                </a:solidFill>
+              </a:rPr>
+              <a:t>公斤</a:t>
+            </a:r>
+            <a:r>
+              <a:rPr lang="en-US" altLang="zh-TW" sz="1400" dirty="0" smtClean="0">
+                <a:solidFill>
+                  <a:schemeClr val="tx2"/>
+                </a:solidFill>
+              </a:rPr>
+              <a:t>) </a:t>
+            </a:r>
+            <a:r>
+              <a:rPr lang="zh-TW" altLang="en-US" sz="1400" dirty="0" smtClean="0">
+                <a:solidFill>
+                  <a:schemeClr val="tx2"/>
+                </a:solidFill>
+              </a:rPr>
+              <a:t>、吃飽</a:t>
+            </a:r>
+            <a:r>
+              <a:rPr lang="zh-TW" altLang="en-US" sz="1400" dirty="0">
+                <a:solidFill>
+                  <a:schemeClr val="tx2"/>
+                </a:solidFill>
+              </a:rPr>
+              <a:t>後</a:t>
+            </a:r>
+            <a:r>
+              <a:rPr lang="zh-TW" altLang="en-US" sz="1400" dirty="0" smtClean="0">
+                <a:solidFill>
+                  <a:schemeClr val="tx2"/>
+                </a:solidFill>
+              </a:rPr>
+              <a:t>體重</a:t>
+            </a:r>
+            <a:r>
+              <a:rPr lang="en-US" altLang="zh-TW" sz="1400" dirty="0" smtClean="0">
+                <a:solidFill>
+                  <a:schemeClr val="tx2"/>
+                </a:solidFill>
+              </a:rPr>
+              <a:t>(</a:t>
+            </a:r>
+            <a:r>
+              <a:rPr lang="zh-TW" altLang="en-US" sz="1400" dirty="0" smtClean="0">
+                <a:solidFill>
+                  <a:schemeClr val="tx2"/>
+                </a:solidFill>
+              </a:rPr>
+              <a:t>公斤</a:t>
+            </a:r>
+            <a:r>
+              <a:rPr lang="en-US" altLang="zh-TW" sz="1400" dirty="0" smtClean="0">
+                <a:solidFill>
+                  <a:schemeClr val="tx2"/>
+                </a:solidFill>
+              </a:rPr>
+              <a:t>)</a:t>
+            </a:r>
+            <a:r>
+              <a:rPr lang="zh-TW" altLang="en-US" sz="1400" dirty="0" smtClean="0">
+                <a:solidFill>
+                  <a:schemeClr val="tx2"/>
+                </a:solidFill>
+              </a:rPr>
+              <a:t>的屬性</a:t>
             </a:r>
             <a:endParaRPr lang="en-US" altLang="zh-TW" sz="1400" dirty="0" smtClean="0">
               <a:solidFill>
@@ -17798,12 +18122,20 @@
               <a:buChar char="n"/>
             </a:pPr>
             <a:r>
+              <a:rPr lang="en-US" altLang="zh-TW" sz="1400" dirty="0">
+                <a:solidFill>
+                  <a:schemeClr val="tx2"/>
+                </a:solidFill>
+              </a:rPr>
+              <a:t>private method: </a:t>
+            </a:r>
+            <a:r>
               <a:rPr lang="zh-TW" altLang="en-US" sz="1400" dirty="0" smtClean="0">
                 <a:solidFill>
                   <a:schemeClr val="tx2"/>
                 </a:solidFill>
               </a:rPr>
-              <a:t>擁有名字、顏色、體重</a:t>
+              <a:t>增加體重 </a:t>
             </a:r>
             <a:r>
               <a:rPr lang="en-US" altLang="zh-TW" sz="1400" dirty="0" smtClean="0">
@@ -17811,7 +18143,15 @@
                   <a:schemeClr val="tx2"/>
                 </a:solidFill>
               </a:rPr>
-              <a:t>(</a:t>
+              <a:t>– </a:t>
+            </a:r>
+            <a:r>
+              <a:rPr lang="zh-TW" altLang="en-US" sz="1400" dirty="0" smtClean="0">
+                <a:solidFill>
+                  <a:schemeClr val="tx2"/>
+                </a:solidFill>
+              </a:rPr>
+              <a:t>使</a:t>
             </a:r>
             <a:r>
               <a:rPr lang="zh-TW" altLang="en-US" sz="1400" dirty="0">
@@ -17819,39 +18159,31 @@
                   <a:schemeClr val="tx2"/>
                 </a:solidFill>
               </a:rPr>
+              <a:t>吃飽後</a:t>
+            </a:r>
+            <a:r>
+              <a:rPr lang="zh-TW" altLang="en-US" sz="1400" dirty="0" smtClean="0">
+                <a:solidFill>
+                  <a:schemeClr val="tx2"/>
+                </a:solidFill>
+              </a:rPr>
+              <a:t>體重增加</a:t>
+            </a:r>
+            <a:r>
+              <a:rPr lang="en-US" altLang="zh-TW" sz="1400" dirty="0" smtClean="0">
+                <a:solidFill>
+                  <a:schemeClr val="tx2"/>
+                </a:solidFill>
+              </a:rPr>
+              <a:t>100</a:t>
+            </a:r>
+            <a:r>
+              <a:rPr lang="zh-TW" altLang="en-US" sz="1400" dirty="0" smtClean="0">
+                <a:solidFill>
+                  <a:schemeClr val="tx2"/>
+                </a:solidFill>
+              </a:rPr>
               <a:t>公克</a:t>
-            </a:r>
-            <a:r>
-              <a:rPr lang="en-US" altLang="zh-TW" sz="1400" dirty="0" smtClean="0">
-                <a:solidFill>
-                  <a:schemeClr val="tx2"/>
-                </a:solidFill>
-              </a:rPr>
-              <a:t>)</a:t>
-            </a:r>
-            <a:r>
-              <a:rPr lang="zh-TW" altLang="en-US" sz="1400" dirty="0" smtClean="0">
-                <a:solidFill>
-                  <a:schemeClr val="tx2"/>
-                </a:solidFill>
-              </a:rPr>
-              <a:t>的</a:t>
-            </a:r>
-            <a:r>
-              <a:rPr lang="en-US" altLang="zh-TW" sz="1400" dirty="0" smtClean="0">
-                <a:solidFill>
-                  <a:schemeClr val="tx2"/>
-                </a:solidFill>
-              </a:rPr>
-              <a:t>private</a:t>
-            </a:r>
-            <a:r>
-              <a:rPr lang="zh-TW" altLang="en-US" sz="1400" dirty="0" smtClean="0">
-                <a:solidFill>
-                  <a:schemeClr val="tx2"/>
-                </a:solidFill>
-              </a:rPr>
-              <a:t>欄位，透過建構子賦予初始值</a:t>
             </a:r>
             <a:endParaRPr lang="en-US" altLang="zh-TW" sz="1400" dirty="0" smtClean="0">
               <a:solidFill>
@@ -17865,12 +18197,20 @@
               <a:buChar char="n"/>
             </a:pPr>
             <a:r>
+              <a:rPr lang="en-US" altLang="zh-TW" sz="1400" dirty="0" smtClean="0">
+                <a:solidFill>
+                  <a:schemeClr val="tx2"/>
+                </a:solidFill>
+              </a:rPr>
+              <a:t>public method: </a:t>
+            </a:r>
+            <a:r>
               <a:rPr lang="zh-TW" altLang="en-US" sz="1400" dirty="0" smtClean="0">
                 <a:solidFill>
                   <a:schemeClr val="tx2"/>
                 </a:solidFill>
               </a:rPr>
-              <a:t>擁有名字、顏色、體重</a:t>
+              <a:t>吃東西 </a:t>
             </a:r>
             <a:r>
               <a:rPr lang="en-US" altLang="zh-TW" sz="1400" dirty="0" smtClean="0">
@@ -17878,65 +18218,291 @@
                   <a:schemeClr val="tx2"/>
                 </a:solidFill>
               </a:rPr>
+              <a:t>– </a:t>
+            </a:r>
+            <a:r>
+              <a:rPr lang="zh-TW" altLang="en-US" sz="1400" dirty="0" smtClean="0">
+                <a:solidFill>
+                  <a:schemeClr val="tx2"/>
+                </a:solidFill>
+              </a:rPr>
+              <a:t>傳入食物字串，呼叫</a:t>
+            </a:r>
+            <a:r>
+              <a:rPr lang="en-US" altLang="zh-TW" sz="1400" dirty="0" smtClean="0">
+                <a:solidFill>
+                  <a:schemeClr val="tx2"/>
+                </a:solidFill>
+              </a:rPr>
+              <a:t>”</a:t>
+            </a:r>
+            <a:r>
+              <a:rPr lang="zh-TW" altLang="en-US" sz="1400" dirty="0" smtClean="0">
+                <a:solidFill>
+                  <a:schemeClr val="tx2"/>
+                </a:solidFill>
+              </a:rPr>
+              <a:t>增加體重</a:t>
+            </a:r>
+            <a:r>
+              <a:rPr lang="en-US" altLang="zh-TW" sz="1400" dirty="0" smtClean="0">
+                <a:solidFill>
+                  <a:schemeClr val="tx2"/>
+                </a:solidFill>
+              </a:rPr>
+              <a:t>”method</a:t>
+            </a:r>
+            <a:r>
+              <a:rPr lang="zh-TW" altLang="en-US" sz="1400" dirty="0" smtClean="0">
+                <a:solidFill>
+                  <a:schemeClr val="tx2"/>
+                </a:solidFill>
+              </a:rPr>
+              <a:t>，並印出 </a:t>
+            </a:r>
+            <a:r>
+              <a:rPr lang="en-US" altLang="zh-TW" sz="1400" dirty="0" smtClean="0">
+                <a:solidFill>
+                  <a:srgbClr val="FF0000"/>
+                </a:solidFill>
+              </a:rPr>
+              <a:t>“</a:t>
+            </a:r>
+            <a:r>
+              <a:rPr lang="zh-TW" altLang="en-US" sz="1400" dirty="0" smtClean="0">
+                <a:solidFill>
+                  <a:srgbClr val="FF0000"/>
+                </a:solidFill>
+              </a:rPr>
+              <a:t>名字</a:t>
+            </a:r>
+            <a:r>
+              <a:rPr lang="en-US" altLang="zh-TW" sz="1400" dirty="0" smtClean="0">
+                <a:solidFill>
+                  <a:srgbClr val="FF0000"/>
+                </a:solidFill>
+              </a:rPr>
+              <a:t>”</a:t>
+            </a:r>
+            <a:r>
+              <a:rPr lang="zh-TW" altLang="en-US" sz="1400" dirty="0" smtClean="0">
+                <a:solidFill>
+                  <a:srgbClr val="FF0000"/>
+                </a:solidFill>
+              </a:rPr>
+              <a:t>正在吃</a:t>
+            </a:r>
+            <a:r>
+              <a:rPr lang="en-US" altLang="zh-TW" sz="1400" dirty="0" smtClean="0">
+                <a:solidFill>
+                  <a:srgbClr val="FF0000"/>
+                </a:solidFill>
+              </a:rPr>
+              <a:t>”</a:t>
+            </a:r>
+            <a:r>
+              <a:rPr lang="zh-TW" altLang="en-US" sz="1400" dirty="0" smtClean="0">
+                <a:solidFill>
+                  <a:srgbClr val="FF0000"/>
+                </a:solidFill>
+              </a:rPr>
+              <a:t>食物</a:t>
+            </a:r>
+            <a:r>
+              <a:rPr lang="en-US" altLang="zh-TW" sz="1400" dirty="0" smtClean="0">
+                <a:solidFill>
+                  <a:srgbClr val="FF0000"/>
+                </a:solidFill>
+              </a:rPr>
+              <a:t>”, </a:t>
+            </a:r>
+            <a:r>
+              <a:rPr lang="zh-TW" altLang="en-US" sz="1400" dirty="0" smtClean="0">
+                <a:solidFill>
+                  <a:srgbClr val="FF0000"/>
+                </a:solidFill>
+              </a:rPr>
+              <a:t>體重現在為</a:t>
+            </a:r>
+            <a:r>
+              <a:rPr lang="en-US" altLang="zh-TW" sz="1400" dirty="0" smtClean="0">
+                <a:solidFill>
+                  <a:srgbClr val="FF0000"/>
+                </a:solidFill>
+              </a:rPr>
+              <a:t>”</a:t>
+            </a:r>
+            <a:r>
+              <a:rPr lang="zh-TW" altLang="en-US" sz="1400" dirty="0" smtClean="0">
+                <a:solidFill>
+                  <a:srgbClr val="FF0000"/>
+                </a:solidFill>
+              </a:rPr>
+              <a:t>吃飽後體重</a:t>
+            </a:r>
+            <a:r>
+              <a:rPr lang="en-US" altLang="zh-TW" sz="1400" dirty="0">
+                <a:solidFill>
+                  <a:srgbClr val="FF0000"/>
+                </a:solidFill>
+              </a:rPr>
               <a:t>(</a:t>
             </a:r>
             <a:r>
+              <a:rPr lang="zh-TW" altLang="en-US" sz="1400" dirty="0">
+                <a:solidFill>
+                  <a:srgbClr val="FF0000"/>
+                </a:solidFill>
+              </a:rPr>
+              <a:t>公斤</a:t>
+            </a:r>
+            <a:r>
+              <a:rPr lang="en-US" altLang="zh-TW" sz="1400" dirty="0" smtClean="0">
+                <a:solidFill>
+                  <a:srgbClr val="FF0000"/>
+                </a:solidFill>
+              </a:rPr>
+              <a:t>)”KG</a:t>
+            </a:r>
+            <a:r>
               <a:rPr lang="zh-TW" altLang="en-US" sz="1400" dirty="0" smtClean="0">
                 <a:solidFill>
                   <a:schemeClr val="tx2"/>
                 </a:solidFill>
               </a:rPr>
-              <a:t>公克</a:t>
-            </a:r>
-            <a:r>
-              <a:rPr lang="en-US" altLang="zh-TW" sz="1400" dirty="0" smtClean="0">
-                <a:solidFill>
-                  <a:schemeClr val="tx2"/>
-                </a:solidFill>
-              </a:rPr>
-              <a:t>)</a:t>
-            </a:r>
-            <a:r>
-              <a:rPr lang="zh-TW" altLang="en-US" sz="1400" dirty="0" smtClean="0">
-                <a:solidFill>
-                  <a:schemeClr val="tx2"/>
-                </a:solidFill>
-              </a:rPr>
-              <a:t>、體重</a:t>
-            </a:r>
-            <a:r>
-              <a:rPr lang="en-US" altLang="zh-TW" sz="1400" dirty="0" smtClean="0">
-                <a:solidFill>
-                  <a:schemeClr val="tx2"/>
-                </a:solidFill>
-              </a:rPr>
-              <a:t>(</a:t>
-            </a:r>
-            <a:r>
-              <a:rPr lang="zh-TW" altLang="en-US" sz="1400" dirty="0" smtClean="0">
-                <a:solidFill>
-                  <a:schemeClr val="tx2"/>
-                </a:solidFill>
-              </a:rPr>
-              <a:t>公斤</a:t>
-            </a:r>
-            <a:r>
-              <a:rPr lang="en-US" altLang="zh-TW" sz="1400" dirty="0" smtClean="0">
-                <a:solidFill>
-                  <a:schemeClr val="tx2"/>
-                </a:solidFill>
-              </a:rPr>
-              <a:t>)</a:t>
-            </a:r>
-            <a:r>
-              <a:rPr lang="zh-TW" altLang="en-US" sz="1400" dirty="0" smtClean="0">
-                <a:solidFill>
-                  <a:schemeClr val="tx2"/>
-                </a:solidFill>
-              </a:rPr>
-              <a:t>的屬性</a:t>
+              <a:t> 的訊息</a:t>
             </a:r>
             <a:endParaRPr lang="en-US" altLang="zh-TW" sz="1400" dirty="0" smtClean="0">
+              <a:solidFill>
+                <a:schemeClr val="tx2"/>
+              </a:solidFill>
+            </a:endParaRPr>
+          </a:p>
+          <a:p>
+            <a:pPr lvl="2">
+              <a:buFont typeface="Wingdings" pitchFamily="2" charset="2"/>
+              <a:buChar char="n"/>
+            </a:pPr>
+            <a:r>
+              <a:rPr lang="en-US" altLang="zh-TW" sz="1000" dirty="0" err="1" smtClean="0">
+                <a:solidFill>
+                  <a:schemeClr val="tx2"/>
+                </a:solidFill>
+              </a:rPr>
+              <a:t>vb</a:t>
+            </a:r>
+            <a:r>
+              <a:rPr lang="en-US" altLang="zh-TW" sz="1000" dirty="0" smtClean="0">
+                <a:solidFill>
+                  <a:schemeClr val="tx2"/>
+                </a:solidFill>
+              </a:rPr>
+              <a:t>: public sub Eat(</a:t>
+            </a:r>
+            <a:r>
+              <a:rPr lang="en-US" altLang="zh-TW" sz="1000" dirty="0" err="1" smtClean="0">
+                <a:solidFill>
+                  <a:schemeClr val="tx2"/>
+                </a:solidFill>
+              </a:rPr>
+              <a:t>ByVal</a:t>
+            </a:r>
+            <a:r>
+              <a:rPr lang="en-US" altLang="zh-TW" sz="1000" dirty="0" smtClean="0">
+                <a:solidFill>
+                  <a:schemeClr val="tx2"/>
+                </a:solidFill>
+              </a:rPr>
+              <a:t> food as string) </a:t>
+            </a:r>
+          </a:p>
+          <a:p>
+            <a:pPr lvl="2">
+              <a:buFont typeface="Wingdings" pitchFamily="2" charset="2"/>
+              <a:buChar char="n"/>
+            </a:pPr>
+            <a:r>
+              <a:rPr lang="en-US" altLang="zh-TW" sz="1000" dirty="0" smtClean="0">
+                <a:solidFill>
+                  <a:schemeClr val="tx2"/>
+                </a:solidFill>
+              </a:rPr>
+              <a:t>C#: public void Eat(</a:t>
+            </a:r>
+            <a:r>
+              <a:rPr lang="en-US" altLang="zh-TW" sz="1000" dirty="0" err="1" smtClean="0">
+                <a:solidFill>
+                  <a:schemeClr val="tx2"/>
+                </a:solidFill>
+              </a:rPr>
+              <a:t>stinrg</a:t>
+            </a:r>
+            <a:r>
+              <a:rPr lang="en-US" altLang="zh-TW" sz="1000" dirty="0" smtClean="0">
+                <a:solidFill>
+                  <a:schemeClr val="tx2"/>
+                </a:solidFill>
+              </a:rPr>
+              <a:t> food)</a:t>
+            </a:r>
+          </a:p>
+          <a:p>
+            <a:pPr>
+              <a:buFont typeface="Wingdings" pitchFamily="2" charset="2"/>
+              <a:buChar char="n"/>
+            </a:pPr>
+            <a:endParaRPr lang="en-US" altLang="zh-TW" sz="1800" dirty="0" smtClean="0">
+              <a:solidFill>
+                <a:schemeClr val="tx2"/>
+              </a:solidFill>
+            </a:endParaRPr>
+          </a:p>
+          <a:p>
+            <a:pPr>
+              <a:buFont typeface="Wingdings" pitchFamily="2" charset="2"/>
+              <a:buChar char="n"/>
+            </a:pPr>
+            <a:r>
+              <a:rPr lang="zh-TW" altLang="en-US" sz="1800" dirty="0" smtClean="0">
+                <a:solidFill>
+                  <a:schemeClr val="tx2"/>
+                </a:solidFill>
+              </a:rPr>
+              <a:t>建立一個</a:t>
+            </a:r>
+            <a:r>
+              <a:rPr lang="en-US" altLang="zh-TW" sz="1800" dirty="0" smtClean="0">
+                <a:solidFill>
+                  <a:schemeClr val="tx2"/>
+                </a:solidFill>
+              </a:rPr>
+              <a:t>Console Application Project</a:t>
+            </a:r>
+            <a:r>
+              <a:rPr lang="zh-TW" altLang="en-US" sz="1800" dirty="0" smtClean="0">
+                <a:solidFill>
+                  <a:schemeClr val="tx2"/>
+                </a:solidFill>
+              </a:rPr>
+              <a:t>，並撰寫一隻</a:t>
+            </a:r>
+            <a:r>
+              <a:rPr lang="en-US" altLang="zh-TW" sz="1800" dirty="0" smtClean="0">
+                <a:solidFill>
+                  <a:schemeClr val="tx2"/>
+                </a:solidFill>
+              </a:rPr>
+              <a:t>console</a:t>
+            </a:r>
+            <a:r>
+              <a:rPr lang="zh-TW" altLang="en-US" sz="1800" dirty="0" smtClean="0">
+                <a:solidFill>
+                  <a:schemeClr val="tx2"/>
+                </a:solidFill>
+              </a:rPr>
+              <a:t>程式</a:t>
+            </a:r>
+            <a:endParaRPr lang="en-US" altLang="zh-TW" sz="1800" dirty="0" smtClean="0">
               <a:solidFill>
                 <a:schemeClr val="tx2"/>
               </a:solidFill>
@@ -17948,12 +18514,132 @@
               <a:buChar char="n"/>
             </a:pPr>
             <a:r>
+              <a:rPr lang="zh-TW" altLang="en-US" sz="1400" dirty="0" smtClean="0">
+                <a:solidFill>
+                  <a:schemeClr val="tx2"/>
+                </a:solidFill>
+              </a:rPr>
+              <a:t>建立一個</a:t>
+            </a:r>
+            <a:r>
+              <a:rPr lang="en-US" altLang="zh-TW" sz="1400" dirty="0" smtClean="0">
+                <a:solidFill>
+                  <a:schemeClr val="tx2"/>
+                </a:solidFill>
+              </a:rPr>
+              <a:t>class</a:t>
+            </a:r>
+            <a:r>
+              <a:rPr lang="zh-TW" altLang="en-US" sz="1400" dirty="0" smtClean="0">
+                <a:solidFill>
+                  <a:schemeClr val="tx2"/>
+                </a:solidFill>
+              </a:rPr>
+              <a:t>的實體，傳入名字、顏色及原始體重，並依據該實體的</a:t>
+            </a:r>
+            <a:r>
+              <a:rPr lang="en-US" altLang="zh-TW" sz="1400" dirty="0" smtClean="0">
+                <a:solidFill>
+                  <a:schemeClr val="tx2"/>
+                </a:solidFill>
+              </a:rPr>
+              <a:t>”</a:t>
+            </a:r>
+            <a:r>
+              <a:rPr lang="zh-TW" altLang="en-US" sz="1400" smtClean="0">
+                <a:solidFill>
+                  <a:schemeClr val="tx2"/>
+                </a:solidFill>
+              </a:rPr>
+              <a:t>原始體重</a:t>
+            </a:r>
+            <a:r>
+              <a:rPr lang="en-US" altLang="zh-TW" sz="1400" dirty="0" smtClean="0">
+                <a:solidFill>
+                  <a:schemeClr val="tx2"/>
+                </a:solidFill>
+              </a:rPr>
+              <a:t>”</a:t>
+            </a:r>
+            <a:r>
+              <a:rPr lang="zh-TW" altLang="en-US" sz="1400" dirty="0" smtClean="0">
+                <a:solidFill>
+                  <a:schemeClr val="tx2"/>
+                </a:solidFill>
+              </a:rPr>
+              <a:t>初始值，每有</a:t>
+            </a:r>
+            <a:r>
+              <a:rPr lang="en-US" altLang="zh-TW" sz="1400" dirty="0" smtClean="0">
+                <a:solidFill>
+                  <a:schemeClr val="tx2"/>
+                </a:solidFill>
+              </a:rPr>
+              <a:t>1</a:t>
+            </a:r>
+            <a:r>
+              <a:rPr lang="zh-TW" altLang="en-US" sz="1400" dirty="0" smtClean="0">
+                <a:solidFill>
+                  <a:schemeClr val="tx2"/>
+                </a:solidFill>
+              </a:rPr>
+              <a:t>公斤就呼叫</a:t>
+            </a:r>
+            <a:r>
+              <a:rPr lang="en-US" altLang="zh-TW" sz="1400" dirty="0" smtClean="0">
+                <a:solidFill>
+                  <a:schemeClr val="tx2"/>
+                </a:solidFill>
+              </a:rPr>
+              <a:t>”</a:t>
+            </a:r>
+            <a:r>
+              <a:rPr lang="zh-TW" altLang="en-US" sz="1400" dirty="0" smtClean="0">
+                <a:solidFill>
+                  <a:schemeClr val="tx2"/>
+                </a:solidFill>
+              </a:rPr>
+              <a:t>吃東西</a:t>
+            </a:r>
+            <a:r>
+              <a:rPr lang="en-US" altLang="zh-TW" sz="1400" dirty="0" smtClean="0">
+                <a:solidFill>
+                  <a:schemeClr val="tx2"/>
+                </a:solidFill>
+              </a:rPr>
+              <a:t>”method</a:t>
+            </a:r>
+            <a:r>
+              <a:rPr lang="zh-TW" altLang="en-US" sz="1400" dirty="0" smtClean="0">
+                <a:solidFill>
+                  <a:schemeClr val="tx2"/>
+                </a:solidFill>
+              </a:rPr>
+              <a:t>一次；如</a:t>
+            </a:r>
+            <a:r>
+              <a:rPr lang="en-US" altLang="zh-TW" sz="1400" dirty="0" smtClean="0">
+                <a:solidFill>
+                  <a:schemeClr val="tx2"/>
+                </a:solidFill>
+              </a:rPr>
+              <a:t>5.6</a:t>
+            </a:r>
+            <a:r>
+              <a:rPr lang="zh-TW" altLang="en-US" sz="1400" dirty="0" smtClean="0">
+                <a:solidFill>
+                  <a:schemeClr val="tx2"/>
+                </a:solidFill>
+              </a:rPr>
+              <a:t>公斤則呼叫</a:t>
+            </a:r>
+            <a:r>
               <a:rPr lang="en-US" altLang="zh-TW" sz="1400" dirty="0">
                 <a:solidFill>
                   <a:schemeClr val="tx2"/>
                 </a:solidFill>
               </a:rPr>
-              <a:t>private method: </a:t>
+              <a:t>6</a:t>
             </a:r>
             <a:r>
               <a:rPr lang="zh-TW" altLang="en-US" sz="1400" dirty="0" smtClean="0">
@@ -17961,7 +18647,7 @@
                   <a:schemeClr val="tx2"/>
                 </a:solidFill>
               </a:rPr>
-              <a:t>增加體重 </a:t>
+              <a:t>次，不足</a:t>
             </a:r>
             <a:r>
               <a:rPr lang="en-US" altLang="zh-TW" sz="1400" dirty="0" smtClean="0">
@@ -17969,7 +18655,7 @@
                   <a:schemeClr val="tx2"/>
                 </a:solidFill>
               </a:rPr>
-              <a:t>– </a:t>
+              <a:t>1</a:t>
             </a:r>
             <a:r>
               <a:rPr lang="zh-TW" altLang="en-US" sz="1400" dirty="0" smtClean="0">
@@ -17977,7 +18663,7 @@
                   <a:schemeClr val="tx2"/>
                 </a:solidFill>
               </a:rPr>
-              <a:t>使現有體重增加</a:t>
+              <a:t>公斤則僅呼叫</a:t>
             </a:r>
             <a:r>
               <a:rPr lang="en-US" altLang="zh-TW" sz="1400" dirty="0" smtClean="0">
@@ -17985,7 +18671,7 @@
                   <a:schemeClr val="tx2"/>
                 </a:solidFill>
               </a:rPr>
-              <a:t>100</a:t>
+              <a:t>1</a:t>
             </a:r>
             <a:r>
               <a:rPr lang="zh-TW" altLang="en-US" sz="1400" dirty="0" smtClean="0">
@@ -17993,194 +18679,7 @@
                   <a:schemeClr val="tx2"/>
                 </a:solidFill>
               </a:rPr>
-              <a:t>公克</a:t>
-            </a:r>
-            <a:endParaRPr lang="en-US" altLang="zh-TW" sz="1400" dirty="0" smtClean="0">
-              <a:solidFill>
-                <a:schemeClr val="tx2"/>
-              </a:solidFill>
-            </a:endParaRPr>
-          </a:p>
-          <a:p>
-            <a:pPr lvl="1">
-              <a:buFont typeface="Wingdings" pitchFamily="2" charset="2"/>
-              <a:buChar char="n"/>
-            </a:pPr>
-            <a:r>
-              <a:rPr lang="en-US" altLang="zh-TW" sz="1400" dirty="0" smtClean="0">
-                <a:solidFill>
-                  <a:schemeClr val="tx2"/>
-                </a:solidFill>
-              </a:rPr>
-              <a:t>public method: </a:t>
-            </a:r>
-            <a:r>
-              <a:rPr lang="zh-TW" altLang="en-US" sz="1400" dirty="0" smtClean="0">
-                <a:solidFill>
-                  <a:schemeClr val="tx2"/>
-                </a:solidFill>
-              </a:rPr>
-              <a:t>吃東西 </a:t>
-            </a:r>
-            <a:r>
-              <a:rPr lang="en-US" altLang="zh-TW" sz="1400" dirty="0" smtClean="0">
-                <a:solidFill>
-                  <a:schemeClr val="tx2"/>
-                </a:solidFill>
-              </a:rPr>
-              <a:t>– </a:t>
-            </a:r>
-            <a:r>
-              <a:rPr lang="zh-TW" altLang="en-US" sz="1400" dirty="0" smtClean="0">
-                <a:solidFill>
-                  <a:schemeClr val="tx2"/>
-                </a:solidFill>
-              </a:rPr>
-              <a:t>傳入食物字串，呼叫</a:t>
-            </a:r>
-            <a:r>
-              <a:rPr lang="en-US" altLang="zh-TW" sz="1400" dirty="0" smtClean="0">
-                <a:solidFill>
-                  <a:schemeClr val="tx2"/>
-                </a:solidFill>
-              </a:rPr>
-              <a:t>”</a:t>
-            </a:r>
-            <a:r>
-              <a:rPr lang="zh-TW" altLang="en-US" sz="1400" dirty="0" smtClean="0">
-                <a:solidFill>
-                  <a:schemeClr val="tx2"/>
-                </a:solidFill>
-              </a:rPr>
-              <a:t>增加體重</a:t>
-            </a:r>
-            <a:r>
-              <a:rPr lang="en-US" altLang="zh-TW" sz="1400" dirty="0" smtClean="0">
-                <a:solidFill>
-                  <a:schemeClr val="tx2"/>
-                </a:solidFill>
-              </a:rPr>
-              <a:t>”method</a:t>
-            </a:r>
-            <a:r>
-              <a:rPr lang="zh-TW" altLang="en-US" sz="1400" dirty="0" smtClean="0">
-                <a:solidFill>
-                  <a:schemeClr val="tx2"/>
-                </a:solidFill>
-              </a:rPr>
-              <a:t>，並印出 </a:t>
-            </a:r>
-            <a:r>
-              <a:rPr lang="en-US" altLang="zh-TW" sz="1400" dirty="0" smtClean="0">
-                <a:solidFill>
-                  <a:srgbClr val="FF0000"/>
-                </a:solidFill>
-              </a:rPr>
-              <a:t>“</a:t>
-            </a:r>
-            <a:r>
-              <a:rPr lang="zh-TW" altLang="en-US" sz="1400" dirty="0" smtClean="0">
-                <a:solidFill>
-                  <a:srgbClr val="FF0000"/>
-                </a:solidFill>
-              </a:rPr>
-              <a:t>名字</a:t>
-            </a:r>
-            <a:r>
-              <a:rPr lang="en-US" altLang="zh-TW" sz="1400" dirty="0" smtClean="0">
-                <a:solidFill>
-                  <a:srgbClr val="FF0000"/>
-                </a:solidFill>
-              </a:rPr>
-              <a:t>”</a:t>
-            </a:r>
-            <a:r>
-              <a:rPr lang="zh-TW" altLang="en-US" sz="1400" dirty="0" smtClean="0">
-                <a:solidFill>
-                  <a:srgbClr val="FF0000"/>
-                </a:solidFill>
-              </a:rPr>
-              <a:t>正在吃</a:t>
-            </a:r>
-            <a:r>
-              <a:rPr lang="en-US" altLang="zh-TW" sz="1400" dirty="0" smtClean="0">
-                <a:solidFill>
-                  <a:srgbClr val="FF0000"/>
-                </a:solidFill>
-              </a:rPr>
-              <a:t>”</a:t>
-            </a:r>
-            <a:r>
-              <a:rPr lang="zh-TW" altLang="en-US" sz="1400" dirty="0" smtClean="0">
-                <a:solidFill>
-                  <a:srgbClr val="FF0000"/>
-                </a:solidFill>
-              </a:rPr>
-              <a:t>食物</a:t>
-            </a:r>
-            <a:r>
-              <a:rPr lang="en-US" altLang="zh-TW" sz="1400" dirty="0" smtClean="0">
-                <a:solidFill>
-                  <a:srgbClr val="FF0000"/>
-                </a:solidFill>
-              </a:rPr>
-              <a:t>”, </a:t>
-            </a:r>
-            <a:r>
-              <a:rPr lang="zh-TW" altLang="en-US" sz="1400" dirty="0" smtClean="0">
-                <a:solidFill>
-                  <a:srgbClr val="FF0000"/>
-                </a:solidFill>
-              </a:rPr>
-              <a:t>現在體重為</a:t>
-            </a:r>
-            <a:r>
-              <a:rPr lang="en-US" altLang="zh-TW" sz="1400" dirty="0" smtClean="0">
-                <a:solidFill>
-                  <a:srgbClr val="FF0000"/>
-                </a:solidFill>
-              </a:rPr>
-              <a:t>”</a:t>
-            </a:r>
-            <a:r>
-              <a:rPr lang="zh-TW" altLang="en-US" sz="1400" dirty="0" smtClean="0">
-                <a:solidFill>
-                  <a:srgbClr val="FF0000"/>
-                </a:solidFill>
-              </a:rPr>
-              <a:t>體重</a:t>
-            </a:r>
-            <a:r>
-              <a:rPr lang="en-US" altLang="zh-TW" sz="1400" dirty="0">
-                <a:solidFill>
-                  <a:srgbClr val="FF0000"/>
-                </a:solidFill>
-              </a:rPr>
-              <a:t>(</a:t>
-            </a:r>
-            <a:r>
-              <a:rPr lang="zh-TW" altLang="en-US" sz="1400" dirty="0">
-                <a:solidFill>
-                  <a:srgbClr val="FF0000"/>
-                </a:solidFill>
-              </a:rPr>
-              <a:t>公斤</a:t>
-            </a:r>
-            <a:r>
-              <a:rPr lang="en-US" altLang="zh-TW" sz="1400" dirty="0" smtClean="0">
-                <a:solidFill>
-                  <a:srgbClr val="FF0000"/>
-                </a:solidFill>
-              </a:rPr>
-              <a:t>)”KG</a:t>
-            </a:r>
-            <a:r>
-              <a:rPr lang="zh-TW" altLang="en-US" sz="1400" dirty="0" smtClean="0">
-                <a:solidFill>
-                  <a:schemeClr val="tx2"/>
-                </a:solidFill>
-              </a:rPr>
-              <a:t> 的訊息</a:t>
+              <a:t>次</a:t>
             </a:r>
             <a:endParaRPr lang="en-US" altLang="zh-TW" sz="1400" dirty="0" smtClean="0">
               <a:solidFill>
@@ -18210,7 +18709,7 @@
                   <a:schemeClr val="tx2"/>
                 </a:solidFill>
               </a:rPr>
-              <a:t>建立一個</a:t>
+              <a:t>將程式上傳至</a:t>
             </a:r>
             <a:r>
               <a:rPr lang="en-US" altLang="zh-TW" sz="1800" dirty="0" smtClean="0">
@@ -18218,7 +18717,7 @@
                   <a:schemeClr val="tx2"/>
                 </a:solidFill>
               </a:rPr>
-              <a:t>Console Application Project</a:t>
+              <a:t>TFS (</a:t>
             </a:r>
             <a:r>
               <a:rPr lang="zh-TW" altLang="en-US" sz="1800" dirty="0" smtClean="0">
@@ -18226,7 +18725,7 @@
                   <a:schemeClr val="tx2"/>
                 </a:solidFill>
               </a:rPr>
-              <a:t>，並撰寫一隻</a:t>
+              <a:t>星期一下班前不論進度都先</a:t>
             </a:r>
             <a:r>
               <a:rPr lang="en-US" altLang="zh-TW" sz="1800" dirty="0" smtClean="0">
@@ -18234,224 +18733,21 @@
                   <a:schemeClr val="tx2"/>
                 </a:solidFill>
               </a:rPr>
-              <a:t>console</a:t>
-            </a:r>
-            <a:r>
-              <a:rPr lang="zh-TW" altLang="en-US" sz="1800" dirty="0" smtClean="0">
-                <a:solidFill>
-                  <a:schemeClr val="tx2"/>
-                </a:solidFill>
-              </a:rPr>
-              <a:t>程式</a:t>
-            </a:r>
-            <a:endParaRPr lang="en-US" altLang="zh-TW" sz="1800" dirty="0" smtClean="0">
-              <a:solidFill>
-                <a:schemeClr val="tx2"/>
-              </a:solidFill>
-            </a:endParaRPr>
-          </a:p>
-          <a:p>
-            <a:pPr lvl="1">
-              <a:buFont typeface="Wingdings" pitchFamily="2" charset="2"/>
-              <a:buChar char="n"/>
-            </a:pPr>
-            <a:r>
-              <a:rPr lang="zh-TW" altLang="en-US" sz="1400" dirty="0" smtClean="0">
-                <a:solidFill>
-                  <a:schemeClr val="tx2"/>
-                </a:solidFill>
-              </a:rPr>
-              <a:t>建立兩個</a:t>
-            </a:r>
-            <a:r>
-              <a:rPr lang="en-US" altLang="zh-TW" sz="1400" dirty="0" smtClean="0">
-                <a:solidFill>
-                  <a:schemeClr val="tx2"/>
-                </a:solidFill>
-              </a:rPr>
-              <a:t>class</a:t>
-            </a:r>
-            <a:r>
-              <a:rPr lang="zh-TW" altLang="en-US" sz="1400" dirty="0" smtClean="0">
-                <a:solidFill>
-                  <a:schemeClr val="tx2"/>
-                </a:solidFill>
-              </a:rPr>
-              <a:t>的實體，並依據該實體的</a:t>
-            </a:r>
-            <a:r>
-              <a:rPr lang="en-US" altLang="zh-TW" sz="1400" dirty="0" smtClean="0">
-                <a:solidFill>
-                  <a:schemeClr val="tx2"/>
-                </a:solidFill>
-              </a:rPr>
-              <a:t>”</a:t>
-            </a:r>
-            <a:r>
-              <a:rPr lang="zh-TW" altLang="en-US" sz="1400" dirty="0" smtClean="0">
-                <a:solidFill>
-                  <a:schemeClr val="tx2"/>
-                </a:solidFill>
-              </a:rPr>
-              <a:t>體重</a:t>
-            </a:r>
-            <a:r>
-              <a:rPr lang="en-US" altLang="zh-TW" sz="1400" dirty="0" smtClean="0">
-                <a:solidFill>
-                  <a:schemeClr val="tx2"/>
-                </a:solidFill>
-              </a:rPr>
-              <a:t>”</a:t>
-            </a:r>
-            <a:r>
-              <a:rPr lang="zh-TW" altLang="en-US" sz="1400" dirty="0" smtClean="0">
-                <a:solidFill>
-                  <a:schemeClr val="tx2"/>
-                </a:solidFill>
-              </a:rPr>
-              <a:t>初始值，每有</a:t>
-            </a:r>
-            <a:r>
-              <a:rPr lang="en-US" altLang="zh-TW" sz="1400" dirty="0" smtClean="0">
-                <a:solidFill>
-                  <a:schemeClr val="tx2"/>
-                </a:solidFill>
-              </a:rPr>
-              <a:t>1</a:t>
-            </a:r>
-            <a:r>
-              <a:rPr lang="zh-TW" altLang="en-US" sz="1400" dirty="0" smtClean="0">
-                <a:solidFill>
-                  <a:schemeClr val="tx2"/>
-                </a:solidFill>
-              </a:rPr>
-              <a:t>公斤就呼叫</a:t>
-            </a:r>
-            <a:r>
-              <a:rPr lang="en-US" altLang="zh-TW" sz="1400" dirty="0" smtClean="0">
-                <a:solidFill>
-                  <a:schemeClr val="tx2"/>
-                </a:solidFill>
-              </a:rPr>
-              <a:t>”</a:t>
-            </a:r>
-            <a:r>
-              <a:rPr lang="zh-TW" altLang="en-US" sz="1400" dirty="0" smtClean="0">
-                <a:solidFill>
-                  <a:schemeClr val="tx2"/>
-                </a:solidFill>
-              </a:rPr>
-              <a:t>吃東西</a:t>
-            </a:r>
-            <a:r>
-              <a:rPr lang="en-US" altLang="zh-TW" sz="1400" dirty="0" smtClean="0">
-                <a:solidFill>
-                  <a:schemeClr val="tx2"/>
-                </a:solidFill>
-              </a:rPr>
-              <a:t>”method</a:t>
-            </a:r>
-            <a:r>
-              <a:rPr lang="zh-TW" altLang="en-US" sz="1400" dirty="0" smtClean="0">
-                <a:solidFill>
-                  <a:schemeClr val="tx2"/>
-                </a:solidFill>
-              </a:rPr>
-              <a:t>一次；如</a:t>
-            </a:r>
-            <a:r>
-              <a:rPr lang="en-US" altLang="zh-TW" sz="1400" dirty="0" smtClean="0">
-                <a:solidFill>
-                  <a:schemeClr val="tx2"/>
-                </a:solidFill>
-              </a:rPr>
-              <a:t>5.6</a:t>
-            </a:r>
-            <a:r>
-              <a:rPr lang="zh-TW" altLang="en-US" sz="1400" dirty="0" smtClean="0">
-                <a:solidFill>
-                  <a:schemeClr val="tx2"/>
-                </a:solidFill>
-              </a:rPr>
-              <a:t>公斤則呼叫</a:t>
-            </a:r>
-            <a:r>
-              <a:rPr lang="en-US" altLang="zh-TW" sz="1400" dirty="0" smtClean="0">
-                <a:solidFill>
-                  <a:schemeClr val="tx2"/>
-                </a:solidFill>
-              </a:rPr>
-              <a:t>5</a:t>
-            </a:r>
-            <a:r>
-              <a:rPr lang="zh-TW" altLang="en-US" sz="1400" dirty="0" smtClean="0">
-                <a:solidFill>
-                  <a:schemeClr val="tx2"/>
-                </a:solidFill>
-              </a:rPr>
-              <a:t>次，不足</a:t>
-            </a:r>
-            <a:r>
-              <a:rPr lang="en-US" altLang="zh-TW" sz="1400" dirty="0" smtClean="0">
-                <a:solidFill>
-                  <a:schemeClr val="tx2"/>
-                </a:solidFill>
-              </a:rPr>
-              <a:t>1</a:t>
-            </a:r>
-            <a:r>
-              <a:rPr lang="zh-TW" altLang="en-US" sz="1400" dirty="0" smtClean="0">
-                <a:solidFill>
-                  <a:schemeClr val="tx2"/>
-                </a:solidFill>
-              </a:rPr>
-              <a:t>公斤則僅呼叫</a:t>
-            </a:r>
-            <a:r>
-              <a:rPr lang="en-US" altLang="zh-TW" sz="1400" dirty="0" smtClean="0">
-                <a:solidFill>
-                  <a:schemeClr val="tx2"/>
-                </a:solidFill>
-              </a:rPr>
-              <a:t>1</a:t>
-            </a:r>
-            <a:r>
-              <a:rPr lang="zh-TW" altLang="en-US" sz="1400" dirty="0" smtClean="0">
-                <a:solidFill>
-                  <a:schemeClr val="tx2"/>
-                </a:solidFill>
-              </a:rPr>
-              <a:t>次</a:t>
-            </a:r>
-            <a:endParaRPr lang="en-US" altLang="zh-TW" sz="1400" dirty="0" smtClean="0">
-              <a:solidFill>
-                <a:schemeClr val="tx2"/>
-              </a:solidFill>
-            </a:endParaRPr>
+              <a:t>Check-in)</a:t>
+            </a:r>
           </a:p>
           <a:p>
             <a:pPr>
               <a:buFont typeface="Wingdings" pitchFamily="2" charset="2"/>
               <a:buChar char="n"/>
             </a:pPr>
-            <a:endParaRPr lang="en-US" altLang="zh-TW" sz="1800" dirty="0" smtClean="0">
-              <a:solidFill>
-                <a:schemeClr val="tx2"/>
-              </a:solidFill>
-            </a:endParaRPr>
-          </a:p>
-          <a:p>
-            <a:pPr>
-              <a:buFont typeface="Wingdings" pitchFamily="2" charset="2"/>
-              <a:buChar char="n"/>
-            </a:pPr>
             <a:r>
               <a:rPr lang="zh-TW" altLang="en-US" sz="1800" dirty="0" smtClean="0">
                 <a:solidFill>
                   <a:schemeClr val="tx2"/>
                 </a:solidFill>
               </a:rPr>
-              <a:t>將程式上傳至</a:t>
+              <a:t>從</a:t>
             </a:r>
             <a:r>
               <a:rPr lang="en-US" altLang="zh-TW" sz="1800" dirty="0" smtClean="0">
@@ -18461,30 +18757,29 @@
               </a:rPr>
               <a:t>TFS</a:t>
             </a:r>
-          </a:p>
-          <a:p>
-            <a:pPr>
-              <a:buFont typeface="Wingdings" pitchFamily="2" charset="2"/>
-              <a:buChar char="n"/>
-            </a:pPr>
-            <a:endParaRPr lang="en-US" altLang="zh-TW" sz="1800" dirty="0" smtClean="0">
-              <a:solidFill>
-                <a:schemeClr val="tx2"/>
-              </a:solidFill>
-            </a:endParaRPr>
-          </a:p>
-          <a:p>
-            <a:pPr>
-              <a:buFont typeface="Wingdings" pitchFamily="2" charset="2"/>
-              <a:buChar char="n"/>
-            </a:pPr>
             <a:r>
               <a:rPr lang="zh-TW" altLang="en-US" sz="1800" dirty="0" smtClean="0">
                 <a:solidFill>
                   <a:schemeClr val="tx2"/>
                 </a:solidFill>
               </a:rPr>
-              <a:t>從</a:t>
+              <a:t>取得</a:t>
+            </a:r>
+            <a:r>
+              <a:rPr lang="zh-TW" altLang="en-US" sz="1800" dirty="0">
+                <a:solidFill>
+                  <a:schemeClr val="tx2"/>
+                </a:solidFill>
+              </a:rPr>
+              <a:t>別人</a:t>
+            </a:r>
+            <a:r>
+              <a:rPr lang="zh-TW" altLang="en-US" sz="1800" dirty="0" smtClean="0">
+                <a:solidFill>
+                  <a:schemeClr val="tx2"/>
+                </a:solidFill>
+              </a:rPr>
+              <a:t>的程式，加上註解後再</a:t>
             </a:r>
             <a:r>
               <a:rPr lang="en-US" altLang="zh-TW" sz="1800" dirty="0" smtClean="0">
@@ -18492,15 +18787,86 @@
                   <a:schemeClr val="tx2"/>
                 </a:solidFill>
               </a:rPr>
-              <a:t>TFS</a:t>
-            </a:r>
+              <a:t>check-in</a:t>
+            </a:r>
+            <a:br>
+              <a:rPr lang="en-US" altLang="zh-TW" sz="1800" dirty="0" smtClean="0">
+                <a:solidFill>
+                  <a:schemeClr val="tx2"/>
+                </a:solidFill>
+              </a:rPr>
+            </a:br>
             <a:r>
               <a:rPr lang="zh-TW" altLang="en-US" sz="1800" dirty="0" smtClean="0">
                 <a:solidFill>
                   <a:schemeClr val="tx2"/>
                 </a:solidFill>
               </a:rPr>
-              <a:t>取得</a:t>
+              <a:t>格式</a:t>
+            </a:r>
+            <a:r>
+              <a:rPr lang="en-US" altLang="zh-TW" sz="1800" dirty="0" smtClean="0">
+                <a:solidFill>
+                  <a:schemeClr val="tx2"/>
+                </a:solidFill>
+              </a:rPr>
+              <a:t>: </a:t>
+            </a:r>
+            <a:r>
+              <a:rPr lang="en-US" altLang="zh-TW" sz="1800" dirty="0" err="1" smtClean="0">
+                <a:solidFill>
+                  <a:schemeClr val="tx2"/>
+                </a:solidFill>
+              </a:rPr>
+              <a:t>yyyy</a:t>
+            </a:r>
+            <a:r>
+              <a:rPr lang="en-US" altLang="zh-TW" sz="1800" dirty="0" smtClean="0">
+                <a:solidFill>
+                  <a:schemeClr val="tx2"/>
+                </a:solidFill>
+              </a:rPr>
+              <a:t>/MM/</a:t>
+            </a:r>
+            <a:r>
+              <a:rPr lang="en-US" altLang="zh-TW" sz="1800" dirty="0" err="1" smtClean="0">
+                <a:solidFill>
+                  <a:schemeClr val="tx2"/>
+                </a:solidFill>
+              </a:rPr>
+              <a:t>dd</a:t>
+            </a:r>
+            <a:r>
+              <a:rPr lang="en-US" altLang="zh-TW" sz="1800" dirty="0" smtClean="0">
+                <a:solidFill>
+                  <a:schemeClr val="tx2"/>
+                </a:solidFill>
+              </a:rPr>
+              <a:t> </a:t>
+            </a:r>
+            <a:r>
+              <a:rPr lang="zh-TW" altLang="en-US" sz="1800" dirty="0" smtClean="0">
+                <a:solidFill>
+                  <a:schemeClr val="tx2"/>
+                </a:solidFill>
+              </a:rPr>
+              <a:t>自己的姓名 </a:t>
+            </a:r>
+            <a:r>
+              <a:rPr lang="en-US" altLang="zh-TW" sz="1800" dirty="0" smtClean="0">
+                <a:solidFill>
+                  <a:schemeClr val="tx2"/>
+                </a:solidFill>
+              </a:rPr>
+              <a:t>(</a:t>
+            </a:r>
+            <a:r>
+              <a:rPr lang="zh-TW" altLang="en-US" sz="1800" dirty="0" smtClean="0">
+                <a:solidFill>
+                  <a:schemeClr val="tx2"/>
+                </a:solidFill>
+              </a:rPr>
+              <a:t>於星期二及星期三各改一位同事的</a:t>
             </a:r>
             <a:r>
               <a:rPr lang="zh-TW" altLang="en-US" sz="1800" dirty="0">
@@ -18508,15 +18874,7 @@
                   <a:schemeClr val="tx2"/>
                 </a:solidFill>
               </a:rPr>
-              <a:t>別人</a:t>
-            </a:r>
-            <a:r>
-              <a:rPr lang="zh-TW" altLang="en-US" sz="1800" dirty="0" smtClean="0">
-                <a:solidFill>
-                  <a:schemeClr val="tx2"/>
-                </a:solidFill>
-              </a:rPr>
-              <a:t>的程式，加上自己的註解後再</a:t>
+              <a:t>程式碼</a:t>
             </a:r>
             <a:r>
               <a:rPr lang="en-US" altLang="zh-TW" sz="1800" dirty="0" smtClean="0">
@@ -18524,7 +18882,7 @@
                   <a:schemeClr val="tx2"/>
                 </a:solidFill>
               </a:rPr>
-              <a:t>check-in</a:t>
+              <a:t>)</a:t>
             </a:r>
             <a:endParaRPr lang="en-US" altLang="zh-TW" sz="1800" dirty="0">
               <a:solidFill>
@@ -19296,17 +19654,7 @@
                 <a:ea typeface="標楷體" pitchFamily="65" charset="-120"/>
                 <a:sym typeface="Wingdings 2" pitchFamily="18" charset="2"/>
               </a:rPr>
-              <a:t>.</a:t>
-            </a:r>
-            <a:r>
-              <a:rPr kumimoji="0" lang="en-US" altLang="zh-TW" b="0" dirty="0" err="1" smtClean="0">
-                <a:solidFill>
-                  <a:schemeClr val="bg1"/>
-                </a:solidFill>
-                <a:ea typeface="標楷體" pitchFamily="65" charset="-120"/>
-                <a:sym typeface="Wingdings 2" pitchFamily="18" charset="2"/>
-              </a:rPr>
-              <a:t>Net</a:t>
+              <a:t>.Net</a:t>
             </a:r>
             <a:r>
               <a:rPr kumimoji="0" lang="zh-TW" altLang="en-US" b="0" dirty="0" smtClean="0">
@@ -21799,33 +22147,24 @@
               <a:buNone/>
             </a:pPr>
             <a:r>
-              <a:rPr lang="en-US" altLang="zh-TW" sz="1800" dirty="0" smtClean="0">
+              <a:rPr lang="en-US" altLang="zh-TW" sz="1800">
                 <a:solidFill>
                   <a:schemeClr val="tx2"/>
                 </a:solidFill>
                 <a:hlinkClick r:id="rId4"/>
               </a:rPr>
-              <a:t>http</a:t>
-            </a:r>
-            <a:r>
-              <a:rPr lang="en-US" altLang="zh-TW" sz="1800" dirty="0">
+              <a:t>http://</a:t>
+            </a:r>
+            <a:r>
+              <a:rPr lang="en-US" altLang="zh-TW" sz="1800" smtClean="0">
                 <a:solidFill>
                   <a:schemeClr val="tx2"/>
                 </a:solidFill>
                 <a:hlinkClick r:id="rId4"/>
               </a:rPr>
-              <a:t>://</a:t>
-            </a:r>
-            <a:r>
-              <a:rPr lang="en-US" altLang="zh-TW" sz="1800" dirty="0" smtClean="0">
-                <a:solidFill>
-                  <a:schemeClr val="tx2"/>
-                </a:solidFill>
-                <a:hlinkClick r:id="rId4"/>
-              </a:rPr>
-              <a:t>blog.miniasp.com/post/2011/04/14/Using-WinMerge-with-TFS.aspx</a:t>
-            </a:r>
-            <a:endParaRPr lang="en-US" altLang="zh-TW" sz="1800" dirty="0" smtClean="0">
+              <a:t>blog.miniasp.com/post/2011/04/15/Using-WinMerge-with-TFS.aspx</a:t>
+            </a:r>
+            <a:endParaRPr lang="en-US" altLang="zh-TW" sz="1800" smtClean="0">
               <a:solidFill>
                 <a:schemeClr val="tx2"/>
               </a:solidFill>

--- a/簡報及DB/.Net開發環境.pptx
+++ b/簡報及DB/.Net開發環境.pptx
@@ -5,10 +5,10 @@
     <p:sldMasterId id="2147483648" r:id="rId1"/>
   </p:sldMasterIdLst>
   <p:notesMasterIdLst>
-    <p:notesMasterId r:id="rId15"/>
+    <p:notesMasterId r:id="rId14"/>
   </p:notesMasterIdLst>
   <p:handoutMasterIdLst>
-    <p:handoutMasterId r:id="rId16"/>
+    <p:handoutMasterId r:id="rId15"/>
   </p:handoutMasterIdLst>
   <p:sldIdLst>
     <p:sldId id="259" r:id="rId2"/>
@@ -23,7 +23,6 @@
     <p:sldId id="270" r:id="rId11"/>
     <p:sldId id="271" r:id="rId12"/>
     <p:sldId id="272" r:id="rId13"/>
-    <p:sldId id="273" r:id="rId14"/>
   </p:sldIdLst>
   <p:sldSz cx="9144000" cy="6858000" type="screen4x3"/>
   <p:notesSz cx="6858000" cy="9144000"/>
@@ -139,7 +138,6 @@
             <p14:sldId id="270"/>
             <p14:sldId id="271"/>
             <p14:sldId id="272"/>
-            <p14:sldId id="273"/>
           </p14:sldIdLst>
         </p14:section>
       </p14:sectionLst>
@@ -2131,15 +2129,15 @@
     <dgm:cxn modelId="{4A03AC1C-A407-464C-974D-4180583E1DA3}" srcId="{B5678221-4467-4734-89B3-2CE80D37ED33}" destId="{3B7339BD-5972-402F-A3EE-F7B22F665A63}" srcOrd="0" destOrd="0" parTransId="{7890A692-CEA2-4011-A5B8-C4DD8D4EE5F4}" sibTransId="{C1F9AAEA-560D-4E1A-9E8F-A6247ECAF84D}"/>
     <dgm:cxn modelId="{C102719A-A85D-4DF4-83DB-CF194DFDA3DA}" type="presOf" srcId="{AF503A18-DF2D-4293-82DA-9235F15FD4CB}" destId="{A56D4E53-3727-4B4C-AB67-CEE7BC75E98D}" srcOrd="0" destOrd="0" presId="urn:microsoft.com/office/officeart/2005/8/layout/cycle5"/>
     <dgm:cxn modelId="{BB6104CF-AE1D-450B-BD90-BDA810D91DA6}" srcId="{B5678221-4467-4734-89B3-2CE80D37ED33}" destId="{FFE09C4D-84CF-4DB8-884E-CC5A793844C4}" srcOrd="3" destOrd="0" parTransId="{746FF21B-CD09-4F30-8C83-1902A5470390}" sibTransId="{8386BAF7-B531-4666-93F0-96491609FB92}"/>
+    <dgm:cxn modelId="{49BE7C0A-C70C-4EE5-A9B2-25E203FB2BCD}" type="presOf" srcId="{D543C13C-CD89-424A-BF89-ACFCA0CE6C88}" destId="{B1C2DA86-56A4-4DE3-BD72-E5825FDAD9AE}" srcOrd="0" destOrd="0" presId="urn:microsoft.com/office/officeart/2005/8/layout/cycle5"/>
     <dgm:cxn modelId="{988D3FE6-3F6B-47A8-869F-65D7E74F0F84}" type="presOf" srcId="{C9E1D762-ABA2-4266-BABA-2FFC654253DD}" destId="{87006EA2-7EED-449F-9565-993ACE5F02CD}" srcOrd="0" destOrd="0" presId="urn:microsoft.com/office/officeart/2005/8/layout/cycle5"/>
-    <dgm:cxn modelId="{49BE7C0A-C70C-4EE5-A9B2-25E203FB2BCD}" type="presOf" srcId="{D543C13C-CD89-424A-BF89-ACFCA0CE6C88}" destId="{B1C2DA86-56A4-4DE3-BD72-E5825FDAD9AE}" srcOrd="0" destOrd="0" presId="urn:microsoft.com/office/officeart/2005/8/layout/cycle5"/>
     <dgm:cxn modelId="{B062114F-5F61-4B78-AACB-CC0ABCE693CE}" srcId="{B5678221-4467-4734-89B3-2CE80D37ED33}" destId="{AF503A18-DF2D-4293-82DA-9235F15FD4CB}" srcOrd="1" destOrd="0" parTransId="{869FEAA1-A598-40B8-83F1-495B2B5F1BAE}" sibTransId="{8AC99278-AA24-473C-B385-33C711BBAF69}"/>
     <dgm:cxn modelId="{B0CCE520-0B15-4F19-97CC-21C382AC4561}" srcId="{B5678221-4467-4734-89B3-2CE80D37ED33}" destId="{C9E1D762-ABA2-4266-BABA-2FFC654253DD}" srcOrd="2" destOrd="0" parTransId="{CF5614C1-D98B-427F-B8A0-49A24BFF6D75}" sibTransId="{D543C13C-CD89-424A-BF89-ACFCA0CE6C88}"/>
     <dgm:cxn modelId="{D1D800AF-27EF-44F3-8C56-50A5E537D38D}" type="presOf" srcId="{3B7339BD-5972-402F-A3EE-F7B22F665A63}" destId="{40A1F7E7-00C0-4D3A-993F-83512B32CABF}" srcOrd="0" destOrd="0" presId="urn:microsoft.com/office/officeart/2005/8/layout/cycle5"/>
     <dgm:cxn modelId="{56320A98-1162-4D9B-9740-4A6A5B637FD8}" type="presOf" srcId="{FFE09C4D-84CF-4DB8-884E-CC5A793844C4}" destId="{B472D460-D847-4A13-929B-FBF425D69083}" srcOrd="0" destOrd="0" presId="urn:microsoft.com/office/officeart/2005/8/layout/cycle5"/>
     <dgm:cxn modelId="{CB142BFE-7DB8-48FC-A694-48BFB6F0EAA9}" type="presOf" srcId="{C1F9AAEA-560D-4E1A-9E8F-A6247ECAF84D}" destId="{5C880EE9-A9F6-44B1-8A2D-53F3DE862FA2}" srcOrd="0" destOrd="0" presId="urn:microsoft.com/office/officeart/2005/8/layout/cycle5"/>
+    <dgm:cxn modelId="{FFC690E0-7056-4EA5-A0FB-C4D815A032F6}" type="presOf" srcId="{8AC99278-AA24-473C-B385-33C711BBAF69}" destId="{071A10FA-28E6-4FE6-BB25-6C2863E6DF68}" srcOrd="0" destOrd="0" presId="urn:microsoft.com/office/officeart/2005/8/layout/cycle5"/>
     <dgm:cxn modelId="{AC717C3A-A7A1-4468-951B-3C173BFB84A0}" type="presOf" srcId="{8386BAF7-B531-4666-93F0-96491609FB92}" destId="{58AAC2AA-9765-47B8-BE4F-70A820EB55FB}" srcOrd="0" destOrd="0" presId="urn:microsoft.com/office/officeart/2005/8/layout/cycle5"/>
-    <dgm:cxn modelId="{FFC690E0-7056-4EA5-A0FB-C4D815A032F6}" type="presOf" srcId="{8AC99278-AA24-473C-B385-33C711BBAF69}" destId="{071A10FA-28E6-4FE6-BB25-6C2863E6DF68}" srcOrd="0" destOrd="0" presId="urn:microsoft.com/office/officeart/2005/8/layout/cycle5"/>
     <dgm:cxn modelId="{C1FAFB85-B285-476B-8C61-9EE48E28B9DD}" type="presParOf" srcId="{7D37C149-1C00-489B-BB39-E9C6B0047407}" destId="{40A1F7E7-00C0-4D3A-993F-83512B32CABF}" srcOrd="0" destOrd="0" presId="urn:microsoft.com/office/officeart/2005/8/layout/cycle5"/>
     <dgm:cxn modelId="{89C08A3F-E926-470B-873E-11DDCA072EB7}" type="presParOf" srcId="{7D37C149-1C00-489B-BB39-E9C6B0047407}" destId="{19B000E6-27D2-47DE-A38D-F2310BDBD899}" srcOrd="1" destOrd="0" presId="urn:microsoft.com/office/officeart/2005/8/layout/cycle5"/>
     <dgm:cxn modelId="{BAD5D5D1-BB3F-4DBD-91A0-485F1B735AF0}" type="presParOf" srcId="{7D37C149-1C00-489B-BB39-E9C6B0047407}" destId="{5C880EE9-A9F6-44B1-8A2D-53F3DE862FA2}" srcOrd="2" destOrd="0" presId="urn:microsoft.com/office/officeart/2005/8/layout/cycle5"/>
@@ -3591,8 +3589,8 @@
     </dgm:pt>
   </dgm:ptLst>
   <dgm:cxnLst>
+    <dgm:cxn modelId="{8FD601F1-DB20-4B3E-8FE0-2A988E4C90EA}" type="presOf" srcId="{5A18143C-77CB-4433-BDB0-AC1F499DA72A}" destId="{8D212291-232E-4CF2-AA36-EDED78C9DF9A}" srcOrd="1" destOrd="0" presId="urn:microsoft.com/office/officeart/2005/8/layout/orgChart1"/>
     <dgm:cxn modelId="{AC911364-9BF8-46E8-A463-CB0ABD77AEED}" type="presOf" srcId="{FF6D9DCF-E27D-4CBC-90CC-E71F697B710F}" destId="{96FE5838-04B0-4027-945B-BF6A758013F8}" srcOrd="0" destOrd="0" presId="urn:microsoft.com/office/officeart/2005/8/layout/orgChart1"/>
-    <dgm:cxn modelId="{8FD601F1-DB20-4B3E-8FE0-2A988E4C90EA}" type="presOf" srcId="{5A18143C-77CB-4433-BDB0-AC1F499DA72A}" destId="{8D212291-232E-4CF2-AA36-EDED78C9DF9A}" srcOrd="1" destOrd="0" presId="urn:microsoft.com/office/officeart/2005/8/layout/orgChart1"/>
     <dgm:cxn modelId="{33A89655-FED7-4541-AF87-4111DBFAB95D}" srcId="{5D68F434-5629-4A0B-89DF-CEDCD690810F}" destId="{39471E3D-115B-4C9E-9D3A-41AF87906D91}" srcOrd="2" destOrd="0" parTransId="{1716D6E5-376D-447A-86EE-C2D9821D90D3}" sibTransId="{367882A2-E7C1-4511-B130-55B6CC33F3BD}"/>
     <dgm:cxn modelId="{DC6305C2-174A-4A67-B91F-8CD0C01BB6F3}" type="presOf" srcId="{4B9E8954-906F-4FF9-A71D-D5E0539DEF71}" destId="{56260870-07F5-4D48-BA8E-24B2742F739C}" srcOrd="0" destOrd="0" presId="urn:microsoft.com/office/officeart/2005/8/layout/orgChart1"/>
     <dgm:cxn modelId="{2FF20D42-5B64-4215-BA6B-DBC74319B147}" type="presOf" srcId="{CE8C3750-59C5-49B0-8013-A099B462202D}" destId="{EF8F10F3-B90E-491C-9D95-5913443674E5}" srcOrd="0" destOrd="0" presId="urn:microsoft.com/office/officeart/2005/8/layout/orgChart1"/>
@@ -9696,7 +9694,7 @@
             <a:fld id="{D83FDC75-7F73-4A4A-A77C-09AADF00E0EA}" type="datetimeFigureOut">
               <a:rPr lang="en-US" altLang="zh-TW" smtClean="0"/>
               <a:pPr/>
-              <a:t>2015/2/25</a:t>
+              <a:t>3/8/2015</a:t>
             </a:fld>
             <a:endParaRPr lang="zh-TW" dirty="0"/>
           </a:p>
@@ -10367,86 +10365,6 @@
               <a:t>1</a:t>
             </a:fld>
             <a:endParaRPr lang="zh-TW"/>
-          </a:p>
-        </p:txBody>
-      </p:sp>
-    </p:spTree>
-  </p:cSld>
-  <p:clrMapOvr>
-    <a:masterClrMapping/>
-  </p:clrMapOvr>
-</p:notes>
-</file>
-
-<file path=ppt/notesSlides/notesSlide10.xml><?xml version="1.0" encoding="utf-8"?>
-<p:notes xmlns:a="http://schemas.openxmlformats.org/drawingml/2006/main" xmlns:r="http://schemas.openxmlformats.org/officeDocument/2006/relationships" xmlns:p="http://schemas.openxmlformats.org/presentationml/2006/main">
-  <p:cSld>
-    <p:spTree>
-      <p:nvGrpSpPr>
-        <p:cNvPr id="1" name=""/>
-        <p:cNvGrpSpPr/>
-        <p:nvPr/>
-      </p:nvGrpSpPr>
-      <p:grpSpPr>
-        <a:xfrm>
-          <a:off x="0" y="0"/>
-          <a:ext cx="0" cy="0"/>
-          <a:chOff x="0" y="0"/>
-          <a:chExt cx="0" cy="0"/>
-        </a:xfrm>
-      </p:grpSpPr>
-      <p:sp>
-        <p:nvSpPr>
-          <p:cNvPr id="60418" name="Rectangle 2"/>
-          <p:cNvSpPr>
-            <a:spLocks noGrp="1" noRot="1" noChangeAspect="1" noChangeArrowheads="1" noTextEdit="1"/>
-          </p:cNvSpPr>
-          <p:nvPr>
-            <p:ph type="sldImg"/>
-          </p:nvPr>
-        </p:nvSpPr>
-        <p:spPr>
-          <a:ln/>
-        </p:spPr>
-      </p:sp>
-      <p:sp>
-        <p:nvSpPr>
-          <p:cNvPr id="60419" name="Rectangle 3"/>
-          <p:cNvSpPr>
-            <a:spLocks noGrp="1" noChangeArrowheads="1"/>
-          </p:cNvSpPr>
-          <p:nvPr>
-            <p:ph type="body" idx="1"/>
-          </p:nvPr>
-        </p:nvSpPr>
-        <p:spPr>
-          <a:noFill/>
-          <a:ln/>
-          <a:extLst>
-            <a:ext uri="{909E8E84-426E-40DD-AFC4-6F175D3DCCD1}">
-              <a14:hiddenFill xmlns:a14="http://schemas.microsoft.com/office/drawing/2010/main">
-                <a:solidFill>
-                  <a:srgbClr val="FFFFFF"/>
-                </a:solidFill>
-              </a14:hiddenFill>
-            </a:ext>
-            <a:ext uri="{91240B29-F687-4F45-9708-019B960494DF}">
-              <a14:hiddenLine xmlns:a14="http://schemas.microsoft.com/office/drawing/2010/main" w="9525">
-                <a:solidFill>
-                  <a:srgbClr val="000000"/>
-                </a:solidFill>
-                <a:miter lim="800000"/>
-                <a:headEnd/>
-                <a:tailEnd/>
-              </a14:hiddenLine>
-            </a:ext>
-          </a:extLst>
-        </p:spPr>
-        <p:txBody>
-          <a:bodyPr/>
-          <a:lstStyle/>
-          <a:p>
-            <a:endParaRPr lang="zh-TW" altLang="en-US" smtClean="0"/>
           </a:p>
         </p:txBody>
       </p:sp>
@@ -17034,346 +16952,6 @@
   </p:clrMapOvr>
   <p:transition spd="slow">
     <p:wipe dir="d"/>
-  </p:transition>
-  <p:timing>
-    <p:tnLst>
-      <p:par>
-        <p:cTn id="1" dur="indefinite" restart="never" nodeType="tmRoot"/>
-      </p:par>
-    </p:tnLst>
-  </p:timing>
-</p:sld>
-</file>
-
-<file path=ppt/slides/slide13.xml><?xml version="1.0" encoding="utf-8"?>
-<p:sld xmlns:a="http://schemas.openxmlformats.org/drawingml/2006/main" xmlns:r="http://schemas.openxmlformats.org/officeDocument/2006/relationships" xmlns:p="http://schemas.openxmlformats.org/presentationml/2006/main">
-  <p:cSld>
-    <p:spTree>
-      <p:nvGrpSpPr>
-        <p:cNvPr id="1" name=""/>
-        <p:cNvGrpSpPr/>
-        <p:nvPr/>
-      </p:nvGrpSpPr>
-      <p:grpSpPr>
-        <a:xfrm>
-          <a:off x="0" y="0"/>
-          <a:ext cx="0" cy="0"/>
-          <a:chOff x="0" y="0"/>
-          <a:chExt cx="0" cy="0"/>
-        </a:xfrm>
-      </p:grpSpPr>
-      <p:sp>
-        <p:nvSpPr>
-          <p:cNvPr id="6" name="投影片編號版面配置區 3"/>
-          <p:cNvSpPr txBox="1">
-            <a:spLocks noGrp="1"/>
-          </p:cNvSpPr>
-          <p:nvPr/>
-        </p:nvSpPr>
-        <p:spPr bwMode="auto">
-          <a:xfrm>
-            <a:off x="6553200" y="6245225"/>
-            <a:ext cx="2133600" cy="476250"/>
-          </a:xfrm>
-          <a:prstGeom prst="rect">
-            <a:avLst/>
-          </a:prstGeom>
-          <a:noFill/>
-          <a:ln>
-            <a:miter lim="800000"/>
-            <a:headEnd/>
-            <a:tailEnd/>
-          </a:ln>
-        </p:spPr>
-        <p:txBody>
-          <a:bodyPr/>
-          <a:lstStyle/>
-          <a:p>
-            <a:pPr algn="r" eaLnBrk="1" hangingPunct="1">
-              <a:spcBef>
-                <a:spcPct val="0"/>
-              </a:spcBef>
-              <a:buFontTx/>
-              <a:buNone/>
-              <a:defRPr/>
-            </a:pPr>
-            <a:fld id="{98B984D9-3234-4510-B8AF-9C18E46EF501}" type="slidenum">
-              <a:rPr lang="en-US" altLang="zh-TW" sz="1400" b="0">
-                <a:solidFill>
-                  <a:schemeClr val="tx1"/>
-                </a:solidFill>
-                <a:latin typeface="+mn-lt"/>
-                <a:ea typeface="+mn-ea"/>
-              </a:rPr>
-              <a:pPr algn="r" eaLnBrk="1" hangingPunct="1">
-                <a:spcBef>
-                  <a:spcPct val="0"/>
-                </a:spcBef>
-                <a:buFontTx/>
-                <a:buNone/>
-                <a:defRPr/>
-              </a:pPr>
-              <a:t>13</a:t>
-            </a:fld>
-            <a:endParaRPr lang="en-US" altLang="zh-TW" sz="1400" b="0">
-              <a:solidFill>
-                <a:schemeClr val="tx1"/>
-              </a:solidFill>
-              <a:latin typeface="+mn-lt"/>
-              <a:ea typeface="+mn-ea"/>
-            </a:endParaRPr>
-          </a:p>
-        </p:txBody>
-      </p:sp>
-      <p:pic>
-        <p:nvPicPr>
-          <p:cNvPr id="30723" name="Picture 2" descr="新光人壽主題頁"/>
-          <p:cNvPicPr>
-            <a:picLocks noChangeAspect="1" noChangeArrowheads="1"/>
-          </p:cNvPicPr>
-          <p:nvPr/>
-        </p:nvPicPr>
-        <p:blipFill>
-          <a:blip r:embed="rId3" cstate="email">
-            <a:extLst>
-              <a:ext uri="{28A0092B-C50C-407E-A947-70E740481C1C}">
-                <a14:useLocalDpi xmlns:a14="http://schemas.microsoft.com/office/drawing/2010/main" val="0"/>
-              </a:ext>
-            </a:extLst>
-          </a:blip>
-          <a:srcRect/>
-          <a:stretch>
-            <a:fillRect/>
-          </a:stretch>
-        </p:blipFill>
-        <p:spPr bwMode="auto">
-          <a:xfrm>
-            <a:off x="0" y="0"/>
-            <a:ext cx="9144000" cy="6858000"/>
-          </a:xfrm>
-          <a:prstGeom prst="rect">
-            <a:avLst/>
-          </a:prstGeom>
-          <a:noFill/>
-          <a:ln>
-            <a:noFill/>
-          </a:ln>
-          <a:extLst>
-            <a:ext uri="{909E8E84-426E-40DD-AFC4-6F175D3DCCD1}">
-              <a14:hiddenFill xmlns:a14="http://schemas.microsoft.com/office/drawing/2010/main">
-                <a:solidFill>
-                  <a:srgbClr val="FFFFFF"/>
-                </a:solidFill>
-              </a14:hiddenFill>
-            </a:ext>
-            <a:ext uri="{91240B29-F687-4F45-9708-019B960494DF}">
-              <a14:hiddenLine xmlns:a14="http://schemas.microsoft.com/office/drawing/2010/main" w="9525">
-                <a:solidFill>
-                  <a:srgbClr val="000000"/>
-                </a:solidFill>
-                <a:miter lim="800000"/>
-                <a:headEnd/>
-                <a:tailEnd/>
-              </a14:hiddenLine>
-            </a:ext>
-          </a:extLst>
-        </p:spPr>
-      </p:pic>
-      <p:sp>
-        <p:nvSpPr>
-          <p:cNvPr id="30724" name="Text Box 3"/>
-          <p:cNvSpPr txBox="1">
-            <a:spLocks noChangeArrowheads="1"/>
-          </p:cNvSpPr>
-          <p:nvPr/>
-        </p:nvSpPr>
-        <p:spPr bwMode="auto">
-          <a:xfrm>
-            <a:off x="396875" y="3213100"/>
-            <a:ext cx="7847013" cy="701675"/>
-          </a:xfrm>
-          <a:prstGeom prst="rect">
-            <a:avLst/>
-          </a:prstGeom>
-          <a:noFill/>
-          <a:ln>
-            <a:noFill/>
-          </a:ln>
-          <a:extLst>
-            <a:ext uri="{909E8E84-426E-40DD-AFC4-6F175D3DCCD1}">
-              <a14:hiddenFill xmlns:a14="http://schemas.microsoft.com/office/drawing/2010/main">
-                <a:solidFill>
-                  <a:srgbClr val="FFFFFF"/>
-                </a:solidFill>
-              </a14:hiddenFill>
-            </a:ext>
-            <a:ext uri="{91240B29-F687-4F45-9708-019B960494DF}">
-              <a14:hiddenLine xmlns:a14="http://schemas.microsoft.com/office/drawing/2010/main" w="9525">
-                <a:solidFill>
-                  <a:srgbClr val="000000"/>
-                </a:solidFill>
-                <a:miter lim="800000"/>
-                <a:headEnd/>
-                <a:tailEnd/>
-              </a14:hiddenLine>
-            </a:ext>
-          </a:extLst>
-        </p:spPr>
-        <p:txBody>
-          <a:bodyPr>
-            <a:spAutoFit/>
-          </a:bodyPr>
-          <a:lstStyle>
-            <a:lvl1pPr marL="1219200" indent="-1219200">
-              <a:defRPr kumimoji="1" sz="3200" b="1">
-                <a:solidFill>
-                  <a:schemeClr val="accent2"/>
-                </a:solidFill>
-                <a:latin typeface="Times New Roman" pitchFamily="18" charset="0"/>
-                <a:ea typeface="新細明體" pitchFamily="18" charset="-120"/>
-              </a:defRPr>
-            </a:lvl1pPr>
-            <a:lvl2pPr marL="742950" indent="-285750">
-              <a:defRPr kumimoji="1" sz="3200" b="1">
-                <a:solidFill>
-                  <a:schemeClr val="accent2"/>
-                </a:solidFill>
-                <a:latin typeface="Times New Roman" pitchFamily="18" charset="0"/>
-                <a:ea typeface="新細明體" pitchFamily="18" charset="-120"/>
-              </a:defRPr>
-            </a:lvl2pPr>
-            <a:lvl3pPr marL="1143000" indent="-228600">
-              <a:defRPr kumimoji="1" sz="3200" b="1">
-                <a:solidFill>
-                  <a:schemeClr val="accent2"/>
-                </a:solidFill>
-                <a:latin typeface="Times New Roman" pitchFamily="18" charset="0"/>
-                <a:ea typeface="新細明體" pitchFamily="18" charset="-120"/>
-              </a:defRPr>
-            </a:lvl3pPr>
-            <a:lvl4pPr marL="1600200" indent="-228600">
-              <a:defRPr kumimoji="1" sz="3200" b="1">
-                <a:solidFill>
-                  <a:schemeClr val="accent2"/>
-                </a:solidFill>
-                <a:latin typeface="Times New Roman" pitchFamily="18" charset="0"/>
-                <a:ea typeface="新細明體" pitchFamily="18" charset="-120"/>
-              </a:defRPr>
-            </a:lvl4pPr>
-            <a:lvl5pPr marL="2057400" indent="-228600">
-              <a:defRPr kumimoji="1" sz="3200" b="1">
-                <a:solidFill>
-                  <a:schemeClr val="accent2"/>
-                </a:solidFill>
-                <a:latin typeface="Times New Roman" pitchFamily="18" charset="0"/>
-                <a:ea typeface="新細明體" pitchFamily="18" charset="-120"/>
-              </a:defRPr>
-            </a:lvl5pPr>
-            <a:lvl6pPr marL="2514600" indent="-228600" eaLnBrk="0" fontAlgn="base" hangingPunct="0">
-              <a:spcBef>
-                <a:spcPct val="20000"/>
-              </a:spcBef>
-              <a:spcAft>
-                <a:spcPct val="0"/>
-              </a:spcAft>
-              <a:buFont typeface="Wingdings" pitchFamily="2" charset="2"/>
-              <a:buChar char="Ø"/>
-              <a:defRPr kumimoji="1" sz="3200" b="1">
-                <a:solidFill>
-                  <a:schemeClr val="accent2"/>
-                </a:solidFill>
-                <a:latin typeface="Times New Roman" pitchFamily="18" charset="0"/>
-                <a:ea typeface="新細明體" pitchFamily="18" charset="-120"/>
-              </a:defRPr>
-            </a:lvl6pPr>
-            <a:lvl7pPr marL="2971800" indent="-228600" eaLnBrk="0" fontAlgn="base" hangingPunct="0">
-              <a:spcBef>
-                <a:spcPct val="20000"/>
-              </a:spcBef>
-              <a:spcAft>
-                <a:spcPct val="0"/>
-              </a:spcAft>
-              <a:buFont typeface="Wingdings" pitchFamily="2" charset="2"/>
-              <a:buChar char="Ø"/>
-              <a:defRPr kumimoji="1" sz="3200" b="1">
-                <a:solidFill>
-                  <a:schemeClr val="accent2"/>
-                </a:solidFill>
-                <a:latin typeface="Times New Roman" pitchFamily="18" charset="0"/>
-                <a:ea typeface="新細明體" pitchFamily="18" charset="-120"/>
-              </a:defRPr>
-            </a:lvl7pPr>
-            <a:lvl8pPr marL="3429000" indent="-228600" eaLnBrk="0" fontAlgn="base" hangingPunct="0">
-              <a:spcBef>
-                <a:spcPct val="20000"/>
-              </a:spcBef>
-              <a:spcAft>
-                <a:spcPct val="0"/>
-              </a:spcAft>
-              <a:buFont typeface="Wingdings" pitchFamily="2" charset="2"/>
-              <a:buChar char="Ø"/>
-              <a:defRPr kumimoji="1" sz="3200" b="1">
-                <a:solidFill>
-                  <a:schemeClr val="accent2"/>
-                </a:solidFill>
-                <a:latin typeface="Times New Roman" pitchFamily="18" charset="0"/>
-                <a:ea typeface="新細明體" pitchFamily="18" charset="-120"/>
-              </a:defRPr>
-            </a:lvl8pPr>
-            <a:lvl9pPr marL="3886200" indent="-228600" eaLnBrk="0" fontAlgn="base" hangingPunct="0">
-              <a:spcBef>
-                <a:spcPct val="20000"/>
-              </a:spcBef>
-              <a:spcAft>
-                <a:spcPct val="0"/>
-              </a:spcAft>
-              <a:buFont typeface="Wingdings" pitchFamily="2" charset="2"/>
-              <a:buChar char="Ø"/>
-              <a:defRPr kumimoji="1" sz="3200" b="1">
-                <a:solidFill>
-                  <a:schemeClr val="accent2"/>
-                </a:solidFill>
-                <a:latin typeface="Times New Roman" pitchFamily="18" charset="0"/>
-                <a:ea typeface="新細明體" pitchFamily="18" charset="-120"/>
-              </a:defRPr>
-            </a:lvl9pPr>
-          </a:lstStyle>
-          <a:p>
-            <a:pPr algn="ctr">
-              <a:buFont typeface="Wingdings" pitchFamily="2" charset="2"/>
-              <a:buNone/>
-            </a:pPr>
-            <a:r>
-              <a:rPr lang="en-US" altLang="zh-TW" sz="4000" b="0">
-                <a:solidFill>
-                  <a:schemeClr val="bg1"/>
-                </a:solidFill>
-                <a:sym typeface="Wingdings 2" pitchFamily="18" charset="2"/>
-              </a:rPr>
-              <a:t>Q &amp; A</a:t>
-            </a:r>
-            <a:endParaRPr lang="en-US" altLang="zh-TW" sz="4000" b="0">
-              <a:solidFill>
-                <a:schemeClr val="bg1"/>
-              </a:solidFill>
-              <a:ea typeface="標楷體" pitchFamily="65" charset="-120"/>
-              <a:sym typeface="Wingdings 2" pitchFamily="18" charset="2"/>
-            </a:endParaRPr>
-          </a:p>
-        </p:txBody>
-      </p:sp>
-    </p:spTree>
-    <p:extLst>
-      <p:ext uri="{BB962C8B-B14F-4D97-AF65-F5344CB8AC3E}">
-        <p14:creationId xmlns:p14="http://schemas.microsoft.com/office/powerpoint/2010/main" val="3604272903"/>
-      </p:ext>
-    </p:extLst>
-  </p:cSld>
-  <p:clrMapOvr>
-    <a:masterClrMapping/>
-  </p:clrMapOvr>
-  <p:transition>
-    <p:fade thruBlk="1"/>
   </p:transition>
   <p:timing>
     <p:tnLst>
